--- a/2025/2025-08-29-AI-Updates.pptx
+++ b/2025/2025-08-29-AI-Updates.pptx
@@ -5,7 +5,7 @@
     <p:sldMasterId id="2147483661" r:id="rId1"/>
   </p:sldMasterIdLst>
   <p:notesMasterIdLst>
-    <p:notesMasterId r:id="rId27"/>
+    <p:notesMasterId r:id="rId26"/>
   </p:notesMasterIdLst>
   <p:sldIdLst>
     <p:sldId id="256" r:id="rId2"/>
@@ -32,17 +32,16 @@
     <p:sldId id="277" r:id="rId23"/>
     <p:sldId id="278" r:id="rId24"/>
     <p:sldId id="279" r:id="rId25"/>
-    <p:sldId id="280" r:id="rId26"/>
   </p:sldIdLst>
   <p:sldSz cx="9144000" cy="5143500" type="screen16x9"/>
   <p:notesSz cx="6858000" cy="9144000"/>
   <p:embeddedFontLst>
     <p:embeddedFont>
       <p:font typeface="Roboto Mono" pitchFamily="49" charset="0"/>
-      <p:regular r:id="rId28"/>
-      <p:bold r:id="rId29"/>
-      <p:italic r:id="rId30"/>
-      <p:boldItalic r:id="rId31"/>
+      <p:regular r:id="rId27"/>
+      <p:bold r:id="rId28"/>
+      <p:italic r:id="rId29"/>
+      <p:boldItalic r:id="rId30"/>
     </p:embeddedFont>
   </p:embeddedFontLst>
   <p:defaultTextStyle>
@@ -983,7 +982,7 @@
   <p:cSld>
     <p:spTree>
       <p:nvGrpSpPr>
-        <p:cNvPr id="1" name="Shape 187"/>
+        <p:cNvPr id="1" name="Shape 188"/>
         <p:cNvGrpSpPr/>
         <p:nvPr/>
       </p:nvGrpSpPr>
@@ -997,7 +996,7 @@
       </p:grpSpPr>
       <p:sp>
         <p:nvSpPr>
-          <p:cNvPr id="188" name="Google Shape;188;g37758462eec_0_3:notes"/>
+          <p:cNvPr id="189" name="Google Shape;189;g37758462eec_0_3:notes"/>
           <p:cNvSpPr>
             <a:spLocks noGrp="1" noRot="1" noChangeAspect="1"/>
           </p:cNvSpPr>
@@ -1048,7 +1047,7 @@
       </p:sp>
       <p:sp>
         <p:nvSpPr>
-          <p:cNvPr id="189" name="Google Shape;189;g37758462eec_0_3:notes"/>
+          <p:cNvPr id="190" name="Google Shape;190;g37758462eec_0_3:notes"/>
           <p:cNvSpPr txBox="1">
             <a:spLocks noGrp="1"/>
           </p:cNvSpPr>
@@ -1105,7 +1104,7 @@
   <p:cSld>
     <p:spTree>
       <p:nvGrpSpPr>
-        <p:cNvPr id="1" name="Shape 196"/>
+        <p:cNvPr id="1" name="Shape 201"/>
         <p:cNvGrpSpPr/>
         <p:nvPr/>
       </p:nvGrpSpPr>
@@ -1119,7 +1118,7 @@
       </p:grpSpPr>
       <p:sp>
         <p:nvSpPr>
-          <p:cNvPr id="197" name="Google Shape;197;g377dfa033b3_0_32:notes"/>
+          <p:cNvPr id="202" name="Google Shape;202;g377dfa033b3_0_32:notes"/>
           <p:cNvSpPr>
             <a:spLocks noGrp="1" noRot="1" noChangeAspect="1"/>
           </p:cNvSpPr>
@@ -1170,7 +1169,7 @@
       </p:sp>
       <p:sp>
         <p:nvSpPr>
-          <p:cNvPr id="198" name="Google Shape;198;g377dfa033b3_0_32:notes"/>
+          <p:cNvPr id="203" name="Google Shape;203;g377dfa033b3_0_32:notes"/>
           <p:cNvSpPr txBox="1">
             <a:spLocks noGrp="1"/>
           </p:cNvSpPr>
@@ -1227,7 +1226,7 @@
   <p:cSld>
     <p:spTree>
       <p:nvGrpSpPr>
-        <p:cNvPr id="1" name="Shape 205"/>
+        <p:cNvPr id="1" name="Shape 214"/>
         <p:cNvGrpSpPr/>
         <p:nvPr/>
       </p:nvGrpSpPr>
@@ -1241,7 +1240,7 @@
       </p:grpSpPr>
       <p:sp>
         <p:nvSpPr>
-          <p:cNvPr id="206" name="Google Shape;206;g377dfa033b3_0_49:notes"/>
+          <p:cNvPr id="215" name="Google Shape;215;g377dfa033b3_0_49:notes"/>
           <p:cNvSpPr>
             <a:spLocks noGrp="1" noRot="1" noChangeAspect="1"/>
           </p:cNvSpPr>
@@ -1292,7 +1291,7 @@
       </p:sp>
       <p:sp>
         <p:nvSpPr>
-          <p:cNvPr id="207" name="Google Shape;207;g377dfa033b3_0_49:notes"/>
+          <p:cNvPr id="216" name="Google Shape;216;g377dfa033b3_0_49:notes"/>
           <p:cNvSpPr txBox="1">
             <a:spLocks noGrp="1"/>
           </p:cNvSpPr>
@@ -1349,7 +1348,7 @@
   <p:cSld>
     <p:spTree>
       <p:nvGrpSpPr>
-        <p:cNvPr id="1" name="Shape 214"/>
+        <p:cNvPr id="1" name="Shape 224"/>
         <p:cNvGrpSpPr/>
         <p:nvPr/>
       </p:nvGrpSpPr>
@@ -1363,7 +1362,7 @@
       </p:grpSpPr>
       <p:sp>
         <p:nvSpPr>
-          <p:cNvPr id="215" name="Google Shape;215;g379043af935_0_2:notes"/>
+          <p:cNvPr id="225" name="Google Shape;225;g379043af935_0_2:notes"/>
           <p:cNvSpPr>
             <a:spLocks noGrp="1" noRot="1" noChangeAspect="1"/>
           </p:cNvSpPr>
@@ -1414,7 +1413,7 @@
       </p:sp>
       <p:sp>
         <p:nvSpPr>
-          <p:cNvPr id="216" name="Google Shape;216;g379043af935_0_2:notes"/>
+          <p:cNvPr id="226" name="Google Shape;226;g379043af935_0_2:notes"/>
           <p:cNvSpPr txBox="1">
             <a:spLocks noGrp="1"/>
           </p:cNvSpPr>
@@ -1471,7 +1470,7 @@
   <p:cSld>
     <p:spTree>
       <p:nvGrpSpPr>
-        <p:cNvPr id="1" name="Shape 224"/>
+        <p:cNvPr id="1" name="Shape 239"/>
         <p:cNvGrpSpPr/>
         <p:nvPr/>
       </p:nvGrpSpPr>
@@ -1485,7 +1484,7 @@
       </p:grpSpPr>
       <p:sp>
         <p:nvSpPr>
-          <p:cNvPr id="225" name="Google Shape;225;g37995ad5e98_0_2:notes"/>
+          <p:cNvPr id="240" name="Google Shape;240;g37995ad5e98_0_2:notes"/>
           <p:cNvSpPr>
             <a:spLocks noGrp="1" noRot="1" noChangeAspect="1"/>
           </p:cNvSpPr>
@@ -1536,7 +1535,7 @@
       </p:sp>
       <p:sp>
         <p:nvSpPr>
-          <p:cNvPr id="226" name="Google Shape;226;g37995ad5e98_0_2:notes"/>
+          <p:cNvPr id="241" name="Google Shape;241;g37995ad5e98_0_2:notes"/>
           <p:cNvSpPr txBox="1">
             <a:spLocks noGrp="1"/>
           </p:cNvSpPr>
@@ -1593,7 +1592,7 @@
   <p:cSld>
     <p:spTree>
       <p:nvGrpSpPr>
-        <p:cNvPr id="1" name="Shape 230"/>
+        <p:cNvPr id="1" name="Shape 246"/>
         <p:cNvGrpSpPr/>
         <p:nvPr/>
       </p:nvGrpSpPr>
@@ -1607,7 +1606,7 @@
       </p:grpSpPr>
       <p:sp>
         <p:nvSpPr>
-          <p:cNvPr id="231" name="Google Shape;231;g378d78a8581_0_1:notes"/>
+          <p:cNvPr id="247" name="Google Shape;247;g378d78a8581_0_1:notes"/>
           <p:cNvSpPr>
             <a:spLocks noGrp="1" noRot="1" noChangeAspect="1"/>
           </p:cNvSpPr>
@@ -1658,7 +1657,7 @@
       </p:sp>
       <p:sp>
         <p:nvSpPr>
-          <p:cNvPr id="232" name="Google Shape;232;g378d78a8581_0_1:notes"/>
+          <p:cNvPr id="248" name="Google Shape;248;g378d78a8581_0_1:notes"/>
           <p:cNvSpPr txBox="1">
             <a:spLocks noGrp="1"/>
           </p:cNvSpPr>
@@ -1715,7 +1714,7 @@
   <p:cSld>
     <p:spTree>
       <p:nvGrpSpPr>
-        <p:cNvPr id="1" name="Shape 238"/>
+        <p:cNvPr id="1" name="Shape 254"/>
         <p:cNvGrpSpPr/>
         <p:nvPr/>
       </p:nvGrpSpPr>
@@ -1729,7 +1728,7 @@
       </p:grpSpPr>
       <p:sp>
         <p:nvSpPr>
-          <p:cNvPr id="239" name="Google Shape;239;g377f90f3f6b_1_0:notes"/>
+          <p:cNvPr id="255" name="Google Shape;255;g378d78a8581_0_10:notes"/>
           <p:cNvSpPr>
             <a:spLocks noGrp="1" noRot="1" noChangeAspect="1"/>
           </p:cNvSpPr>
@@ -1780,7 +1779,7 @@
       </p:sp>
       <p:sp>
         <p:nvSpPr>
-          <p:cNvPr id="240" name="Google Shape;240;g377f90f3f6b_1_0:notes"/>
+          <p:cNvPr id="256" name="Google Shape;256;g378d78a8581_0_10:notes"/>
           <p:cNvSpPr txBox="1">
             <a:spLocks noGrp="1"/>
           </p:cNvSpPr>
@@ -1837,7 +1836,7 @@
   <p:cSld>
     <p:spTree>
       <p:nvGrpSpPr>
-        <p:cNvPr id="1" name="Shape 244"/>
+        <p:cNvPr id="1" name="Shape 262"/>
         <p:cNvGrpSpPr/>
         <p:nvPr/>
       </p:nvGrpSpPr>
@@ -1851,7 +1850,7 @@
       </p:grpSpPr>
       <p:sp>
         <p:nvSpPr>
-          <p:cNvPr id="245" name="Google Shape;245;g378d78a8581_0_10:notes"/>
+          <p:cNvPr id="263" name="Google Shape;263;g378cd5ab43e_1_7:notes"/>
           <p:cNvSpPr>
             <a:spLocks noGrp="1" noRot="1" noChangeAspect="1"/>
           </p:cNvSpPr>
@@ -1902,7 +1901,7 @@
       </p:sp>
       <p:sp>
         <p:nvSpPr>
-          <p:cNvPr id="246" name="Google Shape;246;g378d78a8581_0_10:notes"/>
+          <p:cNvPr id="264" name="Google Shape;264;g378cd5ab43e_1_7:notes"/>
           <p:cNvSpPr txBox="1">
             <a:spLocks noGrp="1"/>
           </p:cNvSpPr>
@@ -1959,7 +1958,7 @@
   <p:cSld>
     <p:spTree>
       <p:nvGrpSpPr>
-        <p:cNvPr id="1" name="Shape 252"/>
+        <p:cNvPr id="1" name="Shape 269"/>
         <p:cNvGrpSpPr/>
         <p:nvPr/>
       </p:nvGrpSpPr>
@@ -1973,7 +1972,7 @@
       </p:grpSpPr>
       <p:sp>
         <p:nvSpPr>
-          <p:cNvPr id="253" name="Google Shape;253;g378cd5ab43e_1_7:notes"/>
+          <p:cNvPr id="270" name="Google Shape;270;g377fa5b1af6_1_0:notes"/>
           <p:cNvSpPr>
             <a:spLocks noGrp="1" noRot="1" noChangeAspect="1"/>
           </p:cNvSpPr>
@@ -2024,7 +2023,7 @@
       </p:sp>
       <p:sp>
         <p:nvSpPr>
-          <p:cNvPr id="254" name="Google Shape;254;g378cd5ab43e_1_7:notes"/>
+          <p:cNvPr id="271" name="Google Shape;271;g377fa5b1af6_1_0:notes"/>
           <p:cNvSpPr txBox="1">
             <a:spLocks noGrp="1"/>
           </p:cNvSpPr>
@@ -2081,7 +2080,7 @@
   <p:cSld>
     <p:spTree>
       <p:nvGrpSpPr>
-        <p:cNvPr id="1" name="Shape 258"/>
+        <p:cNvPr id="1" name="Shape 280"/>
         <p:cNvGrpSpPr/>
         <p:nvPr/>
       </p:nvGrpSpPr>
@@ -2095,7 +2094,7 @@
       </p:grpSpPr>
       <p:sp>
         <p:nvSpPr>
-          <p:cNvPr id="259" name="Google Shape;259;g377fa5b1af6_1_0:notes"/>
+          <p:cNvPr id="281" name="Google Shape;281;g377dfa033b3_0_42:notes"/>
           <p:cNvSpPr>
             <a:spLocks noGrp="1" noRot="1" noChangeAspect="1"/>
           </p:cNvSpPr>
@@ -2146,7 +2145,7 @@
       </p:sp>
       <p:sp>
         <p:nvSpPr>
-          <p:cNvPr id="260" name="Google Shape;260;g377fa5b1af6_1_0:notes"/>
+          <p:cNvPr id="282" name="Google Shape;282;g377dfa033b3_0_42:notes"/>
           <p:cNvSpPr txBox="1">
             <a:spLocks noGrp="1"/>
           </p:cNvSpPr>
@@ -2325,7 +2324,7 @@
   <p:cSld>
     <p:spTree>
       <p:nvGrpSpPr>
-        <p:cNvPr id="1" name="Shape 269"/>
+        <p:cNvPr id="1" name="Shape 289"/>
         <p:cNvGrpSpPr/>
         <p:nvPr/>
       </p:nvGrpSpPr>
@@ -2339,7 +2338,7 @@
       </p:grpSpPr>
       <p:sp>
         <p:nvSpPr>
-          <p:cNvPr id="270" name="Google Shape;270;g377dfa033b3_0_42:notes"/>
+          <p:cNvPr id="290" name="Google Shape;290;g378d94ad3e3_0_0:notes"/>
           <p:cNvSpPr>
             <a:spLocks noGrp="1" noRot="1" noChangeAspect="1"/>
           </p:cNvSpPr>
@@ -2390,7 +2389,7 @@
       </p:sp>
       <p:sp>
         <p:nvSpPr>
-          <p:cNvPr id="271" name="Google Shape;271;g377dfa033b3_0_42:notes"/>
+          <p:cNvPr id="291" name="Google Shape;291;g378d94ad3e3_0_0:notes"/>
           <p:cNvSpPr txBox="1">
             <a:spLocks noGrp="1"/>
           </p:cNvSpPr>
@@ -2447,7 +2446,7 @@
   <p:cSld>
     <p:spTree>
       <p:nvGrpSpPr>
-        <p:cNvPr id="1" name="Shape 277"/>
+        <p:cNvPr id="1" name="Shape 298"/>
         <p:cNvGrpSpPr/>
         <p:nvPr/>
       </p:nvGrpSpPr>
@@ -2461,7 +2460,7 @@
       </p:grpSpPr>
       <p:sp>
         <p:nvSpPr>
-          <p:cNvPr id="278" name="Google Shape;278;g378d94ad3e3_0_0:notes"/>
+          <p:cNvPr id="299" name="Google Shape;299;g377dfa033b3_0_3:notes"/>
           <p:cNvSpPr>
             <a:spLocks noGrp="1" noRot="1" noChangeAspect="1"/>
           </p:cNvSpPr>
@@ -2512,7 +2511,7 @@
       </p:sp>
       <p:sp>
         <p:nvSpPr>
-          <p:cNvPr id="279" name="Google Shape;279;g378d94ad3e3_0_0:notes"/>
+          <p:cNvPr id="300" name="Google Shape;300;g377dfa033b3_0_3:notes"/>
           <p:cNvSpPr txBox="1">
             <a:spLocks noGrp="1"/>
           </p:cNvSpPr>
@@ -2569,7 +2568,7 @@
   <p:cSld>
     <p:spTree>
       <p:nvGrpSpPr>
-        <p:cNvPr id="1" name="Shape 285"/>
+        <p:cNvPr id="1" name="Shape 307"/>
         <p:cNvGrpSpPr/>
         <p:nvPr/>
       </p:nvGrpSpPr>
@@ -2583,7 +2582,7 @@
       </p:grpSpPr>
       <p:sp>
         <p:nvSpPr>
-          <p:cNvPr id="286" name="Google Shape;286;g377dfa033b3_0_3:notes"/>
+          <p:cNvPr id="308" name="Google Shape;308;p23:notes"/>
           <p:cNvSpPr>
             <a:spLocks noGrp="1" noRot="1" noChangeAspect="1"/>
           </p:cNvSpPr>
@@ -2634,7 +2633,7 @@
       </p:sp>
       <p:sp>
         <p:nvSpPr>
-          <p:cNvPr id="287" name="Google Shape;287;g377dfa033b3_0_3:notes"/>
+          <p:cNvPr id="309" name="Google Shape;309;p23:notes"/>
           <p:cNvSpPr txBox="1">
             <a:spLocks noGrp="1"/>
           </p:cNvSpPr>
@@ -2691,7 +2690,7 @@
   <p:cSld>
     <p:spTree>
       <p:nvGrpSpPr>
-        <p:cNvPr id="1" name="Shape 294"/>
+        <p:cNvPr id="1" name="Shape 318"/>
         <p:cNvGrpSpPr/>
         <p:nvPr/>
       </p:nvGrpSpPr>
@@ -2705,7 +2704,7 @@
       </p:grpSpPr>
       <p:sp>
         <p:nvSpPr>
-          <p:cNvPr id="295" name="Google Shape;295;p23:notes"/>
+          <p:cNvPr id="319" name="Google Shape;319;p24:notes"/>
           <p:cNvSpPr>
             <a:spLocks noGrp="1" noRot="1" noChangeAspect="1"/>
           </p:cNvSpPr>
@@ -2756,7 +2755,7 @@
       </p:sp>
       <p:sp>
         <p:nvSpPr>
-          <p:cNvPr id="296" name="Google Shape;296;p23:notes"/>
+          <p:cNvPr id="320" name="Google Shape;320;p24:notes"/>
           <p:cNvSpPr txBox="1">
             <a:spLocks noGrp="1"/>
           </p:cNvSpPr>
@@ -2813,7 +2812,7 @@
   <p:cSld>
     <p:spTree>
       <p:nvGrpSpPr>
-        <p:cNvPr id="1" name="Shape 305"/>
+        <p:cNvPr id="1" name="Shape 328"/>
         <p:cNvGrpSpPr/>
         <p:nvPr/>
       </p:nvGrpSpPr>
@@ -2827,7 +2826,129 @@
       </p:grpSpPr>
       <p:sp>
         <p:nvSpPr>
-          <p:cNvPr id="306" name="Google Shape;306;p24:notes"/>
+          <p:cNvPr id="329" name="Google Shape;329;p25:notes"/>
+          <p:cNvSpPr>
+            <a:spLocks noGrp="1" noRot="1" noChangeAspect="1"/>
+          </p:cNvSpPr>
+          <p:nvPr>
+            <p:ph type="sldImg" idx="2"/>
+          </p:nvPr>
+        </p:nvSpPr>
+        <p:spPr>
+          <a:xfrm>
+            <a:off x="381300" y="685800"/>
+            <a:ext cx="6096000" cy="3429000"/>
+          </a:xfrm>
+          <a:custGeom>
+            <a:avLst/>
+            <a:gdLst/>
+            <a:ahLst/>
+            <a:cxnLst/>
+            <a:rect l="l" t="t" r="r" b="b"/>
+            <a:pathLst>
+              <a:path w="120000" h="120000" extrusionOk="0">
+                <a:moveTo>
+                  <a:pt x="0" y="0"/>
+                </a:moveTo>
+                <a:lnTo>
+                  <a:pt x="120000" y="0"/>
+                </a:lnTo>
+                <a:lnTo>
+                  <a:pt x="120000" y="120000"/>
+                </a:lnTo>
+                <a:lnTo>
+                  <a:pt x="0" y="120000"/>
+                </a:lnTo>
+                <a:close/>
+              </a:path>
+            </a:pathLst>
+          </a:custGeom>
+          <a:noFill/>
+          <a:ln w="9525" cap="flat" cmpd="sng">
+            <a:solidFill>
+              <a:srgbClr val="000000"/>
+            </a:solidFill>
+            <a:prstDash val="solid"/>
+            <a:round/>
+            <a:headEnd type="none" w="sm" len="sm"/>
+            <a:tailEnd type="none" w="sm" len="sm"/>
+          </a:ln>
+        </p:spPr>
+      </p:sp>
+      <p:sp>
+        <p:nvSpPr>
+          <p:cNvPr id="330" name="Google Shape;330;p25:notes"/>
+          <p:cNvSpPr txBox="1">
+            <a:spLocks noGrp="1"/>
+          </p:cNvSpPr>
+          <p:nvPr>
+            <p:ph type="body" idx="1"/>
+          </p:nvPr>
+        </p:nvSpPr>
+        <p:spPr>
+          <a:xfrm>
+            <a:off x="685800" y="4343400"/>
+            <a:ext cx="5486400" cy="4114800"/>
+          </a:xfrm>
+          <a:prstGeom prst="rect">
+            <a:avLst/>
+          </a:prstGeom>
+          <a:noFill/>
+          <a:ln>
+            <a:noFill/>
+          </a:ln>
+        </p:spPr>
+        <p:txBody>
+          <a:bodyPr spcFirstLastPara="1" wrap="square" lIns="91425" tIns="91425" rIns="91425" bIns="91425" anchor="t" anchorCtr="0">
+            <a:noAutofit/>
+          </a:bodyPr>
+          <a:lstStyle/>
+          <a:p>
+            <a:pPr marL="0" lvl="0" indent="0" algn="l" rtl="0">
+              <a:lnSpc>
+                <a:spcPct val="100000"/>
+              </a:lnSpc>
+              <a:spcBef>
+                <a:spcPts val="0"/>
+              </a:spcBef>
+              <a:spcAft>
+                <a:spcPts val="0"/>
+              </a:spcAft>
+              <a:buSzPts val="1100"/>
+              <a:buNone/>
+            </a:pPr>
+            <a:endParaRPr/>
+          </a:p>
+        </p:txBody>
+      </p:sp>
+    </p:spTree>
+  </p:cSld>
+  <p:clrMapOvr>
+    <a:masterClrMapping/>
+  </p:clrMapOvr>
+</p:notes>
+</file>
+
+<file path=ppt/notesSlides/notesSlide3.xml><?xml version="1.0" encoding="utf-8"?>
+<p:notes xmlns:a="http://schemas.openxmlformats.org/drawingml/2006/main" xmlns:r="http://schemas.openxmlformats.org/officeDocument/2006/relationships" xmlns:p="http://schemas.openxmlformats.org/presentationml/2006/main" showMasterSp="0" showMasterPhAnim="0">
+  <p:cSld>
+    <p:spTree>
+      <p:nvGrpSpPr>
+        <p:cNvPr id="1" name="Shape 134"/>
+        <p:cNvGrpSpPr/>
+        <p:nvPr/>
+      </p:nvGrpSpPr>
+      <p:grpSpPr>
+        <a:xfrm>
+          <a:off x="0" y="0"/>
+          <a:ext cx="0" cy="0"/>
+          <a:chOff x="0" y="0"/>
+          <a:chExt cx="0" cy="0"/>
+        </a:xfrm>
+      </p:grpSpPr>
+      <p:sp>
+        <p:nvSpPr>
+          <p:cNvPr id="135" name="Google Shape;135;g3647e37c51b_0_0:notes"/>
           <p:cNvSpPr>
             <a:spLocks noGrp="1" noRot="1" noChangeAspect="1"/>
           </p:cNvSpPr>
@@ -2878,7 +2999,7 @@
       </p:sp>
       <p:sp>
         <p:nvSpPr>
-          <p:cNvPr id="307" name="Google Shape;307;p24:notes"/>
+          <p:cNvPr id="136" name="Google Shape;136;g3647e37c51b_0_0:notes"/>
           <p:cNvSpPr txBox="1">
             <a:spLocks noGrp="1"/>
           </p:cNvSpPr>
@@ -2930,12 +3051,12 @@
 </p:notes>
 </file>
 
-<file path=ppt/notesSlides/notesSlide25.xml><?xml version="1.0" encoding="utf-8"?>
+<file path=ppt/notesSlides/notesSlide4.xml><?xml version="1.0" encoding="utf-8"?>
 <p:notes xmlns:a="http://schemas.openxmlformats.org/drawingml/2006/main" xmlns:r="http://schemas.openxmlformats.org/officeDocument/2006/relationships" xmlns:p="http://schemas.openxmlformats.org/presentationml/2006/main" showMasterSp="0" showMasterPhAnim="0">
   <p:cSld>
     <p:spTree>
       <p:nvGrpSpPr>
-        <p:cNvPr id="1" name="Shape 315"/>
+        <p:cNvPr id="1" name="Shape 144"/>
         <p:cNvGrpSpPr/>
         <p:nvPr/>
       </p:nvGrpSpPr>
@@ -2949,129 +3070,7 @@
       </p:grpSpPr>
       <p:sp>
         <p:nvSpPr>
-          <p:cNvPr id="316" name="Google Shape;316;p25:notes"/>
-          <p:cNvSpPr>
-            <a:spLocks noGrp="1" noRot="1" noChangeAspect="1"/>
-          </p:cNvSpPr>
-          <p:nvPr>
-            <p:ph type="sldImg" idx="2"/>
-          </p:nvPr>
-        </p:nvSpPr>
-        <p:spPr>
-          <a:xfrm>
-            <a:off x="381300" y="685800"/>
-            <a:ext cx="6096000" cy="3429000"/>
-          </a:xfrm>
-          <a:custGeom>
-            <a:avLst/>
-            <a:gdLst/>
-            <a:ahLst/>
-            <a:cxnLst/>
-            <a:rect l="l" t="t" r="r" b="b"/>
-            <a:pathLst>
-              <a:path w="120000" h="120000" extrusionOk="0">
-                <a:moveTo>
-                  <a:pt x="0" y="0"/>
-                </a:moveTo>
-                <a:lnTo>
-                  <a:pt x="120000" y="0"/>
-                </a:lnTo>
-                <a:lnTo>
-                  <a:pt x="120000" y="120000"/>
-                </a:lnTo>
-                <a:lnTo>
-                  <a:pt x="0" y="120000"/>
-                </a:lnTo>
-                <a:close/>
-              </a:path>
-            </a:pathLst>
-          </a:custGeom>
-          <a:noFill/>
-          <a:ln w="9525" cap="flat" cmpd="sng">
-            <a:solidFill>
-              <a:srgbClr val="000000"/>
-            </a:solidFill>
-            <a:prstDash val="solid"/>
-            <a:round/>
-            <a:headEnd type="none" w="sm" len="sm"/>
-            <a:tailEnd type="none" w="sm" len="sm"/>
-          </a:ln>
-        </p:spPr>
-      </p:sp>
-      <p:sp>
-        <p:nvSpPr>
-          <p:cNvPr id="317" name="Google Shape;317;p25:notes"/>
-          <p:cNvSpPr txBox="1">
-            <a:spLocks noGrp="1"/>
-          </p:cNvSpPr>
-          <p:nvPr>
-            <p:ph type="body" idx="1"/>
-          </p:nvPr>
-        </p:nvSpPr>
-        <p:spPr>
-          <a:xfrm>
-            <a:off x="685800" y="4343400"/>
-            <a:ext cx="5486400" cy="4114800"/>
-          </a:xfrm>
-          <a:prstGeom prst="rect">
-            <a:avLst/>
-          </a:prstGeom>
-          <a:noFill/>
-          <a:ln>
-            <a:noFill/>
-          </a:ln>
-        </p:spPr>
-        <p:txBody>
-          <a:bodyPr spcFirstLastPara="1" wrap="square" lIns="91425" tIns="91425" rIns="91425" bIns="91425" anchor="t" anchorCtr="0">
-            <a:noAutofit/>
-          </a:bodyPr>
-          <a:lstStyle/>
-          <a:p>
-            <a:pPr marL="0" lvl="0" indent="0" algn="l" rtl="0">
-              <a:lnSpc>
-                <a:spcPct val="100000"/>
-              </a:lnSpc>
-              <a:spcBef>
-                <a:spcPts val="0"/>
-              </a:spcBef>
-              <a:spcAft>
-                <a:spcPts val="0"/>
-              </a:spcAft>
-              <a:buSzPts val="1100"/>
-              <a:buNone/>
-            </a:pPr>
-            <a:endParaRPr/>
-          </a:p>
-        </p:txBody>
-      </p:sp>
-    </p:spTree>
-  </p:cSld>
-  <p:clrMapOvr>
-    <a:masterClrMapping/>
-  </p:clrMapOvr>
-</p:notes>
-</file>
-
-<file path=ppt/notesSlides/notesSlide3.xml><?xml version="1.0" encoding="utf-8"?>
-<p:notes xmlns:a="http://schemas.openxmlformats.org/drawingml/2006/main" xmlns:r="http://schemas.openxmlformats.org/officeDocument/2006/relationships" xmlns:p="http://schemas.openxmlformats.org/presentationml/2006/main" showMasterSp="0" showMasterPhAnim="0">
-  <p:cSld>
-    <p:spTree>
-      <p:nvGrpSpPr>
-        <p:cNvPr id="1" name="Shape 133"/>
-        <p:cNvGrpSpPr/>
-        <p:nvPr/>
-      </p:nvGrpSpPr>
-      <p:grpSpPr>
-        <a:xfrm>
-          <a:off x="0" y="0"/>
-          <a:ext cx="0" cy="0"/>
-          <a:chOff x="0" y="0"/>
-          <a:chExt cx="0" cy="0"/>
-        </a:xfrm>
-      </p:grpSpPr>
-      <p:sp>
-        <p:nvSpPr>
-          <p:cNvPr id="134" name="Google Shape;134;g3647e37c51b_0_0:notes"/>
+          <p:cNvPr id="145" name="Google Shape;145;g3799417b8e6_2_8:notes"/>
           <p:cNvSpPr>
             <a:spLocks noGrp="1" noRot="1" noChangeAspect="1"/>
           </p:cNvSpPr>
@@ -3122,7 +3121,7 @@
       </p:sp>
       <p:sp>
         <p:nvSpPr>
-          <p:cNvPr id="135" name="Google Shape;135;g3647e37c51b_0_0:notes"/>
+          <p:cNvPr id="146" name="Google Shape;146;g3799417b8e6_2_8:notes"/>
           <p:cNvSpPr txBox="1">
             <a:spLocks noGrp="1"/>
           </p:cNvSpPr>
@@ -3174,12 +3173,12 @@
 </p:notes>
 </file>
 
-<file path=ppt/notesSlides/notesSlide4.xml><?xml version="1.0" encoding="utf-8"?>
+<file path=ppt/notesSlides/notesSlide5.xml><?xml version="1.0" encoding="utf-8"?>
 <p:notes xmlns:a="http://schemas.openxmlformats.org/drawingml/2006/main" xmlns:r="http://schemas.openxmlformats.org/officeDocument/2006/relationships" xmlns:p="http://schemas.openxmlformats.org/presentationml/2006/main" showMasterSp="0" showMasterPhAnim="0">
   <p:cSld>
     <p:spTree>
       <p:nvGrpSpPr>
-        <p:cNvPr id="1" name="Shape 143"/>
+        <p:cNvPr id="1" name="Shape 152"/>
         <p:cNvGrpSpPr/>
         <p:nvPr/>
       </p:nvGrpSpPr>
@@ -3193,7 +3192,7 @@
       </p:grpSpPr>
       <p:sp>
         <p:nvSpPr>
-          <p:cNvPr id="144" name="Google Shape;144;g3799417b8e6_2_8:notes"/>
+          <p:cNvPr id="153" name="Google Shape;153;g3799417b8e6_2_0:notes"/>
           <p:cNvSpPr>
             <a:spLocks noGrp="1" noRot="1" noChangeAspect="1"/>
           </p:cNvSpPr>
@@ -3244,7 +3243,7 @@
       </p:sp>
       <p:sp>
         <p:nvSpPr>
-          <p:cNvPr id="145" name="Google Shape;145;g3799417b8e6_2_8:notes"/>
+          <p:cNvPr id="154" name="Google Shape;154;g3799417b8e6_2_0:notes"/>
           <p:cNvSpPr txBox="1">
             <a:spLocks noGrp="1"/>
           </p:cNvSpPr>
@@ -3296,12 +3295,12 @@
 </p:notes>
 </file>
 
-<file path=ppt/notesSlides/notesSlide5.xml><?xml version="1.0" encoding="utf-8"?>
+<file path=ppt/notesSlides/notesSlide6.xml><?xml version="1.0" encoding="utf-8"?>
 <p:notes xmlns:a="http://schemas.openxmlformats.org/drawingml/2006/main" xmlns:r="http://schemas.openxmlformats.org/officeDocument/2006/relationships" xmlns:p="http://schemas.openxmlformats.org/presentationml/2006/main" showMasterSp="0" showMasterPhAnim="0">
   <p:cSld>
     <p:spTree>
       <p:nvGrpSpPr>
-        <p:cNvPr id="1" name="Shape 151"/>
+        <p:cNvPr id="1" name="Shape 161"/>
         <p:cNvGrpSpPr/>
         <p:nvPr/>
       </p:nvGrpSpPr>
@@ -3315,7 +3314,7 @@
       </p:grpSpPr>
       <p:sp>
         <p:nvSpPr>
-          <p:cNvPr id="152" name="Google Shape;152;g3799417b8e6_2_0:notes"/>
+          <p:cNvPr id="162" name="Google Shape;162;g35f406ef591_0_5:notes"/>
           <p:cNvSpPr>
             <a:spLocks noGrp="1" noRot="1" noChangeAspect="1"/>
           </p:cNvSpPr>
@@ -3366,7 +3365,7 @@
       </p:sp>
       <p:sp>
         <p:nvSpPr>
-          <p:cNvPr id="153" name="Google Shape;153;g3799417b8e6_2_0:notes"/>
+          <p:cNvPr id="163" name="Google Shape;163;g35f406ef591_0_5:notes"/>
           <p:cNvSpPr txBox="1">
             <a:spLocks noGrp="1"/>
           </p:cNvSpPr>
@@ -3418,12 +3417,12 @@
 </p:notes>
 </file>
 
-<file path=ppt/notesSlides/notesSlide6.xml><?xml version="1.0" encoding="utf-8"?>
+<file path=ppt/notesSlides/notesSlide7.xml><?xml version="1.0" encoding="utf-8"?>
 <p:notes xmlns:a="http://schemas.openxmlformats.org/drawingml/2006/main" xmlns:r="http://schemas.openxmlformats.org/officeDocument/2006/relationships" xmlns:p="http://schemas.openxmlformats.org/presentationml/2006/main" showMasterSp="0" showMasterPhAnim="0">
   <p:cSld>
     <p:spTree>
       <p:nvGrpSpPr>
-        <p:cNvPr id="1" name="Shape 160"/>
+        <p:cNvPr id="1" name="Shape 167"/>
         <p:cNvGrpSpPr/>
         <p:nvPr/>
       </p:nvGrpSpPr>
@@ -3437,7 +3436,7 @@
       </p:grpSpPr>
       <p:sp>
         <p:nvSpPr>
-          <p:cNvPr id="161" name="Google Shape;161;g377dfa033b3_0_22:notes"/>
+          <p:cNvPr id="168" name="Google Shape;168;g377dfa033b3_0_22:notes"/>
           <p:cNvSpPr>
             <a:spLocks noGrp="1" noRot="1" noChangeAspect="1"/>
           </p:cNvSpPr>
@@ -3488,7 +3487,7 @@
       </p:sp>
       <p:sp>
         <p:nvSpPr>
-          <p:cNvPr id="162" name="Google Shape;162;g377dfa033b3_0_22:notes"/>
+          <p:cNvPr id="169" name="Google Shape;169;g377dfa033b3_0_22:notes"/>
           <p:cNvSpPr txBox="1">
             <a:spLocks noGrp="1"/>
           </p:cNvSpPr>
@@ -3540,12 +3539,12 @@
 </p:notes>
 </file>
 
-<file path=ppt/notesSlides/notesSlide7.xml><?xml version="1.0" encoding="utf-8"?>
+<file path=ppt/notesSlides/notesSlide8.xml><?xml version="1.0" encoding="utf-8"?>
 <p:notes xmlns:a="http://schemas.openxmlformats.org/drawingml/2006/main" xmlns:r="http://schemas.openxmlformats.org/officeDocument/2006/relationships" xmlns:p="http://schemas.openxmlformats.org/presentationml/2006/main" showMasterSp="0" showMasterPhAnim="0">
   <p:cSld>
     <p:spTree>
       <p:nvGrpSpPr>
-        <p:cNvPr id="1" name="Shape 167"/>
+        <p:cNvPr id="1" name="Shape 174"/>
         <p:cNvGrpSpPr/>
         <p:nvPr/>
       </p:nvGrpSpPr>
@@ -3559,7 +3558,7 @@
       </p:grpSpPr>
       <p:sp>
         <p:nvSpPr>
-          <p:cNvPr id="168" name="Google Shape;168;g377dfa033b3_0_14:notes"/>
+          <p:cNvPr id="175" name="Google Shape;175;g377dfa033b3_0_14:notes"/>
           <p:cNvSpPr>
             <a:spLocks noGrp="1" noRot="1" noChangeAspect="1"/>
           </p:cNvSpPr>
@@ -3610,7 +3609,7 @@
       </p:sp>
       <p:sp>
         <p:nvSpPr>
-          <p:cNvPr id="169" name="Google Shape;169;g377dfa033b3_0_14:notes"/>
+          <p:cNvPr id="176" name="Google Shape;176;g377dfa033b3_0_14:notes"/>
           <p:cNvSpPr txBox="1">
             <a:spLocks noGrp="1"/>
           </p:cNvSpPr>
@@ -3662,12 +3661,12 @@
 </p:notes>
 </file>
 
-<file path=ppt/notesSlides/notesSlide8.xml><?xml version="1.0" encoding="utf-8"?>
+<file path=ppt/notesSlides/notesSlide9.xml><?xml version="1.0" encoding="utf-8"?>
 <p:notes xmlns:a="http://schemas.openxmlformats.org/drawingml/2006/main" xmlns:r="http://schemas.openxmlformats.org/officeDocument/2006/relationships" xmlns:p="http://schemas.openxmlformats.org/presentationml/2006/main" showMasterSp="0" showMasterPhAnim="0">
   <p:cSld>
     <p:spTree>
       <p:nvGrpSpPr>
-        <p:cNvPr id="1" name="Shape 174"/>
+        <p:cNvPr id="1" name="Shape 181"/>
         <p:cNvGrpSpPr/>
         <p:nvPr/>
       </p:nvGrpSpPr>
@@ -3681,7 +3680,7 @@
       </p:grpSpPr>
       <p:sp>
         <p:nvSpPr>
-          <p:cNvPr id="175" name="Google Shape;175;g35f406ef591_0_5:notes"/>
+          <p:cNvPr id="182" name="Google Shape;182;g364d2926b10_3_1:notes"/>
           <p:cNvSpPr>
             <a:spLocks noGrp="1" noRot="1" noChangeAspect="1"/>
           </p:cNvSpPr>
@@ -3732,129 +3731,7 @@
       </p:sp>
       <p:sp>
         <p:nvSpPr>
-          <p:cNvPr id="176" name="Google Shape;176;g35f406ef591_0_5:notes"/>
-          <p:cNvSpPr txBox="1">
-            <a:spLocks noGrp="1"/>
-          </p:cNvSpPr>
-          <p:nvPr>
-            <p:ph type="body" idx="1"/>
-          </p:nvPr>
-        </p:nvSpPr>
-        <p:spPr>
-          <a:xfrm>
-            <a:off x="685800" y="4343400"/>
-            <a:ext cx="5486400" cy="4114800"/>
-          </a:xfrm>
-          <a:prstGeom prst="rect">
-            <a:avLst/>
-          </a:prstGeom>
-          <a:noFill/>
-          <a:ln>
-            <a:noFill/>
-          </a:ln>
-        </p:spPr>
-        <p:txBody>
-          <a:bodyPr spcFirstLastPara="1" wrap="square" lIns="91425" tIns="91425" rIns="91425" bIns="91425" anchor="t" anchorCtr="0">
-            <a:noAutofit/>
-          </a:bodyPr>
-          <a:lstStyle/>
-          <a:p>
-            <a:pPr marL="0" lvl="0" indent="0" algn="l" rtl="0">
-              <a:lnSpc>
-                <a:spcPct val="100000"/>
-              </a:lnSpc>
-              <a:spcBef>
-                <a:spcPts val="0"/>
-              </a:spcBef>
-              <a:spcAft>
-                <a:spcPts val="0"/>
-              </a:spcAft>
-              <a:buSzPts val="1100"/>
-              <a:buNone/>
-            </a:pPr>
-            <a:endParaRPr/>
-          </a:p>
-        </p:txBody>
-      </p:sp>
-    </p:spTree>
-  </p:cSld>
-  <p:clrMapOvr>
-    <a:masterClrMapping/>
-  </p:clrMapOvr>
-</p:notes>
-</file>
-
-<file path=ppt/notesSlides/notesSlide9.xml><?xml version="1.0" encoding="utf-8"?>
-<p:notes xmlns:a="http://schemas.openxmlformats.org/drawingml/2006/main" xmlns:r="http://schemas.openxmlformats.org/officeDocument/2006/relationships" xmlns:p="http://schemas.openxmlformats.org/presentationml/2006/main" showMasterSp="0" showMasterPhAnim="0">
-  <p:cSld>
-    <p:spTree>
-      <p:nvGrpSpPr>
-        <p:cNvPr id="1" name="Shape 180"/>
-        <p:cNvGrpSpPr/>
-        <p:nvPr/>
-      </p:nvGrpSpPr>
-      <p:grpSpPr>
-        <a:xfrm>
-          <a:off x="0" y="0"/>
-          <a:ext cx="0" cy="0"/>
-          <a:chOff x="0" y="0"/>
-          <a:chExt cx="0" cy="0"/>
-        </a:xfrm>
-      </p:grpSpPr>
-      <p:sp>
-        <p:nvSpPr>
-          <p:cNvPr id="181" name="Google Shape;181;g364d2926b10_3_1:notes"/>
-          <p:cNvSpPr>
-            <a:spLocks noGrp="1" noRot="1" noChangeAspect="1"/>
-          </p:cNvSpPr>
-          <p:nvPr>
-            <p:ph type="sldImg" idx="2"/>
-          </p:nvPr>
-        </p:nvSpPr>
-        <p:spPr>
-          <a:xfrm>
-            <a:off x="381000" y="685800"/>
-            <a:ext cx="6096000" cy="3429000"/>
-          </a:xfrm>
-          <a:custGeom>
-            <a:avLst/>
-            <a:gdLst/>
-            <a:ahLst/>
-            <a:cxnLst/>
-            <a:rect l="l" t="t" r="r" b="b"/>
-            <a:pathLst>
-              <a:path w="120000" h="120000" extrusionOk="0">
-                <a:moveTo>
-                  <a:pt x="0" y="0"/>
-                </a:moveTo>
-                <a:lnTo>
-                  <a:pt x="120000" y="0"/>
-                </a:lnTo>
-                <a:lnTo>
-                  <a:pt x="120000" y="120000"/>
-                </a:lnTo>
-                <a:lnTo>
-                  <a:pt x="0" y="120000"/>
-                </a:lnTo>
-                <a:close/>
-              </a:path>
-            </a:pathLst>
-          </a:custGeom>
-          <a:noFill/>
-          <a:ln w="9525" cap="flat" cmpd="sng">
-            <a:solidFill>
-              <a:srgbClr val="000000"/>
-            </a:solidFill>
-            <a:prstDash val="solid"/>
-            <a:round/>
-            <a:headEnd type="none" w="sm" len="sm"/>
-            <a:tailEnd type="none" w="sm" len="sm"/>
-          </a:ln>
-        </p:spPr>
-      </p:sp>
-      <p:sp>
-        <p:nvSpPr>
-          <p:cNvPr id="182" name="Google Shape;182;g364d2926b10_3_1:notes"/>
+          <p:cNvPr id="183" name="Google Shape;183;g364d2926b10_3_1:notes"/>
           <p:cNvSpPr txBox="1">
             <a:spLocks noGrp="1"/>
           </p:cNvSpPr>
@@ -13667,8 +13544,8 @@
         </p:nvSpPr>
         <p:spPr>
           <a:xfrm>
-            <a:off x="4576975" y="4396785"/>
-            <a:ext cx="4502400" cy="449400"/>
+            <a:off x="4576975" y="3252764"/>
+            <a:ext cx="4502400" cy="1311300"/>
           </a:xfrm>
           <a:prstGeom prst="rect">
             <a:avLst/>
@@ -13719,7 +13596,167 @@
                 <a:cs typeface="Calibri"/>
                 <a:sym typeface="Calibri"/>
               </a:rPr>
-              <a:t>xxx</a:t>
+              <a:t>Memento: Fine-tuning Agents without Fine-tuning LLMs</a:t>
+            </a:r>
+            <a:endParaRPr b="1">
+              <a:solidFill>
+                <a:srgbClr val="3C78D8"/>
+              </a:solidFill>
+              <a:latin typeface="Calibri"/>
+              <a:ea typeface="Calibri"/>
+              <a:cs typeface="Calibri"/>
+              <a:sym typeface="Calibri"/>
+            </a:endParaRPr>
+          </a:p>
+          <a:p>
+            <a:pPr marL="228600" marR="0" lvl="0" indent="-203200" algn="l" rtl="0">
+              <a:lnSpc>
+                <a:spcPct val="100000"/>
+              </a:lnSpc>
+              <a:spcBef>
+                <a:spcPts val="0"/>
+              </a:spcBef>
+              <a:spcAft>
+                <a:spcPts val="0"/>
+              </a:spcAft>
+              <a:buClr>
+                <a:srgbClr val="3C78D8"/>
+              </a:buClr>
+              <a:buSzPts val="1400"/>
+              <a:buFont typeface="Calibri"/>
+              <a:buChar char="●"/>
+            </a:pPr>
+            <a:r>
+              <a:rPr lang="en" b="1">
+                <a:solidFill>
+                  <a:srgbClr val="3C78D8"/>
+                </a:solidFill>
+                <a:latin typeface="Calibri"/>
+                <a:ea typeface="Calibri"/>
+                <a:cs typeface="Calibri"/>
+                <a:sym typeface="Calibri"/>
+              </a:rPr>
+              <a:t>AI Generated YouTube Stories &amp; Shorts</a:t>
+            </a:r>
+            <a:endParaRPr b="1">
+              <a:solidFill>
+                <a:srgbClr val="3C78D8"/>
+              </a:solidFill>
+              <a:latin typeface="Calibri"/>
+              <a:ea typeface="Calibri"/>
+              <a:cs typeface="Calibri"/>
+              <a:sym typeface="Calibri"/>
+            </a:endParaRPr>
+          </a:p>
+          <a:p>
+            <a:pPr marL="228600" marR="0" lvl="0" indent="-203200" algn="l" rtl="0">
+              <a:lnSpc>
+                <a:spcPct val="100000"/>
+              </a:lnSpc>
+              <a:spcBef>
+                <a:spcPts val="0"/>
+              </a:spcBef>
+              <a:spcAft>
+                <a:spcPts val="0"/>
+              </a:spcAft>
+              <a:buClr>
+                <a:srgbClr val="3C78D8"/>
+              </a:buClr>
+              <a:buSzPts val="1400"/>
+              <a:buFont typeface="Calibri"/>
+              <a:buChar char="●"/>
+            </a:pPr>
+            <a:r>
+              <a:rPr lang="en" b="1">
+                <a:solidFill>
+                  <a:srgbClr val="3C78D8"/>
+                </a:solidFill>
+                <a:latin typeface="Calibri"/>
+                <a:ea typeface="Calibri"/>
+                <a:cs typeface="Calibri"/>
+                <a:sym typeface="Calibri"/>
+              </a:rPr>
+              <a:t>Claude Code Hints</a:t>
+            </a:r>
+            <a:endParaRPr b="1">
+              <a:solidFill>
+                <a:srgbClr val="3C78D8"/>
+              </a:solidFill>
+              <a:latin typeface="Calibri"/>
+              <a:ea typeface="Calibri"/>
+              <a:cs typeface="Calibri"/>
+              <a:sym typeface="Calibri"/>
+            </a:endParaRPr>
+          </a:p>
+          <a:p>
+            <a:pPr marL="228600" marR="0" lvl="0" indent="-203200" algn="l" rtl="0">
+              <a:lnSpc>
+                <a:spcPct val="100000"/>
+              </a:lnSpc>
+              <a:spcBef>
+                <a:spcPts val="0"/>
+              </a:spcBef>
+              <a:spcAft>
+                <a:spcPts val="0"/>
+              </a:spcAft>
+              <a:buClr>
+                <a:srgbClr val="3C78D8"/>
+              </a:buClr>
+              <a:buSzPts val="1400"/>
+              <a:buFont typeface="Calibri"/>
+              <a:buChar char="●"/>
+            </a:pPr>
+            <a:r>
+              <a:rPr lang="en" b="1">
+                <a:solidFill>
+                  <a:srgbClr val="3C78D8"/>
+                </a:solidFill>
+                <a:latin typeface="Calibri"/>
+                <a:ea typeface="Calibri"/>
+                <a:cs typeface="Calibri"/>
+                <a:sym typeface="Calibri"/>
+              </a:rPr>
+              <a:t>FastAPI Example</a:t>
+            </a:r>
+            <a:endParaRPr b="1">
+              <a:solidFill>
+                <a:srgbClr val="3C78D8"/>
+              </a:solidFill>
+              <a:latin typeface="Calibri"/>
+              <a:ea typeface="Calibri"/>
+              <a:cs typeface="Calibri"/>
+              <a:sym typeface="Calibri"/>
+            </a:endParaRPr>
+          </a:p>
+          <a:p>
+            <a:pPr marL="228600" marR="0" lvl="0" indent="-203200" algn="l" rtl="0">
+              <a:lnSpc>
+                <a:spcPct val="100000"/>
+              </a:lnSpc>
+              <a:spcBef>
+                <a:spcPts val="0"/>
+              </a:spcBef>
+              <a:spcAft>
+                <a:spcPts val="0"/>
+              </a:spcAft>
+              <a:buClr>
+                <a:srgbClr val="3C78D8"/>
+              </a:buClr>
+              <a:buSzPts val="1400"/>
+              <a:buFont typeface="Calibri"/>
+              <a:buChar char="●"/>
+            </a:pPr>
+            <a:r>
+              <a:rPr lang="en" b="1">
+                <a:solidFill>
+                  <a:srgbClr val="3C78D8"/>
+                </a:solidFill>
+                <a:latin typeface="Calibri"/>
+                <a:ea typeface="Calibri"/>
+                <a:cs typeface="Calibri"/>
+                <a:sym typeface="Calibri"/>
+              </a:rPr>
+              <a:t>Deep Think with Confidence</a:t>
             </a:r>
             <a:endParaRPr b="1">
               <a:solidFill>
@@ -14256,7 +14293,7 @@
         <p:spPr>
           <a:xfrm>
             <a:off x="4576975" y="789650"/>
-            <a:ext cx="4502400" cy="3466200"/>
+            <a:ext cx="4502400" cy="2388900"/>
           </a:xfrm>
           <a:prstGeom prst="rect">
             <a:avLst/>
@@ -14708,206 +14745,6 @@
                 <a:sym typeface="Calibri"/>
               </a:rPr>
               <a:t>Stacking Sliding Windows Problem</a:t>
-            </a:r>
-            <a:endParaRPr b="1">
-              <a:solidFill>
-                <a:srgbClr val="3C78D8"/>
-              </a:solidFill>
-              <a:latin typeface="Calibri"/>
-              <a:ea typeface="Calibri"/>
-              <a:cs typeface="Calibri"/>
-              <a:sym typeface="Calibri"/>
-            </a:endParaRPr>
-          </a:p>
-          <a:p>
-            <a:pPr marL="228600" marR="0" lvl="0" indent="-203200" algn="l" rtl="0">
-              <a:lnSpc>
-                <a:spcPct val="100000"/>
-              </a:lnSpc>
-              <a:spcBef>
-                <a:spcPts val="0"/>
-              </a:spcBef>
-              <a:spcAft>
-                <a:spcPts val="0"/>
-              </a:spcAft>
-              <a:buClr>
-                <a:srgbClr val="3C78D8"/>
-              </a:buClr>
-              <a:buSzPts val="1400"/>
-              <a:buFont typeface="Calibri"/>
-              <a:buChar char="●"/>
-            </a:pPr>
-            <a:r>
-              <a:rPr lang="en" b="1">
-                <a:solidFill>
-                  <a:srgbClr val="3C78D8"/>
-                </a:solidFill>
-                <a:latin typeface="Calibri"/>
-                <a:ea typeface="Calibri"/>
-                <a:cs typeface="Calibri"/>
-                <a:sym typeface="Calibri"/>
-              </a:rPr>
-              <a:t>Memento: Fine-tuning Agents without Fine-tuning LLMs</a:t>
-            </a:r>
-            <a:endParaRPr b="1">
-              <a:solidFill>
-                <a:srgbClr val="3C78D8"/>
-              </a:solidFill>
-              <a:latin typeface="Calibri"/>
-              <a:ea typeface="Calibri"/>
-              <a:cs typeface="Calibri"/>
-              <a:sym typeface="Calibri"/>
-            </a:endParaRPr>
-          </a:p>
-          <a:p>
-            <a:pPr marL="228600" marR="0" lvl="0" indent="-203200" algn="l" rtl="0">
-              <a:lnSpc>
-                <a:spcPct val="100000"/>
-              </a:lnSpc>
-              <a:spcBef>
-                <a:spcPts val="0"/>
-              </a:spcBef>
-              <a:spcAft>
-                <a:spcPts val="0"/>
-              </a:spcAft>
-              <a:buClr>
-                <a:srgbClr val="3C78D8"/>
-              </a:buClr>
-              <a:buSzPts val="1400"/>
-              <a:buFont typeface="Calibri"/>
-              <a:buChar char="●"/>
-            </a:pPr>
-            <a:r>
-              <a:rPr lang="en" b="1">
-                <a:solidFill>
-                  <a:srgbClr val="3C78D8"/>
-                </a:solidFill>
-                <a:latin typeface="Calibri"/>
-                <a:ea typeface="Calibri"/>
-                <a:cs typeface="Calibri"/>
-                <a:sym typeface="Calibri"/>
-              </a:rPr>
-              <a:t>AI Generated YouTube Stories &amp; Shorts</a:t>
-            </a:r>
-            <a:endParaRPr b="1">
-              <a:solidFill>
-                <a:srgbClr val="3C78D8"/>
-              </a:solidFill>
-              <a:latin typeface="Calibri"/>
-              <a:ea typeface="Calibri"/>
-              <a:cs typeface="Calibri"/>
-              <a:sym typeface="Calibri"/>
-            </a:endParaRPr>
-          </a:p>
-          <a:p>
-            <a:pPr marL="228600" marR="0" lvl="0" indent="-203200" algn="l" rtl="0">
-              <a:lnSpc>
-                <a:spcPct val="100000"/>
-              </a:lnSpc>
-              <a:spcBef>
-                <a:spcPts val="0"/>
-              </a:spcBef>
-              <a:spcAft>
-                <a:spcPts val="0"/>
-              </a:spcAft>
-              <a:buClr>
-                <a:srgbClr val="3C78D8"/>
-              </a:buClr>
-              <a:buSzPts val="1400"/>
-              <a:buFont typeface="Calibri"/>
-              <a:buChar char="●"/>
-            </a:pPr>
-            <a:r>
-              <a:rPr lang="en" b="1">
-                <a:solidFill>
-                  <a:srgbClr val="3C78D8"/>
-                </a:solidFill>
-                <a:latin typeface="Calibri"/>
-                <a:ea typeface="Calibri"/>
-                <a:cs typeface="Calibri"/>
-                <a:sym typeface="Calibri"/>
-              </a:rPr>
-              <a:t>Claude Code Hints</a:t>
-            </a:r>
-            <a:endParaRPr b="1">
-              <a:solidFill>
-                <a:srgbClr val="3C78D8"/>
-              </a:solidFill>
-              <a:latin typeface="Calibri"/>
-              <a:ea typeface="Calibri"/>
-              <a:cs typeface="Calibri"/>
-              <a:sym typeface="Calibri"/>
-            </a:endParaRPr>
-          </a:p>
-          <a:p>
-            <a:pPr marL="228600" marR="0" lvl="0" indent="-203200" algn="l" rtl="0">
-              <a:lnSpc>
-                <a:spcPct val="100000"/>
-              </a:lnSpc>
-              <a:spcBef>
-                <a:spcPts val="0"/>
-              </a:spcBef>
-              <a:spcAft>
-                <a:spcPts val="0"/>
-              </a:spcAft>
-              <a:buClr>
-                <a:srgbClr val="3C78D8"/>
-              </a:buClr>
-              <a:buSzPts val="1400"/>
-              <a:buFont typeface="Calibri"/>
-              <a:buChar char="●"/>
-            </a:pPr>
-            <a:r>
-              <a:rPr lang="en" b="1">
-                <a:solidFill>
-                  <a:srgbClr val="3C78D8"/>
-                </a:solidFill>
-                <a:latin typeface="Calibri"/>
-                <a:ea typeface="Calibri"/>
-                <a:cs typeface="Calibri"/>
-                <a:sym typeface="Calibri"/>
-              </a:rPr>
-              <a:t>FastAPI Example</a:t>
-            </a:r>
-            <a:endParaRPr b="1">
-              <a:solidFill>
-                <a:srgbClr val="3C78D8"/>
-              </a:solidFill>
-              <a:latin typeface="Calibri"/>
-              <a:ea typeface="Calibri"/>
-              <a:cs typeface="Calibri"/>
-              <a:sym typeface="Calibri"/>
-            </a:endParaRPr>
-          </a:p>
-          <a:p>
-            <a:pPr marL="228600" marR="0" lvl="0" indent="-203200" algn="l" rtl="0">
-              <a:lnSpc>
-                <a:spcPct val="100000"/>
-              </a:lnSpc>
-              <a:spcBef>
-                <a:spcPts val="0"/>
-              </a:spcBef>
-              <a:spcAft>
-                <a:spcPts val="0"/>
-              </a:spcAft>
-              <a:buClr>
-                <a:srgbClr val="3C78D8"/>
-              </a:buClr>
-              <a:buSzPts val="1400"/>
-              <a:buFont typeface="Calibri"/>
-              <a:buChar char="●"/>
-            </a:pPr>
-            <a:r>
-              <a:rPr lang="en" b="1">
-                <a:solidFill>
-                  <a:srgbClr val="3C78D8"/>
-                </a:solidFill>
-                <a:latin typeface="Calibri"/>
-                <a:ea typeface="Calibri"/>
-                <a:cs typeface="Calibri"/>
-                <a:sym typeface="Calibri"/>
-              </a:rPr>
-              <a:t>Deep Think with Confidence</a:t>
             </a:r>
             <a:endParaRPr b="1">
               <a:solidFill>
@@ -15080,7 +14917,7 @@
   <p:cSld>
     <p:spTree>
       <p:nvGrpSpPr>
-        <p:cNvPr id="1" name="Shape 190"/>
+        <p:cNvPr id="1" name="Shape 191"/>
         <p:cNvGrpSpPr/>
         <p:nvPr/>
       </p:nvGrpSpPr>
@@ -15094,7 +14931,7 @@
       </p:grpSpPr>
       <p:sp>
         <p:nvSpPr>
-          <p:cNvPr id="191" name="Google Shape;191;p24"/>
+          <p:cNvPr id="192" name="Google Shape;192;p24"/>
           <p:cNvSpPr txBox="1"/>
           <p:nvPr/>
         </p:nvSpPr>
@@ -15160,7 +14997,7 @@
       </p:sp>
       <p:sp>
         <p:nvSpPr>
-          <p:cNvPr id="192" name="Google Shape;192;p24"/>
+          <p:cNvPr id="193" name="Google Shape;193;p24"/>
           <p:cNvSpPr txBox="1"/>
           <p:nvPr/>
         </p:nvSpPr>
@@ -15487,7 +15324,7 @@
       </p:sp>
       <p:sp>
         <p:nvSpPr>
-          <p:cNvPr id="193" name="Google Shape;193;p24"/>
+          <p:cNvPr id="194" name="Google Shape;194;p24"/>
           <p:cNvSpPr txBox="1"/>
           <p:nvPr/>
         </p:nvSpPr>
@@ -15573,7 +15410,7 @@
       </p:sp>
       <p:sp>
         <p:nvSpPr>
-          <p:cNvPr id="194" name="Google Shape;194;p24"/>
+          <p:cNvPr id="195" name="Google Shape;195;p24"/>
           <p:cNvSpPr txBox="1"/>
           <p:nvPr/>
         </p:nvSpPr>
@@ -15740,7 +15577,7 @@
       </p:sp>
       <p:sp>
         <p:nvSpPr>
-          <p:cNvPr id="195" name="Google Shape;195;p24"/>
+          <p:cNvPr id="196" name="Google Shape;196;p24"/>
           <p:cNvSpPr txBox="1"/>
           <p:nvPr/>
         </p:nvSpPr>
@@ -15824,6 +15661,162 @@
           </a:p>
         </p:txBody>
       </p:sp>
+      <p:pic>
+        <p:nvPicPr>
+          <p:cNvPr id="197" name="Google Shape;197;p24"/>
+          <p:cNvPicPr preferRelativeResize="0"/>
+          <p:nvPr/>
+        </p:nvPicPr>
+        <p:blipFill>
+          <a:blip r:embed="rId5" cstate="email">
+            <a:alphaModFix/>
+            <a:extLst>
+              <a:ext uri="{28A0092B-C50C-407E-A947-70E740481C1C}">
+                <a14:useLocalDpi xmlns:a14="http://schemas.microsoft.com/office/drawing/2010/main"/>
+              </a:ext>
+            </a:extLst>
+          </a:blip>
+          <a:stretch>
+            <a:fillRect/>
+          </a:stretch>
+        </p:blipFill>
+        <p:spPr>
+          <a:xfrm>
+            <a:off x="4600000" y="69200"/>
+            <a:ext cx="4271026" cy="2177975"/>
+          </a:xfrm>
+          <a:prstGeom prst="rect">
+            <a:avLst/>
+          </a:prstGeom>
+          <a:noFill/>
+          <a:ln w="9525" cap="flat" cmpd="sng">
+            <a:solidFill>
+              <a:srgbClr val="FF0000"/>
+            </a:solidFill>
+            <a:prstDash val="solid"/>
+            <a:round/>
+            <a:headEnd type="none" w="sm" len="sm"/>
+            <a:tailEnd type="none" w="sm" len="sm"/>
+          </a:ln>
+        </p:spPr>
+      </p:pic>
+      <p:pic>
+        <p:nvPicPr>
+          <p:cNvPr id="198" name="Google Shape;198;p24"/>
+          <p:cNvPicPr preferRelativeResize="0"/>
+          <p:nvPr/>
+        </p:nvPicPr>
+        <p:blipFill>
+          <a:blip r:embed="rId6" cstate="email">
+            <a:alphaModFix/>
+            <a:extLst>
+              <a:ext uri="{28A0092B-C50C-407E-A947-70E740481C1C}">
+                <a14:useLocalDpi xmlns:a14="http://schemas.microsoft.com/office/drawing/2010/main"/>
+              </a:ext>
+            </a:extLst>
+          </a:blip>
+          <a:stretch>
+            <a:fillRect/>
+          </a:stretch>
+        </p:blipFill>
+        <p:spPr>
+          <a:xfrm>
+            <a:off x="4599995" y="2581250"/>
+            <a:ext cx="1512086" cy="849600"/>
+          </a:xfrm>
+          <a:prstGeom prst="rect">
+            <a:avLst/>
+          </a:prstGeom>
+          <a:noFill/>
+          <a:ln w="9525" cap="flat" cmpd="sng">
+            <a:solidFill>
+              <a:srgbClr val="FF0000"/>
+            </a:solidFill>
+            <a:prstDash val="solid"/>
+            <a:round/>
+            <a:headEnd type="none" w="sm" len="sm"/>
+            <a:tailEnd type="none" w="sm" len="sm"/>
+          </a:ln>
+        </p:spPr>
+      </p:pic>
+      <p:pic>
+        <p:nvPicPr>
+          <p:cNvPr id="199" name="Google Shape;199;p24"/>
+          <p:cNvPicPr preferRelativeResize="0"/>
+          <p:nvPr/>
+        </p:nvPicPr>
+        <p:blipFill>
+          <a:blip r:embed="rId7" cstate="email">
+            <a:alphaModFix/>
+            <a:extLst>
+              <a:ext uri="{28A0092B-C50C-407E-A947-70E740481C1C}">
+                <a14:useLocalDpi xmlns:a14="http://schemas.microsoft.com/office/drawing/2010/main"/>
+              </a:ext>
+            </a:extLst>
+          </a:blip>
+          <a:stretch>
+            <a:fillRect/>
+          </a:stretch>
+        </p:blipFill>
+        <p:spPr>
+          <a:xfrm>
+            <a:off x="6248901" y="3064128"/>
+            <a:ext cx="1989393" cy="1046025"/>
+          </a:xfrm>
+          <a:prstGeom prst="rect">
+            <a:avLst/>
+          </a:prstGeom>
+          <a:noFill/>
+          <a:ln w="9525" cap="flat" cmpd="sng">
+            <a:solidFill>
+              <a:srgbClr val="FF0000"/>
+            </a:solidFill>
+            <a:prstDash val="solid"/>
+            <a:round/>
+            <a:headEnd type="none" w="sm" len="sm"/>
+            <a:tailEnd type="none" w="sm" len="sm"/>
+          </a:ln>
+        </p:spPr>
+      </p:pic>
+      <p:pic>
+        <p:nvPicPr>
+          <p:cNvPr id="200" name="Google Shape;200;p24"/>
+          <p:cNvPicPr preferRelativeResize="0"/>
+          <p:nvPr/>
+        </p:nvPicPr>
+        <p:blipFill>
+          <a:blip r:embed="rId8" cstate="email">
+            <a:alphaModFix/>
+            <a:extLst>
+              <a:ext uri="{28A0092B-C50C-407E-A947-70E740481C1C}">
+                <a14:useLocalDpi xmlns:a14="http://schemas.microsoft.com/office/drawing/2010/main"/>
+              </a:ext>
+            </a:extLst>
+          </a:blip>
+          <a:stretch>
+            <a:fillRect/>
+          </a:stretch>
+        </p:blipFill>
+        <p:spPr>
+          <a:xfrm>
+            <a:off x="4529874" y="4228125"/>
+            <a:ext cx="1942025" cy="790150"/>
+          </a:xfrm>
+          <a:prstGeom prst="rect">
+            <a:avLst/>
+          </a:prstGeom>
+          <a:noFill/>
+          <a:ln w="9525" cap="flat" cmpd="sng">
+            <a:solidFill>
+              <a:srgbClr val="FF0000"/>
+            </a:solidFill>
+            <a:prstDash val="solid"/>
+            <a:round/>
+            <a:headEnd type="none" w="sm" len="sm"/>
+            <a:tailEnd type="none" w="sm" len="sm"/>
+          </a:ln>
+        </p:spPr>
+      </p:pic>
     </p:spTree>
   </p:cSld>
   <p:clrMapOvr>
@@ -15837,7 +15830,7 @@
   <p:cSld>
     <p:spTree>
       <p:nvGrpSpPr>
-        <p:cNvPr id="1" name="Shape 199"/>
+        <p:cNvPr id="1" name="Shape 204"/>
         <p:cNvGrpSpPr/>
         <p:nvPr/>
       </p:nvGrpSpPr>
@@ -15851,7 +15844,7 @@
       </p:grpSpPr>
       <p:sp>
         <p:nvSpPr>
-          <p:cNvPr id="200" name="Google Shape;200;p25"/>
+          <p:cNvPr id="205" name="Google Shape;205;p25"/>
           <p:cNvSpPr txBox="1"/>
           <p:nvPr/>
         </p:nvSpPr>
@@ -15917,7 +15910,7 @@
       </p:sp>
       <p:sp>
         <p:nvSpPr>
-          <p:cNvPr id="201" name="Google Shape;201;p25"/>
+          <p:cNvPr id="206" name="Google Shape;206;p25"/>
           <p:cNvSpPr txBox="1"/>
           <p:nvPr/>
         </p:nvSpPr>
@@ -16124,7 +16117,7 @@
       </p:sp>
       <p:sp>
         <p:nvSpPr>
-          <p:cNvPr id="202" name="Google Shape;202;p25"/>
+          <p:cNvPr id="207" name="Google Shape;207;p25"/>
           <p:cNvSpPr txBox="1"/>
           <p:nvPr/>
         </p:nvSpPr>
@@ -16435,7 +16428,7 @@
       </p:sp>
       <p:sp>
         <p:nvSpPr>
-          <p:cNvPr id="203" name="Google Shape;203;p25"/>
+          <p:cNvPr id="208" name="Google Shape;208;p25"/>
           <p:cNvSpPr txBox="1"/>
           <p:nvPr/>
         </p:nvSpPr>
@@ -16589,7 +16582,7 @@
       </p:sp>
       <p:sp>
         <p:nvSpPr>
-          <p:cNvPr id="204" name="Google Shape;204;p25"/>
+          <p:cNvPr id="209" name="Google Shape;209;p25"/>
           <p:cNvSpPr txBox="1"/>
           <p:nvPr/>
         </p:nvSpPr>
@@ -16647,7 +16640,7 @@
                 <a:cs typeface="Calibri"/>
                 <a:sym typeface="Calibri"/>
               </a:rPr>
-              <a:t>NotebookLM's Video Overviews are now available in 80 languages</a:t>
+              <a:t>NotebookLM Video Overviews are now available in 80 languages</a:t>
             </a:r>
             <a:endParaRPr sz="1200" b="1">
               <a:solidFill>
@@ -16754,6 +16747,162 @@
           </a:p>
         </p:txBody>
       </p:sp>
+      <p:pic>
+        <p:nvPicPr>
+          <p:cNvPr id="210" name="Google Shape;210;p25"/>
+          <p:cNvPicPr preferRelativeResize="0"/>
+          <p:nvPr/>
+        </p:nvPicPr>
+        <p:blipFill>
+          <a:blip r:embed="rId6" cstate="email">
+            <a:alphaModFix/>
+            <a:extLst>
+              <a:ext uri="{28A0092B-C50C-407E-A947-70E740481C1C}">
+                <a14:useLocalDpi xmlns:a14="http://schemas.microsoft.com/office/drawing/2010/main"/>
+              </a:ext>
+            </a:extLst>
+          </a:blip>
+          <a:stretch>
+            <a:fillRect/>
+          </a:stretch>
+        </p:blipFill>
+        <p:spPr>
+          <a:xfrm>
+            <a:off x="4629578" y="251475"/>
+            <a:ext cx="1517143" cy="849600"/>
+          </a:xfrm>
+          <a:prstGeom prst="rect">
+            <a:avLst/>
+          </a:prstGeom>
+          <a:noFill/>
+          <a:ln w="9525" cap="flat" cmpd="sng">
+            <a:solidFill>
+              <a:srgbClr val="FF0000"/>
+            </a:solidFill>
+            <a:prstDash val="solid"/>
+            <a:round/>
+            <a:headEnd type="none" w="sm" len="sm"/>
+            <a:tailEnd type="none" w="sm" len="sm"/>
+          </a:ln>
+        </p:spPr>
+      </p:pic>
+      <p:pic>
+        <p:nvPicPr>
+          <p:cNvPr id="211" name="Google Shape;211;p25"/>
+          <p:cNvPicPr preferRelativeResize="0"/>
+          <p:nvPr/>
+        </p:nvPicPr>
+        <p:blipFill>
+          <a:blip r:embed="rId7" cstate="email">
+            <a:alphaModFix/>
+            <a:extLst>
+              <a:ext uri="{28A0092B-C50C-407E-A947-70E740481C1C}">
+                <a14:useLocalDpi xmlns:a14="http://schemas.microsoft.com/office/drawing/2010/main"/>
+              </a:ext>
+            </a:extLst>
+          </a:blip>
+          <a:stretch>
+            <a:fillRect/>
+          </a:stretch>
+        </p:blipFill>
+        <p:spPr>
+          <a:xfrm>
+            <a:off x="4588515" y="1567325"/>
+            <a:ext cx="1599275" cy="1309075"/>
+          </a:xfrm>
+          <a:prstGeom prst="rect">
+            <a:avLst/>
+          </a:prstGeom>
+          <a:noFill/>
+          <a:ln w="9525" cap="flat" cmpd="sng">
+            <a:solidFill>
+              <a:srgbClr val="FF0000"/>
+            </a:solidFill>
+            <a:prstDash val="solid"/>
+            <a:round/>
+            <a:headEnd type="none" w="sm" len="sm"/>
+            <a:tailEnd type="none" w="sm" len="sm"/>
+          </a:ln>
+        </p:spPr>
+      </p:pic>
+      <p:pic>
+        <p:nvPicPr>
+          <p:cNvPr id="212" name="Google Shape;212;p25"/>
+          <p:cNvPicPr preferRelativeResize="0"/>
+          <p:nvPr/>
+        </p:nvPicPr>
+        <p:blipFill>
+          <a:blip r:embed="rId8" cstate="email">
+            <a:alphaModFix/>
+            <a:extLst>
+              <a:ext uri="{28A0092B-C50C-407E-A947-70E740481C1C}">
+                <a14:useLocalDpi xmlns:a14="http://schemas.microsoft.com/office/drawing/2010/main"/>
+              </a:ext>
+            </a:extLst>
+          </a:blip>
+          <a:stretch>
+            <a:fillRect/>
+          </a:stretch>
+        </p:blipFill>
+        <p:spPr>
+          <a:xfrm>
+            <a:off x="6768302" y="2463225"/>
+            <a:ext cx="1373975" cy="1715750"/>
+          </a:xfrm>
+          <a:prstGeom prst="rect">
+            <a:avLst/>
+          </a:prstGeom>
+          <a:noFill/>
+          <a:ln w="9525" cap="flat" cmpd="sng">
+            <a:solidFill>
+              <a:srgbClr val="FF0000"/>
+            </a:solidFill>
+            <a:prstDash val="solid"/>
+            <a:round/>
+            <a:headEnd type="none" w="sm" len="sm"/>
+            <a:tailEnd type="none" w="sm" len="sm"/>
+          </a:ln>
+        </p:spPr>
+      </p:pic>
+      <p:pic>
+        <p:nvPicPr>
+          <p:cNvPr id="213" name="Google Shape;213;p25"/>
+          <p:cNvPicPr preferRelativeResize="0"/>
+          <p:nvPr/>
+        </p:nvPicPr>
+        <p:blipFill>
+          <a:blip r:embed="rId9" cstate="email">
+            <a:alphaModFix/>
+            <a:extLst>
+              <a:ext uri="{28A0092B-C50C-407E-A947-70E740481C1C}">
+                <a14:useLocalDpi xmlns:a14="http://schemas.microsoft.com/office/drawing/2010/main"/>
+              </a:ext>
+            </a:extLst>
+          </a:blip>
+          <a:stretch>
+            <a:fillRect/>
+          </a:stretch>
+        </p:blipFill>
+        <p:spPr>
+          <a:xfrm>
+            <a:off x="4526097" y="4069177"/>
+            <a:ext cx="1798700" cy="1010650"/>
+          </a:xfrm>
+          <a:prstGeom prst="rect">
+            <a:avLst/>
+          </a:prstGeom>
+          <a:noFill/>
+          <a:ln w="9525" cap="flat" cmpd="sng">
+            <a:solidFill>
+              <a:srgbClr val="FF0000"/>
+            </a:solidFill>
+            <a:prstDash val="solid"/>
+            <a:round/>
+            <a:headEnd type="none" w="sm" len="sm"/>
+            <a:tailEnd type="none" w="sm" len="sm"/>
+          </a:ln>
+        </p:spPr>
+      </p:pic>
     </p:spTree>
   </p:cSld>
   <p:clrMapOvr>
@@ -16767,7 +16916,7 @@
   <p:cSld>
     <p:spTree>
       <p:nvGrpSpPr>
-        <p:cNvPr id="1" name="Shape 208"/>
+        <p:cNvPr id="1" name="Shape 217"/>
         <p:cNvGrpSpPr/>
         <p:nvPr/>
       </p:nvGrpSpPr>
@@ -16781,7 +16930,7 @@
       </p:grpSpPr>
       <p:sp>
         <p:nvSpPr>
-          <p:cNvPr id="209" name="Google Shape;209;p26"/>
+          <p:cNvPr id="218" name="Google Shape;218;p26"/>
           <p:cNvSpPr txBox="1"/>
           <p:nvPr/>
         </p:nvSpPr>
@@ -16847,7 +16996,7 @@
       </p:sp>
       <p:sp>
         <p:nvSpPr>
-          <p:cNvPr id="210" name="Google Shape;210;p26"/>
+          <p:cNvPr id="219" name="Google Shape;219;p26"/>
           <p:cNvSpPr txBox="1"/>
           <p:nvPr/>
         </p:nvSpPr>
@@ -17134,7 +17283,7 @@
       </p:sp>
       <p:sp>
         <p:nvSpPr>
-          <p:cNvPr id="211" name="Google Shape;211;p26"/>
+          <p:cNvPr id="220" name="Google Shape;220;p26"/>
           <p:cNvSpPr txBox="1"/>
           <p:nvPr/>
         </p:nvSpPr>
@@ -17409,7 +17558,7 @@
       </p:sp>
       <p:pic>
         <p:nvPicPr>
-          <p:cNvPr id="212" name="Google Shape;212;p26"/>
+          <p:cNvPr id="221" name="Google Shape;221;p26"/>
           <p:cNvPicPr preferRelativeResize="0"/>
           <p:nvPr/>
         </p:nvPicPr>
@@ -17428,21 +17577,27 @@
         </p:blipFill>
         <p:spPr>
           <a:xfrm>
-            <a:off x="5550925" y="2059694"/>
+            <a:off x="4766450" y="3007594"/>
             <a:ext cx="2752525" cy="633850"/>
           </a:xfrm>
           <a:prstGeom prst="rect">
             <a:avLst/>
           </a:prstGeom>
           <a:noFill/>
-          <a:ln>
-            <a:noFill/>
+          <a:ln w="9525" cap="flat" cmpd="sng">
+            <a:solidFill>
+              <a:srgbClr val="434343"/>
+            </a:solidFill>
+            <a:prstDash val="solid"/>
+            <a:round/>
+            <a:headEnd type="none" w="sm" len="sm"/>
+            <a:tailEnd type="none" w="sm" len="sm"/>
           </a:ln>
         </p:spPr>
       </p:pic>
       <p:sp>
         <p:nvSpPr>
-          <p:cNvPr id="213" name="Google Shape;213;p26"/>
+          <p:cNvPr id="222" name="Google Shape;222;p26"/>
           <p:cNvSpPr txBox="1"/>
           <p:nvPr/>
         </p:nvSpPr>
@@ -17607,6 +17762,45 @@
           </a:p>
         </p:txBody>
       </p:sp>
+      <p:pic>
+        <p:nvPicPr>
+          <p:cNvPr id="223" name="Google Shape;223;p26"/>
+          <p:cNvPicPr preferRelativeResize="0"/>
+          <p:nvPr/>
+        </p:nvPicPr>
+        <p:blipFill>
+          <a:blip r:embed="rId7" cstate="email">
+            <a:alphaModFix/>
+            <a:extLst>
+              <a:ext uri="{28A0092B-C50C-407E-A947-70E740481C1C}">
+                <a14:useLocalDpi xmlns:a14="http://schemas.microsoft.com/office/drawing/2010/main"/>
+              </a:ext>
+            </a:extLst>
+          </a:blip>
+          <a:stretch>
+            <a:fillRect/>
+          </a:stretch>
+        </p:blipFill>
+        <p:spPr>
+          <a:xfrm>
+            <a:off x="4869776" y="105675"/>
+            <a:ext cx="2752525" cy="2752525"/>
+          </a:xfrm>
+          <a:prstGeom prst="rect">
+            <a:avLst/>
+          </a:prstGeom>
+          <a:noFill/>
+          <a:ln w="9525" cap="flat" cmpd="sng">
+            <a:solidFill>
+              <a:srgbClr val="FF0000"/>
+            </a:solidFill>
+            <a:prstDash val="solid"/>
+            <a:round/>
+            <a:headEnd type="none" w="sm" len="sm"/>
+            <a:tailEnd type="none" w="sm" len="sm"/>
+          </a:ln>
+        </p:spPr>
+      </p:pic>
     </p:spTree>
   </p:cSld>
   <p:clrMapOvr>
@@ -17620,7 +17814,7 @@
   <p:cSld>
     <p:spTree>
       <p:nvGrpSpPr>
-        <p:cNvPr id="1" name="Shape 217"/>
+        <p:cNvPr id="1" name="Shape 227"/>
         <p:cNvGrpSpPr/>
         <p:nvPr/>
       </p:nvGrpSpPr>
@@ -17634,7 +17828,7 @@
       </p:grpSpPr>
       <p:sp>
         <p:nvSpPr>
-          <p:cNvPr id="218" name="Google Shape;218;p27"/>
+          <p:cNvPr id="228" name="Google Shape;228;p27"/>
           <p:cNvSpPr txBox="1"/>
           <p:nvPr/>
         </p:nvSpPr>
@@ -17700,13 +17894,13 @@
       </p:sp>
       <p:sp>
         <p:nvSpPr>
-          <p:cNvPr id="219" name="Google Shape;219;p27"/>
+          <p:cNvPr id="229" name="Google Shape;229;p27"/>
           <p:cNvSpPr txBox="1"/>
           <p:nvPr/>
         </p:nvSpPr>
         <p:spPr>
           <a:xfrm>
-            <a:off x="55073" y="407060"/>
+            <a:off x="55073" y="356984"/>
             <a:ext cx="4412700" cy="1496100"/>
           </a:xfrm>
           <a:prstGeom prst="rect">
@@ -17894,13 +18088,13 @@
       </p:sp>
       <p:sp>
         <p:nvSpPr>
-          <p:cNvPr id="220" name="Google Shape;220;p27"/>
+          <p:cNvPr id="230" name="Google Shape;230;p27"/>
           <p:cNvSpPr txBox="1"/>
           <p:nvPr/>
         </p:nvSpPr>
         <p:spPr>
           <a:xfrm>
-            <a:off x="55073" y="2065264"/>
+            <a:off x="55073" y="1884192"/>
             <a:ext cx="4412700" cy="572700"/>
           </a:xfrm>
           <a:prstGeom prst="rect">
@@ -18048,13 +18242,13 @@
       </p:sp>
       <p:sp>
         <p:nvSpPr>
-          <p:cNvPr id="221" name="Google Shape;221;p27"/>
+          <p:cNvPr id="231" name="Google Shape;231;p27"/>
           <p:cNvSpPr txBox="1"/>
           <p:nvPr/>
         </p:nvSpPr>
         <p:spPr>
           <a:xfrm>
-            <a:off x="55073" y="2705263"/>
+            <a:off x="55073" y="2499676"/>
             <a:ext cx="4412700" cy="572700"/>
           </a:xfrm>
           <a:prstGeom prst="rect">
@@ -18162,13 +18356,300 @@
       </p:sp>
       <p:sp>
         <p:nvSpPr>
-          <p:cNvPr id="222" name="Google Shape;222;p27"/>
+          <p:cNvPr id="232" name="Google Shape;232;p27"/>
           <p:cNvSpPr txBox="1"/>
           <p:nvPr/>
         </p:nvSpPr>
         <p:spPr>
           <a:xfrm>
-            <a:off x="55073" y="3356715"/>
+            <a:off x="55073" y="3110270"/>
+            <a:ext cx="4412700" cy="1126800"/>
+          </a:xfrm>
+          <a:prstGeom prst="rect">
+            <a:avLst/>
+          </a:prstGeom>
+          <a:solidFill>
+            <a:srgbClr val="FFF2CC"/>
+          </a:solidFill>
+          <a:ln w="9525" cap="flat" cmpd="sng">
+            <a:solidFill>
+              <a:srgbClr val="FF0000"/>
+            </a:solidFill>
+            <a:prstDash val="solid"/>
+            <a:round/>
+            <a:headEnd type="none" w="sm" len="sm"/>
+            <a:tailEnd type="none" w="sm" len="sm"/>
+          </a:ln>
+        </p:spPr>
+        <p:txBody>
+          <a:bodyPr spcFirstLastPara="1" wrap="square" lIns="9125" tIns="9125" rIns="9125" bIns="9125" anchor="t" anchorCtr="0">
+            <a:spAutoFit/>
+          </a:bodyPr>
+          <a:lstStyle/>
+          <a:p>
+            <a:pPr marL="171450" marR="0" lvl="0" indent="-133350" algn="l" rtl="0">
+              <a:lnSpc>
+                <a:spcPct val="100000"/>
+              </a:lnSpc>
+              <a:spcBef>
+                <a:spcPts val="0"/>
+              </a:spcBef>
+              <a:spcAft>
+                <a:spcPts val="0"/>
+              </a:spcAft>
+              <a:buClr>
+                <a:srgbClr val="FF0000"/>
+              </a:buClr>
+              <a:buSzPts val="1200"/>
+              <a:buFont typeface="Calibri"/>
+              <a:buChar char="●"/>
+            </a:pPr>
+            <a:r>
+              <a:rPr lang="en" sz="1200" b="1">
+                <a:solidFill>
+                  <a:srgbClr val="FF0000"/>
+                </a:solidFill>
+                <a:latin typeface="Calibri"/>
+                <a:ea typeface="Calibri"/>
+                <a:cs typeface="Calibri"/>
+                <a:sym typeface="Calibri"/>
+              </a:rPr>
+              <a:t>Grok Code Fast 1</a:t>
+            </a:r>
+            <a:endParaRPr sz="1200" b="1">
+              <a:solidFill>
+                <a:srgbClr val="FF0000"/>
+              </a:solidFill>
+              <a:latin typeface="Calibri"/>
+              <a:ea typeface="Calibri"/>
+              <a:cs typeface="Calibri"/>
+              <a:sym typeface="Calibri"/>
+            </a:endParaRPr>
+          </a:p>
+          <a:p>
+            <a:pPr marL="171450" marR="0" lvl="0" indent="-133350" algn="l" rtl="0">
+              <a:lnSpc>
+                <a:spcPct val="100000"/>
+              </a:lnSpc>
+              <a:spcBef>
+                <a:spcPts val="0"/>
+              </a:spcBef>
+              <a:spcAft>
+                <a:spcPts val="0"/>
+              </a:spcAft>
+              <a:buClr>
+                <a:schemeClr val="dk1"/>
+              </a:buClr>
+              <a:buSzPts val="1200"/>
+              <a:buFont typeface="Calibri"/>
+              <a:buChar char="●"/>
+            </a:pPr>
+            <a:r>
+              <a:rPr lang="en" sz="1200" u="sng">
+                <a:solidFill>
+                  <a:schemeClr val="hlink"/>
+                </a:solidFill>
+                <a:latin typeface="Calibri"/>
+                <a:ea typeface="Calibri"/>
+                <a:cs typeface="Calibri"/>
+                <a:sym typeface="Calibri"/>
+                <a:hlinkClick r:id="rId3"/>
+              </a:rPr>
+              <a:t>https://x.ai/news/grok-code-fast-1</a:t>
+            </a:r>
+            <a:r>
+              <a:rPr lang="en" sz="1200">
+                <a:solidFill>
+                  <a:schemeClr val="dk1"/>
+                </a:solidFill>
+                <a:latin typeface="Calibri"/>
+                <a:ea typeface="Calibri"/>
+                <a:cs typeface="Calibri"/>
+                <a:sym typeface="Calibri"/>
+              </a:rPr>
+              <a:t> </a:t>
+            </a:r>
+            <a:endParaRPr sz="1200">
+              <a:solidFill>
+                <a:schemeClr val="dk1"/>
+              </a:solidFill>
+              <a:latin typeface="Calibri"/>
+              <a:ea typeface="Calibri"/>
+              <a:cs typeface="Calibri"/>
+              <a:sym typeface="Calibri"/>
+            </a:endParaRPr>
+          </a:p>
+          <a:p>
+            <a:pPr marL="171450" marR="0" lvl="0" indent="-133350" algn="l" rtl="0">
+              <a:lnSpc>
+                <a:spcPct val="100000"/>
+              </a:lnSpc>
+              <a:spcBef>
+                <a:spcPts val="0"/>
+              </a:spcBef>
+              <a:spcAft>
+                <a:spcPts val="0"/>
+              </a:spcAft>
+              <a:buClr>
+                <a:schemeClr val="dk1"/>
+              </a:buClr>
+              <a:buSzPts val="1200"/>
+              <a:buFont typeface="Calibri"/>
+              <a:buChar char="●"/>
+            </a:pPr>
+            <a:r>
+              <a:rPr lang="en" sz="1200">
+                <a:solidFill>
+                  <a:schemeClr val="dk1"/>
+                </a:solidFill>
+                <a:latin typeface="Calibri"/>
+                <a:ea typeface="Calibri"/>
+                <a:cs typeface="Calibri"/>
+                <a:sym typeface="Calibri"/>
+              </a:rPr>
+              <a:t>Fast-first, for agents in multi-agent architecture</a:t>
+            </a:r>
+            <a:endParaRPr sz="1200">
+              <a:solidFill>
+                <a:schemeClr val="dk1"/>
+              </a:solidFill>
+              <a:latin typeface="Calibri"/>
+              <a:ea typeface="Calibri"/>
+              <a:cs typeface="Calibri"/>
+              <a:sym typeface="Calibri"/>
+            </a:endParaRPr>
+          </a:p>
+          <a:p>
+            <a:pPr marL="171450" marR="0" lvl="0" indent="-133350" algn="l" rtl="0">
+              <a:lnSpc>
+                <a:spcPct val="100000"/>
+              </a:lnSpc>
+              <a:spcBef>
+                <a:spcPts val="0"/>
+              </a:spcBef>
+              <a:spcAft>
+                <a:spcPts val="0"/>
+              </a:spcAft>
+              <a:buClr>
+                <a:schemeClr val="dk1"/>
+              </a:buClr>
+              <a:buSzPts val="1200"/>
+              <a:buFont typeface="Calibri"/>
+              <a:buChar char="●"/>
+            </a:pPr>
+            <a:r>
+              <a:rPr lang="en" sz="1200">
+                <a:solidFill>
+                  <a:schemeClr val="dk1"/>
+                </a:solidFill>
+                <a:latin typeface="Calibri"/>
+                <a:ea typeface="Calibri"/>
+                <a:cs typeface="Calibri"/>
+                <a:sym typeface="Calibri"/>
+              </a:rPr>
+              <a:t>Latency is only 67 ms (Claude Sonnet 4 5..8 sec), speed 92 tok/sec</a:t>
+            </a:r>
+            <a:endParaRPr sz="1200">
+              <a:solidFill>
+                <a:schemeClr val="dk1"/>
+              </a:solidFill>
+              <a:latin typeface="Calibri"/>
+              <a:ea typeface="Calibri"/>
+              <a:cs typeface="Calibri"/>
+              <a:sym typeface="Calibri"/>
+            </a:endParaRPr>
+          </a:p>
+          <a:p>
+            <a:pPr marL="171450" marR="0" lvl="0" indent="-133350" algn="l" rtl="0">
+              <a:lnSpc>
+                <a:spcPct val="100000"/>
+              </a:lnSpc>
+              <a:spcBef>
+                <a:spcPts val="0"/>
+              </a:spcBef>
+              <a:spcAft>
+                <a:spcPts val="0"/>
+              </a:spcAft>
+              <a:buClr>
+                <a:schemeClr val="dk1"/>
+              </a:buClr>
+              <a:buSzPts val="1200"/>
+              <a:buFont typeface="Calibri"/>
+              <a:buChar char="●"/>
+            </a:pPr>
+            <a:r>
+              <a:rPr lang="en" sz="1200">
+                <a:solidFill>
+                  <a:schemeClr val="dk1"/>
+                </a:solidFill>
+                <a:latin typeface="Calibri"/>
+                <a:ea typeface="Calibri"/>
+                <a:cs typeface="Calibri"/>
+                <a:sym typeface="Calibri"/>
+              </a:rPr>
+              <a:t>On Cursor, GitHub Copilot, Cline (free for now)</a:t>
+            </a:r>
+            <a:endParaRPr sz="1200">
+              <a:solidFill>
+                <a:schemeClr val="dk1"/>
+              </a:solidFill>
+              <a:latin typeface="Calibri"/>
+              <a:ea typeface="Calibri"/>
+              <a:cs typeface="Calibri"/>
+              <a:sym typeface="Calibri"/>
+            </a:endParaRPr>
+          </a:p>
+          <a:p>
+            <a:pPr marL="171450" marR="0" lvl="0" indent="-133350" algn="l" rtl="0">
+              <a:lnSpc>
+                <a:spcPct val="100000"/>
+              </a:lnSpc>
+              <a:spcBef>
+                <a:spcPts val="0"/>
+              </a:spcBef>
+              <a:spcAft>
+                <a:spcPts val="0"/>
+              </a:spcAft>
+              <a:buClr>
+                <a:schemeClr val="dk1"/>
+              </a:buClr>
+              <a:buSzPts val="1200"/>
+              <a:buFont typeface="Calibri"/>
+              <a:buChar char="●"/>
+            </a:pPr>
+            <a:r>
+              <a:rPr lang="en" sz="1200">
+                <a:solidFill>
+                  <a:schemeClr val="dk1"/>
+                </a:solidFill>
+                <a:latin typeface="Calibri"/>
+                <a:ea typeface="Calibri"/>
+                <a:cs typeface="Calibri"/>
+                <a:sym typeface="Calibri"/>
+              </a:rPr>
+              <a:t>Price per Mln tokens in/out: $0.20/$1.50</a:t>
+            </a:r>
+            <a:endParaRPr sz="1200">
+              <a:solidFill>
+                <a:schemeClr val="dk1"/>
+              </a:solidFill>
+              <a:latin typeface="Calibri"/>
+              <a:ea typeface="Calibri"/>
+              <a:cs typeface="Calibri"/>
+              <a:sym typeface="Calibri"/>
+            </a:endParaRPr>
+          </a:p>
+        </p:txBody>
+      </p:sp>
+      <p:sp>
+        <p:nvSpPr>
+          <p:cNvPr id="233" name="Google Shape;233;p27"/>
+          <p:cNvSpPr txBox="1"/>
+          <p:nvPr/>
+        </p:nvSpPr>
+        <p:spPr>
+          <a:xfrm>
+            <a:off x="55073" y="4309883"/>
             <a:ext cx="4412700" cy="757200"/>
           </a:xfrm>
           <a:prstGeom prst="rect">
@@ -18220,7 +18701,7 @@
                 <a:cs typeface="Calibri"/>
                 <a:sym typeface="Calibri"/>
               </a:rPr>
-              <a:t>Grok Code Fast 1</a:t>
+              <a:t>OpenAI Codex - GPT model fine-tuned for code tasks</a:t>
             </a:r>
             <a:endParaRPr sz="1200" b="1">
               <a:solidFill>
@@ -18251,19 +18732,6 @@
               <a:buChar char="●"/>
             </a:pPr>
             <a:r>
-              <a:rPr lang="en" sz="1200" u="sng">
-                <a:solidFill>
-                  <a:schemeClr val="hlink"/>
-                </a:solidFill>
-                <a:latin typeface="Calibri"/>
-                <a:ea typeface="Calibri"/>
-                <a:cs typeface="Calibri"/>
-                <a:sym typeface="Calibri"/>
-                <a:hlinkClick r:id="rId3"/>
-              </a:rPr>
-              <a:t>https://x.ai/news/grok-code-fast-1</a:t>
-            </a:r>
-            <a:r>
               <a:rPr lang="en" sz="1200">
                 <a:solidFill>
                   <a:schemeClr val="dk1"/>
@@ -18273,7 +18741,7 @@
                 <a:cs typeface="Calibri"/>
                 <a:sym typeface="Calibri"/>
               </a:rPr>
-              <a:t> </a:t>
+              <a:t>Codex is available via chat interfaces (e.g., ChatGPT Plus/Pro/Enterprise subscriptions), code editors, or terminal commands</a:t>
             </a:r>
             <a:endParaRPr sz="1200">
               <a:solidFill>
@@ -18285,105 +18753,36 @@
               <a:sym typeface="Calibri"/>
             </a:endParaRPr>
           </a:p>
-          <a:p>
-            <a:pPr marL="171450" marR="0" lvl="0" indent="-133350" algn="l" rtl="0">
-              <a:lnSpc>
-                <a:spcPct val="100000"/>
-              </a:lnSpc>
-              <a:spcBef>
-                <a:spcPts val="0"/>
-              </a:spcBef>
-              <a:spcAft>
-                <a:spcPts val="0"/>
-              </a:spcAft>
-              <a:buClr>
-                <a:schemeClr val="dk1"/>
-              </a:buClr>
-              <a:buSzPts val="1200"/>
-              <a:buFont typeface="Calibri"/>
-              <a:buChar char="●"/>
-            </a:pPr>
-            <a:r>
-              <a:rPr lang="en" sz="1200">
-                <a:solidFill>
-                  <a:schemeClr val="dk1"/>
-                </a:solidFill>
-                <a:latin typeface="Calibri"/>
-                <a:ea typeface="Calibri"/>
-                <a:cs typeface="Calibri"/>
-                <a:sym typeface="Calibri"/>
-              </a:rPr>
-              <a:t>On Cursor, GitHub Copilot, Cline</a:t>
-            </a:r>
-            <a:endParaRPr sz="1200">
-              <a:solidFill>
-                <a:schemeClr val="dk1"/>
-              </a:solidFill>
-              <a:latin typeface="Calibri"/>
-              <a:ea typeface="Calibri"/>
-              <a:cs typeface="Calibri"/>
-              <a:sym typeface="Calibri"/>
-            </a:endParaRPr>
-          </a:p>
-          <a:p>
-            <a:pPr marL="171450" marR="0" lvl="0" indent="-133350" algn="l" rtl="0">
-              <a:lnSpc>
-                <a:spcPct val="100000"/>
-              </a:lnSpc>
-              <a:spcBef>
-                <a:spcPts val="0"/>
-              </a:spcBef>
-              <a:spcAft>
-                <a:spcPts val="0"/>
-              </a:spcAft>
-              <a:buClr>
-                <a:schemeClr val="dk1"/>
-              </a:buClr>
-              <a:buSzPts val="1200"/>
-              <a:buFont typeface="Calibri"/>
-              <a:buChar char="●"/>
-            </a:pPr>
-            <a:r>
-              <a:rPr lang="en" sz="1200">
-                <a:solidFill>
-                  <a:schemeClr val="dk1"/>
-                </a:solidFill>
-                <a:latin typeface="Calibri"/>
-                <a:ea typeface="Calibri"/>
-                <a:cs typeface="Calibri"/>
-                <a:sym typeface="Calibri"/>
-              </a:rPr>
-              <a:t>Price per Mln tokens in/out: $0.20/$1.50</a:t>
-            </a:r>
-            <a:endParaRPr sz="1200">
-              <a:solidFill>
-                <a:schemeClr val="dk1"/>
-              </a:solidFill>
-              <a:latin typeface="Calibri"/>
-              <a:ea typeface="Calibri"/>
-              <a:cs typeface="Calibri"/>
-              <a:sym typeface="Calibri"/>
-            </a:endParaRPr>
-          </a:p>
         </p:txBody>
       </p:sp>
-      <p:sp>
-        <p:nvSpPr>
-          <p:cNvPr id="223" name="Google Shape;223;p27"/>
-          <p:cNvSpPr txBox="1"/>
+      <p:pic>
+        <p:nvPicPr>
+          <p:cNvPr id="234" name="Google Shape;234;p27"/>
+          <p:cNvPicPr preferRelativeResize="0"/>
           <p:nvPr/>
-        </p:nvSpPr>
+        </p:nvPicPr>
+        <p:blipFill>
+          <a:blip r:embed="rId4" cstate="email">
+            <a:alphaModFix/>
+            <a:extLst>
+              <a:ext uri="{28A0092B-C50C-407E-A947-70E740481C1C}">
+                <a14:useLocalDpi xmlns:a14="http://schemas.microsoft.com/office/drawing/2010/main"/>
+              </a:ext>
+            </a:extLst>
+          </a:blip>
+          <a:stretch>
+            <a:fillRect/>
+          </a:stretch>
+        </p:blipFill>
         <p:spPr>
           <a:xfrm>
-            <a:off x="55073" y="4236840"/>
-            <a:ext cx="4412700" cy="757200"/>
+            <a:off x="4888213" y="541625"/>
+            <a:ext cx="1504336" cy="1126800"/>
           </a:xfrm>
           <a:prstGeom prst="rect">
             <a:avLst/>
           </a:prstGeom>
-          <a:solidFill>
-            <a:srgbClr val="FFF2CC"/>
-          </a:solidFill>
+          <a:noFill/>
           <a:ln w="9525" cap="flat" cmpd="sng">
             <a:solidFill>
               <a:srgbClr val="FF0000"/>
@@ -18394,93 +18793,161 @@
             <a:tailEnd type="none" w="sm" len="sm"/>
           </a:ln>
         </p:spPr>
-        <p:txBody>
-          <a:bodyPr spcFirstLastPara="1" wrap="square" lIns="9125" tIns="9125" rIns="9125" bIns="9125" anchor="t" anchorCtr="0">
-            <a:spAutoFit/>
-          </a:bodyPr>
-          <a:lstStyle/>
-          <a:p>
-            <a:pPr marL="171450" marR="0" lvl="0" indent="-133350" algn="l" rtl="0">
-              <a:lnSpc>
-                <a:spcPct val="100000"/>
-              </a:lnSpc>
-              <a:spcBef>
-                <a:spcPts val="0"/>
-              </a:spcBef>
-              <a:spcAft>
-                <a:spcPts val="0"/>
-              </a:spcAft>
-              <a:buClr>
-                <a:srgbClr val="FF0000"/>
-              </a:buClr>
-              <a:buSzPts val="1200"/>
-              <a:buFont typeface="Calibri"/>
-              <a:buChar char="●"/>
-            </a:pPr>
-            <a:r>
-              <a:rPr lang="en" sz="1200" b="1">
-                <a:solidFill>
-                  <a:srgbClr val="FF0000"/>
-                </a:solidFill>
-                <a:latin typeface="Calibri"/>
-                <a:ea typeface="Calibri"/>
-                <a:cs typeface="Calibri"/>
-                <a:sym typeface="Calibri"/>
-              </a:rPr>
-              <a:t>OpenAI Codex - GPT model fine-tuned for code tasks</a:t>
-            </a:r>
-            <a:endParaRPr sz="1200" b="1">
-              <a:solidFill>
-                <a:srgbClr val="FF0000"/>
-              </a:solidFill>
-              <a:latin typeface="Calibri"/>
-              <a:ea typeface="Calibri"/>
-              <a:cs typeface="Calibri"/>
-              <a:sym typeface="Calibri"/>
-            </a:endParaRPr>
-          </a:p>
-          <a:p>
-            <a:pPr marL="171450" marR="0" lvl="0" indent="-133350" algn="l" rtl="0">
-              <a:lnSpc>
-                <a:spcPct val="100000"/>
-              </a:lnSpc>
-              <a:spcBef>
-                <a:spcPts val="0"/>
-              </a:spcBef>
-              <a:spcAft>
-                <a:spcPts val="0"/>
-              </a:spcAft>
-              <a:buClr>
-                <a:schemeClr val="dk1"/>
-              </a:buClr>
-              <a:buSzPts val="1200"/>
-              <a:buFont typeface="Calibri"/>
-              <a:buChar char="●"/>
-            </a:pPr>
-            <a:r>
-              <a:rPr lang="en" sz="1200">
-                <a:solidFill>
-                  <a:schemeClr val="dk1"/>
-                </a:solidFill>
-                <a:latin typeface="Calibri"/>
-                <a:ea typeface="Calibri"/>
-                <a:cs typeface="Calibri"/>
-                <a:sym typeface="Calibri"/>
-              </a:rPr>
-              <a:t>Codex is available via chat interfaces (e.g., ChatGPT Plus/Pro/Enterprise subscriptions), code editors, or terminal commands</a:t>
-            </a:r>
-            <a:endParaRPr sz="1200">
-              <a:solidFill>
-                <a:schemeClr val="dk1"/>
-              </a:solidFill>
-              <a:latin typeface="Calibri"/>
-              <a:ea typeface="Calibri"/>
-              <a:cs typeface="Calibri"/>
-              <a:sym typeface="Calibri"/>
-            </a:endParaRPr>
-          </a:p>
-        </p:txBody>
-      </p:sp>
+      </p:pic>
+      <p:pic>
+        <p:nvPicPr>
+          <p:cNvPr id="235" name="Google Shape;235;p27"/>
+          <p:cNvPicPr preferRelativeResize="0"/>
+          <p:nvPr/>
+        </p:nvPicPr>
+        <p:blipFill>
+          <a:blip r:embed="rId5" cstate="email">
+            <a:alphaModFix/>
+            <a:extLst>
+              <a:ext uri="{28A0092B-C50C-407E-A947-70E740481C1C}">
+                <a14:useLocalDpi xmlns:a14="http://schemas.microsoft.com/office/drawing/2010/main"/>
+              </a:ext>
+            </a:extLst>
+          </a:blip>
+          <a:stretch>
+            <a:fillRect/>
+          </a:stretch>
+        </p:blipFill>
+        <p:spPr>
+          <a:xfrm>
+            <a:off x="6392550" y="1747275"/>
+            <a:ext cx="2599050" cy="1087826"/>
+          </a:xfrm>
+          <a:prstGeom prst="rect">
+            <a:avLst/>
+          </a:prstGeom>
+          <a:noFill/>
+          <a:ln w="9525" cap="flat" cmpd="sng">
+            <a:solidFill>
+              <a:srgbClr val="FF0000"/>
+            </a:solidFill>
+            <a:prstDash val="solid"/>
+            <a:round/>
+            <a:headEnd type="none" w="sm" len="sm"/>
+            <a:tailEnd type="none" w="sm" len="sm"/>
+          </a:ln>
+        </p:spPr>
+      </p:pic>
+      <p:pic>
+        <p:nvPicPr>
+          <p:cNvPr id="236" name="Google Shape;236;p27"/>
+          <p:cNvPicPr preferRelativeResize="0"/>
+          <p:nvPr/>
+        </p:nvPicPr>
+        <p:blipFill rotWithShape="1">
+          <a:blip r:embed="rId6" cstate="email">
+            <a:alphaModFix/>
+            <a:extLst>
+              <a:ext uri="{28A0092B-C50C-407E-A947-70E740481C1C}">
+                <a14:useLocalDpi xmlns:a14="http://schemas.microsoft.com/office/drawing/2010/main"/>
+              </a:ext>
+            </a:extLst>
+          </a:blip>
+          <a:srcRect/>
+          <a:stretch/>
+        </p:blipFill>
+        <p:spPr>
+          <a:xfrm>
+            <a:off x="4644700" y="2084156"/>
+            <a:ext cx="1598025" cy="988218"/>
+          </a:xfrm>
+          <a:prstGeom prst="rect">
+            <a:avLst/>
+          </a:prstGeom>
+          <a:noFill/>
+          <a:ln w="9525" cap="flat" cmpd="sng">
+            <a:solidFill>
+              <a:srgbClr val="FF0000"/>
+            </a:solidFill>
+            <a:prstDash val="solid"/>
+            <a:round/>
+            <a:headEnd type="none" w="sm" len="sm"/>
+            <a:tailEnd type="none" w="sm" len="sm"/>
+          </a:ln>
+        </p:spPr>
+      </p:pic>
+      <p:pic>
+        <p:nvPicPr>
+          <p:cNvPr id="237" name="Google Shape;237;p27"/>
+          <p:cNvPicPr preferRelativeResize="0"/>
+          <p:nvPr/>
+        </p:nvPicPr>
+        <p:blipFill rotWithShape="1">
+          <a:blip r:embed="rId7" cstate="email">
+            <a:alphaModFix/>
+            <a:extLst>
+              <a:ext uri="{28A0092B-C50C-407E-A947-70E740481C1C}">
+                <a14:useLocalDpi xmlns:a14="http://schemas.microsoft.com/office/drawing/2010/main"/>
+              </a:ext>
+            </a:extLst>
+          </a:blip>
+          <a:srcRect/>
+          <a:stretch/>
+        </p:blipFill>
+        <p:spPr>
+          <a:xfrm>
+            <a:off x="4562975" y="3248763"/>
+            <a:ext cx="2325675" cy="849825"/>
+          </a:xfrm>
+          <a:prstGeom prst="rect">
+            <a:avLst/>
+          </a:prstGeom>
+          <a:noFill/>
+          <a:ln w="9525" cap="flat" cmpd="sng">
+            <a:solidFill>
+              <a:srgbClr val="FF0000"/>
+            </a:solidFill>
+            <a:prstDash val="solid"/>
+            <a:round/>
+            <a:headEnd type="none" w="sm" len="sm"/>
+            <a:tailEnd type="none" w="sm" len="sm"/>
+          </a:ln>
+        </p:spPr>
+      </p:pic>
+      <p:pic>
+        <p:nvPicPr>
+          <p:cNvPr id="238" name="Google Shape;238;p27"/>
+          <p:cNvPicPr preferRelativeResize="0"/>
+          <p:nvPr/>
+        </p:nvPicPr>
+        <p:blipFill>
+          <a:blip r:embed="rId8" cstate="email">
+            <a:alphaModFix/>
+            <a:extLst>
+              <a:ext uri="{28A0092B-C50C-407E-A947-70E740481C1C}">
+                <a14:useLocalDpi xmlns:a14="http://schemas.microsoft.com/office/drawing/2010/main"/>
+              </a:ext>
+            </a:extLst>
+          </a:blip>
+          <a:stretch>
+            <a:fillRect/>
+          </a:stretch>
+        </p:blipFill>
+        <p:spPr>
+          <a:xfrm>
+            <a:off x="4644699" y="4153675"/>
+            <a:ext cx="1631075" cy="913400"/>
+          </a:xfrm>
+          <a:prstGeom prst="rect">
+            <a:avLst/>
+          </a:prstGeom>
+          <a:noFill/>
+          <a:ln w="9525" cap="flat" cmpd="sng">
+            <a:solidFill>
+              <a:srgbClr val="FF0000"/>
+            </a:solidFill>
+            <a:prstDash val="solid"/>
+            <a:round/>
+            <a:headEnd type="none" w="sm" len="sm"/>
+            <a:tailEnd type="none" w="sm" len="sm"/>
+          </a:ln>
+        </p:spPr>
+      </p:pic>
     </p:spTree>
   </p:cSld>
   <p:clrMapOvr>
@@ -18494,7 +18961,7 @@
   <p:cSld>
     <p:spTree>
       <p:nvGrpSpPr>
-        <p:cNvPr id="1" name="Shape 227"/>
+        <p:cNvPr id="1" name="Shape 242"/>
         <p:cNvGrpSpPr/>
         <p:nvPr/>
       </p:nvGrpSpPr>
@@ -18508,7 +18975,7 @@
       </p:grpSpPr>
       <p:sp>
         <p:nvSpPr>
-          <p:cNvPr id="228" name="Google Shape;228;p28"/>
+          <p:cNvPr id="243" name="Google Shape;243;p28"/>
           <p:cNvSpPr txBox="1"/>
           <p:nvPr/>
         </p:nvSpPr>
@@ -18574,7 +19041,7 @@
       </p:sp>
       <p:sp>
         <p:nvSpPr>
-          <p:cNvPr id="229" name="Google Shape;229;p28"/>
+          <p:cNvPr id="244" name="Google Shape;244;p28"/>
           <p:cNvSpPr txBox="1"/>
           <p:nvPr/>
         </p:nvSpPr>
@@ -18966,6 +19433,40 @@
           </a:p>
         </p:txBody>
       </p:sp>
+      <p:pic>
+        <p:nvPicPr>
+          <p:cNvPr id="245" name="Google Shape;245;p28"/>
+          <p:cNvPicPr preferRelativeResize="0"/>
+          <p:nvPr/>
+        </p:nvPicPr>
+        <p:blipFill>
+          <a:blip r:embed="rId3">
+            <a:alphaModFix/>
+          </a:blip>
+          <a:stretch>
+            <a:fillRect/>
+          </a:stretch>
+        </p:blipFill>
+        <p:spPr>
+          <a:xfrm>
+            <a:off x="4693725" y="1631475"/>
+            <a:ext cx="2619375" cy="1743075"/>
+          </a:xfrm>
+          <a:prstGeom prst="rect">
+            <a:avLst/>
+          </a:prstGeom>
+          <a:noFill/>
+          <a:ln w="9525" cap="flat" cmpd="sng">
+            <a:solidFill>
+              <a:srgbClr val="FF0000"/>
+            </a:solidFill>
+            <a:prstDash val="solid"/>
+            <a:round/>
+            <a:headEnd type="none" w="sm" len="sm"/>
+            <a:tailEnd type="none" w="sm" len="sm"/>
+          </a:ln>
+        </p:spPr>
+      </p:pic>
     </p:spTree>
   </p:cSld>
   <p:clrMapOvr>
@@ -18979,7 +19480,7 @@
   <p:cSld>
     <p:spTree>
       <p:nvGrpSpPr>
-        <p:cNvPr id="1" name="Shape 233"/>
+        <p:cNvPr id="1" name="Shape 249"/>
         <p:cNvGrpSpPr/>
         <p:nvPr/>
       </p:nvGrpSpPr>
@@ -18993,7 +19494,7 @@
       </p:grpSpPr>
       <p:sp>
         <p:nvSpPr>
-          <p:cNvPr id="234" name="Google Shape;234;p29"/>
+          <p:cNvPr id="250" name="Google Shape;250;p29"/>
           <p:cNvSpPr txBox="1"/>
           <p:nvPr/>
         </p:nvSpPr>
@@ -19059,7 +19560,7 @@
       </p:sp>
       <p:sp>
         <p:nvSpPr>
-          <p:cNvPr id="235" name="Google Shape;235;p29"/>
+          <p:cNvPr id="251" name="Google Shape;251;p29"/>
           <p:cNvSpPr txBox="1"/>
           <p:nvPr/>
         </p:nvSpPr>
@@ -19498,7 +19999,7 @@
       </p:sp>
       <p:sp>
         <p:nvSpPr>
-          <p:cNvPr id="236" name="Google Shape;236;p29"/>
+          <p:cNvPr id="252" name="Google Shape;252;p29"/>
           <p:cNvSpPr txBox="1"/>
           <p:nvPr/>
         </p:nvSpPr>
@@ -19892,7 +20393,7 @@
       </p:sp>
       <p:pic>
         <p:nvPicPr>
-          <p:cNvPr id="237" name="Google Shape;237;p29"/>
+          <p:cNvPr id="253" name="Google Shape;253;p29"/>
           <p:cNvPicPr preferRelativeResize="0"/>
           <p:nvPr/>
         </p:nvPicPr>
@@ -19942,7 +20443,7 @@
   <p:cSld>
     <p:spTree>
       <p:nvGrpSpPr>
-        <p:cNvPr id="1" name="Shape 241"/>
+        <p:cNvPr id="1" name="Shape 257"/>
         <p:cNvGrpSpPr/>
         <p:nvPr/>
       </p:nvGrpSpPr>
@@ -19956,172 +20457,7 @@
       </p:grpSpPr>
       <p:sp>
         <p:nvSpPr>
-          <p:cNvPr id="242" name="Google Shape;242;p30"/>
-          <p:cNvSpPr txBox="1"/>
-          <p:nvPr/>
-        </p:nvSpPr>
-        <p:spPr>
-          <a:xfrm>
-            <a:off x="55075" y="-9225"/>
-            <a:ext cx="2797200" cy="326400"/>
-          </a:xfrm>
-          <a:prstGeom prst="rect">
-            <a:avLst/>
-          </a:prstGeom>
-          <a:noFill/>
-          <a:ln>
-            <a:noFill/>
-          </a:ln>
-        </p:spPr>
-        <p:txBody>
-          <a:bodyPr spcFirstLastPara="1" wrap="square" lIns="9125" tIns="9125" rIns="9125" bIns="9125" anchor="t" anchorCtr="0">
-            <a:spAutoFit/>
-          </a:bodyPr>
-          <a:lstStyle/>
-          <a:p>
-            <a:pPr marL="0" marR="0" lvl="0" indent="0" algn="l" rtl="0">
-              <a:lnSpc>
-                <a:spcPct val="100000"/>
-              </a:lnSpc>
-              <a:spcBef>
-                <a:spcPts val="0"/>
-              </a:spcBef>
-              <a:spcAft>
-                <a:spcPts val="0"/>
-              </a:spcAft>
-              <a:buClr>
-                <a:schemeClr val="dk1"/>
-              </a:buClr>
-              <a:buSzPts val="1100"/>
-              <a:buFont typeface="Arial"/>
-              <a:buNone/>
-            </a:pPr>
-            <a:r>
-              <a:rPr lang="en" sz="2000" b="1">
-                <a:solidFill>
-                  <a:schemeClr val="dk1"/>
-                </a:solidFill>
-                <a:latin typeface="Calibri"/>
-                <a:ea typeface="Calibri"/>
-                <a:cs typeface="Calibri"/>
-                <a:sym typeface="Calibri"/>
-              </a:rPr>
-              <a:t>RAG, MCP, benchmarks</a:t>
-            </a:r>
-            <a:endParaRPr sz="2000" b="1">
-              <a:solidFill>
-                <a:schemeClr val="dk1"/>
-              </a:solidFill>
-              <a:latin typeface="Calibri"/>
-              <a:ea typeface="Calibri"/>
-              <a:cs typeface="Calibri"/>
-              <a:sym typeface="Calibri"/>
-            </a:endParaRPr>
-          </a:p>
-        </p:txBody>
-      </p:sp>
-      <p:sp>
-        <p:nvSpPr>
-          <p:cNvPr id="243" name="Google Shape;243;p30"/>
-          <p:cNvSpPr txBox="1"/>
-          <p:nvPr/>
-        </p:nvSpPr>
-        <p:spPr>
-          <a:xfrm>
-            <a:off x="62185" y="504897"/>
-            <a:ext cx="4412700" cy="203100"/>
-          </a:xfrm>
-          <a:prstGeom prst="rect">
-            <a:avLst/>
-          </a:prstGeom>
-          <a:solidFill>
-            <a:srgbClr val="FFF2CC"/>
-          </a:solidFill>
-          <a:ln w="9525" cap="flat" cmpd="sng">
-            <a:solidFill>
-              <a:srgbClr val="FF0000"/>
-            </a:solidFill>
-            <a:prstDash val="solid"/>
-            <a:round/>
-            <a:headEnd type="none" w="sm" len="sm"/>
-            <a:tailEnd type="none" w="sm" len="sm"/>
-          </a:ln>
-        </p:spPr>
-        <p:txBody>
-          <a:bodyPr spcFirstLastPara="1" wrap="square" lIns="9125" tIns="9125" rIns="9125" bIns="9125" anchor="t" anchorCtr="0">
-            <a:spAutoFit/>
-          </a:bodyPr>
-          <a:lstStyle/>
-          <a:p>
-            <a:pPr marL="171450" marR="0" lvl="0" indent="-133350" algn="l" rtl="0">
-              <a:lnSpc>
-                <a:spcPct val="100000"/>
-              </a:lnSpc>
-              <a:spcBef>
-                <a:spcPts val="0"/>
-              </a:spcBef>
-              <a:spcAft>
-                <a:spcPts val="0"/>
-              </a:spcAft>
-              <a:buClr>
-                <a:schemeClr val="dk1"/>
-              </a:buClr>
-              <a:buSzPts val="1200"/>
-              <a:buFont typeface="Calibri"/>
-              <a:buChar char="●"/>
-            </a:pPr>
-            <a:r>
-              <a:rPr lang="en" sz="1200">
-                <a:solidFill>
-                  <a:schemeClr val="dk1"/>
-                </a:solidFill>
-                <a:latin typeface="Calibri"/>
-                <a:ea typeface="Calibri"/>
-                <a:cs typeface="Calibri"/>
-                <a:sym typeface="Calibri"/>
-              </a:rPr>
-              <a:t> RAG, MCP, benchmarks</a:t>
-            </a:r>
-            <a:endParaRPr sz="1200">
-              <a:solidFill>
-                <a:schemeClr val="dk1"/>
-              </a:solidFill>
-              <a:latin typeface="Calibri"/>
-              <a:ea typeface="Calibri"/>
-              <a:cs typeface="Calibri"/>
-              <a:sym typeface="Calibri"/>
-            </a:endParaRPr>
-          </a:p>
-        </p:txBody>
-      </p:sp>
-    </p:spTree>
-  </p:cSld>
-  <p:clrMapOvr>
-    <a:masterClrMapping/>
-  </p:clrMapOvr>
-</p:sld>
-</file>
-
-<file path=ppt/slides/slide17.xml><?xml version="1.0" encoding="utf-8"?>
-<p:sld xmlns:a="http://schemas.openxmlformats.org/drawingml/2006/main" xmlns:r="http://schemas.openxmlformats.org/officeDocument/2006/relationships" xmlns:p="http://schemas.openxmlformats.org/presentationml/2006/main">
-  <p:cSld>
-    <p:spTree>
-      <p:nvGrpSpPr>
-        <p:cNvPr id="1" name="Shape 247"/>
-        <p:cNvGrpSpPr/>
-        <p:nvPr/>
-      </p:nvGrpSpPr>
-      <p:grpSpPr>
-        <a:xfrm>
-          <a:off x="0" y="0"/>
-          <a:ext cx="0" cy="0"/>
-          <a:chOff x="0" y="0"/>
-          <a:chExt cx="0" cy="0"/>
-        </a:xfrm>
-      </p:grpSpPr>
-      <p:sp>
-        <p:nvSpPr>
-          <p:cNvPr id="248" name="Google Shape;248;p31"/>
+          <p:cNvPr id="258" name="Google Shape;258;p30"/>
           <p:cNvSpPr txBox="1"/>
           <p:nvPr/>
         </p:nvSpPr>
@@ -20187,13 +20523,13 @@
       </p:sp>
       <p:sp>
         <p:nvSpPr>
-          <p:cNvPr id="249" name="Google Shape;249;p31"/>
+          <p:cNvPr id="259" name="Google Shape;259;p30"/>
           <p:cNvSpPr txBox="1"/>
           <p:nvPr/>
         </p:nvSpPr>
         <p:spPr>
           <a:xfrm>
-            <a:off x="62185" y="540112"/>
+            <a:off x="62185" y="948691"/>
             <a:ext cx="4412700" cy="1496100"/>
           </a:xfrm>
           <a:prstGeom prst="rect">
@@ -20394,7 +20730,7 @@
       </p:sp>
       <p:pic>
         <p:nvPicPr>
-          <p:cNvPr id="250" name="Google Shape;250;p31"/>
+          <p:cNvPr id="260" name="Google Shape;260;p30"/>
           <p:cNvPicPr preferRelativeResize="0"/>
           <p:nvPr/>
         </p:nvPicPr>
@@ -20427,7 +20763,7 @@
       </p:pic>
       <p:pic>
         <p:nvPicPr>
-          <p:cNvPr id="251" name="Google Shape;251;p31"/>
+          <p:cNvPr id="261" name="Google Shape;261;p30"/>
           <p:cNvPicPr preferRelativeResize="0"/>
           <p:nvPr/>
         </p:nvPicPr>
@@ -20466,12 +20802,12 @@
 </p:sld>
 </file>
 
-<file path=ppt/slides/slide18.xml><?xml version="1.0" encoding="utf-8"?>
+<file path=ppt/slides/slide17.xml><?xml version="1.0" encoding="utf-8"?>
 <p:sld xmlns:a="http://schemas.openxmlformats.org/drawingml/2006/main" xmlns:r="http://schemas.openxmlformats.org/officeDocument/2006/relationships" xmlns:p="http://schemas.openxmlformats.org/presentationml/2006/main">
   <p:cSld>
     <p:spTree>
       <p:nvGrpSpPr>
-        <p:cNvPr id="1" name="Shape 255"/>
+        <p:cNvPr id="1" name="Shape 265"/>
         <p:cNvGrpSpPr/>
         <p:nvPr/>
       </p:nvGrpSpPr>
@@ -20485,7 +20821,7 @@
       </p:grpSpPr>
       <p:sp>
         <p:nvSpPr>
-          <p:cNvPr id="256" name="Google Shape;256;p32"/>
+          <p:cNvPr id="266" name="Google Shape;266;p31"/>
           <p:cNvSpPr txBox="1"/>
           <p:nvPr/>
         </p:nvSpPr>
@@ -20551,7 +20887,7 @@
       </p:sp>
       <p:sp>
         <p:nvSpPr>
-          <p:cNvPr id="257" name="Google Shape;257;p32"/>
+          <p:cNvPr id="267" name="Google Shape;267;p31"/>
           <p:cNvSpPr txBox="1"/>
           <p:nvPr/>
         </p:nvSpPr>
@@ -20916,6 +21252,40 @@
           </a:p>
         </p:txBody>
       </p:sp>
+      <p:pic>
+        <p:nvPicPr>
+          <p:cNvPr id="268" name="Google Shape;268;p31"/>
+          <p:cNvPicPr preferRelativeResize="0"/>
+          <p:nvPr/>
+        </p:nvPicPr>
+        <p:blipFill>
+          <a:blip r:embed="rId4">
+            <a:alphaModFix/>
+          </a:blip>
+          <a:stretch>
+            <a:fillRect/>
+          </a:stretch>
+        </p:blipFill>
+        <p:spPr>
+          <a:xfrm>
+            <a:off x="4923625" y="748925"/>
+            <a:ext cx="2952750" cy="1552575"/>
+          </a:xfrm>
+          <a:prstGeom prst="rect">
+            <a:avLst/>
+          </a:prstGeom>
+          <a:noFill/>
+          <a:ln w="9525" cap="flat" cmpd="sng">
+            <a:solidFill>
+              <a:srgbClr val="FF0000"/>
+            </a:solidFill>
+            <a:prstDash val="solid"/>
+            <a:round/>
+            <a:headEnd type="none" w="sm" len="sm"/>
+            <a:tailEnd type="none" w="sm" len="sm"/>
+          </a:ln>
+        </p:spPr>
+      </p:pic>
     </p:spTree>
   </p:cSld>
   <p:clrMapOvr>
@@ -20924,12 +21294,12 @@
 </p:sld>
 </file>
 
-<file path=ppt/slides/slide19.xml><?xml version="1.0" encoding="utf-8"?>
+<file path=ppt/slides/slide18.xml><?xml version="1.0" encoding="utf-8"?>
 <p:sld xmlns:a="http://schemas.openxmlformats.org/drawingml/2006/main" xmlns:r="http://schemas.openxmlformats.org/officeDocument/2006/relationships" xmlns:p="http://schemas.openxmlformats.org/presentationml/2006/main">
   <p:cSld>
     <p:spTree>
       <p:nvGrpSpPr>
-        <p:cNvPr id="1" name="Shape 261"/>
+        <p:cNvPr id="1" name="Shape 272"/>
         <p:cNvGrpSpPr/>
         <p:nvPr/>
       </p:nvGrpSpPr>
@@ -20943,7 +21313,7 @@
       </p:grpSpPr>
       <p:sp>
         <p:nvSpPr>
-          <p:cNvPr id="262" name="Google Shape;262;p33"/>
+          <p:cNvPr id="273" name="Google Shape;273;p32"/>
           <p:cNvSpPr txBox="1"/>
           <p:nvPr/>
         </p:nvSpPr>
@@ -20993,7 +21363,7 @@
                 <a:cs typeface="Calibri"/>
                 <a:sym typeface="Calibri"/>
               </a:rPr>
-              <a:t>AI GEneratedYouTube Stories &amp; Shorts</a:t>
+              <a:t>AI GeneratedYouTube Stories &amp; Shorts</a:t>
             </a:r>
             <a:endParaRPr sz="2000" b="1" i="0" u="none" strike="noStrike" cap="none">
               <a:solidFill>
@@ -21009,7 +21379,7 @@
       </p:sp>
       <p:sp>
         <p:nvSpPr>
-          <p:cNvPr id="263" name="Google Shape;263;p33"/>
+          <p:cNvPr id="274" name="Google Shape;274;p32"/>
           <p:cNvSpPr txBox="1"/>
           <p:nvPr/>
         </p:nvSpPr>
@@ -21388,7 +21758,7 @@
       </p:sp>
       <p:sp>
         <p:nvSpPr>
-          <p:cNvPr id="264" name="Google Shape;264;p33"/>
+          <p:cNvPr id="275" name="Google Shape;275;p32"/>
           <p:cNvSpPr txBox="1"/>
           <p:nvPr/>
         </p:nvSpPr>
@@ -21715,7 +22085,7 @@
       </p:sp>
       <p:pic>
         <p:nvPicPr>
-          <p:cNvPr id="265" name="Google Shape;265;p33"/>
+          <p:cNvPr id="276" name="Google Shape;276;p32"/>
           <p:cNvPicPr preferRelativeResize="0"/>
           <p:nvPr/>
         </p:nvPicPr>
@@ -21754,7 +22124,7 @@
       </p:pic>
       <p:pic>
         <p:nvPicPr>
-          <p:cNvPr id="266" name="Google Shape;266;p33"/>
+          <p:cNvPr id="277" name="Google Shape;277;p32"/>
           <p:cNvPicPr preferRelativeResize="0"/>
           <p:nvPr/>
         </p:nvPicPr>
@@ -21793,7 +22163,7 @@
       </p:pic>
       <p:sp>
         <p:nvSpPr>
-          <p:cNvPr id="267" name="Google Shape;267;p33"/>
+          <p:cNvPr id="278" name="Google Shape;278;p32"/>
           <p:cNvSpPr txBox="1"/>
           <p:nvPr/>
         </p:nvSpPr>
@@ -22291,7 +22661,7 @@
       </p:sp>
       <p:pic>
         <p:nvPicPr>
-          <p:cNvPr id="268" name="Google Shape;268;p33"/>
+          <p:cNvPr id="279" name="Google Shape;279;p32"/>
           <p:cNvPicPr preferRelativeResize="0"/>
           <p:nvPr/>
         </p:nvPicPr>
@@ -22312,6 +22682,1118 @@
           <a:xfrm>
             <a:off x="8244051" y="225122"/>
             <a:ext cx="814151" cy="655404"/>
+          </a:xfrm>
+          <a:prstGeom prst="rect">
+            <a:avLst/>
+          </a:prstGeom>
+          <a:noFill/>
+          <a:ln w="9525" cap="flat" cmpd="sng">
+            <a:solidFill>
+              <a:srgbClr val="FF0000"/>
+            </a:solidFill>
+            <a:prstDash val="solid"/>
+            <a:round/>
+            <a:headEnd type="none" w="sm" len="sm"/>
+            <a:tailEnd type="none" w="sm" len="sm"/>
+          </a:ln>
+        </p:spPr>
+      </p:pic>
+    </p:spTree>
+  </p:cSld>
+  <p:clrMapOvr>
+    <a:masterClrMapping/>
+  </p:clrMapOvr>
+</p:sld>
+</file>
+
+<file path=ppt/slides/slide19.xml><?xml version="1.0" encoding="utf-8"?>
+<p:sld xmlns:a="http://schemas.openxmlformats.org/drawingml/2006/main" xmlns:r="http://schemas.openxmlformats.org/officeDocument/2006/relationships" xmlns:p="http://schemas.openxmlformats.org/presentationml/2006/main">
+  <p:cSld>
+    <p:spTree>
+      <p:nvGrpSpPr>
+        <p:cNvPr id="1" name="Shape 283"/>
+        <p:cNvGrpSpPr/>
+        <p:nvPr/>
+      </p:nvGrpSpPr>
+      <p:grpSpPr>
+        <a:xfrm>
+          <a:off x="0" y="0"/>
+          <a:ext cx="0" cy="0"/>
+          <a:chOff x="0" y="0"/>
+          <a:chExt cx="0" cy="0"/>
+        </a:xfrm>
+      </p:grpSpPr>
+      <p:sp>
+        <p:nvSpPr>
+          <p:cNvPr id="284" name="Google Shape;284;p33"/>
+          <p:cNvSpPr txBox="1"/>
+          <p:nvPr/>
+        </p:nvSpPr>
+        <p:spPr>
+          <a:xfrm>
+            <a:off x="55075" y="-9225"/>
+            <a:ext cx="1943400" cy="326400"/>
+          </a:xfrm>
+          <a:prstGeom prst="rect">
+            <a:avLst/>
+          </a:prstGeom>
+          <a:noFill/>
+          <a:ln>
+            <a:noFill/>
+          </a:ln>
+        </p:spPr>
+        <p:txBody>
+          <a:bodyPr spcFirstLastPara="1" wrap="square" lIns="9125" tIns="9125" rIns="9125" bIns="9125" anchor="t" anchorCtr="0">
+            <a:spAutoFit/>
+          </a:bodyPr>
+          <a:lstStyle/>
+          <a:p>
+            <a:pPr marL="0" marR="0" lvl="0" indent="0" algn="l" rtl="0">
+              <a:lnSpc>
+                <a:spcPct val="100000"/>
+              </a:lnSpc>
+              <a:spcBef>
+                <a:spcPts val="0"/>
+              </a:spcBef>
+              <a:spcAft>
+                <a:spcPts val="0"/>
+              </a:spcAft>
+              <a:buClr>
+                <a:schemeClr val="dk1"/>
+              </a:buClr>
+              <a:buSzPts val="1100"/>
+              <a:buFont typeface="Arial"/>
+              <a:buNone/>
+            </a:pPr>
+            <a:r>
+              <a:rPr lang="en" sz="2000" b="1">
+                <a:solidFill>
+                  <a:schemeClr val="dk1"/>
+                </a:solidFill>
+                <a:latin typeface="Calibri"/>
+                <a:ea typeface="Calibri"/>
+                <a:cs typeface="Calibri"/>
+                <a:sym typeface="Calibri"/>
+              </a:rPr>
+              <a:t>Claude Code Hints</a:t>
+            </a:r>
+            <a:endParaRPr sz="2000" b="1" i="0" u="none" strike="noStrike" cap="none">
+              <a:solidFill>
+                <a:schemeClr val="dk1"/>
+              </a:solidFill>
+              <a:latin typeface="Calibri"/>
+              <a:ea typeface="Calibri"/>
+              <a:cs typeface="Calibri"/>
+              <a:sym typeface="Calibri"/>
+            </a:endParaRPr>
+          </a:p>
+        </p:txBody>
+      </p:sp>
+      <p:sp>
+        <p:nvSpPr>
+          <p:cNvPr id="285" name="Google Shape;285;p33"/>
+          <p:cNvSpPr txBox="1"/>
+          <p:nvPr/>
+        </p:nvSpPr>
+        <p:spPr>
+          <a:xfrm>
+            <a:off x="101579" y="388118"/>
+            <a:ext cx="4412700" cy="3528000"/>
+          </a:xfrm>
+          <a:prstGeom prst="rect">
+            <a:avLst/>
+          </a:prstGeom>
+          <a:solidFill>
+            <a:srgbClr val="FFF2CC"/>
+          </a:solidFill>
+          <a:ln w="9525" cap="flat" cmpd="sng">
+            <a:solidFill>
+              <a:srgbClr val="FF0000"/>
+            </a:solidFill>
+            <a:prstDash val="solid"/>
+            <a:round/>
+            <a:headEnd type="none" w="sm" len="sm"/>
+            <a:tailEnd type="none" w="sm" len="sm"/>
+          </a:ln>
+        </p:spPr>
+        <p:txBody>
+          <a:bodyPr spcFirstLastPara="1" wrap="square" lIns="9125" tIns="9125" rIns="9125" bIns="9125" anchor="t" anchorCtr="0">
+            <a:spAutoFit/>
+          </a:bodyPr>
+          <a:lstStyle/>
+          <a:p>
+            <a:pPr marL="171450" marR="0" lvl="0" indent="-133350" algn="l" rtl="0">
+              <a:lnSpc>
+                <a:spcPct val="100000"/>
+              </a:lnSpc>
+              <a:spcBef>
+                <a:spcPts val="0"/>
+              </a:spcBef>
+              <a:spcAft>
+                <a:spcPts val="0"/>
+              </a:spcAft>
+              <a:buClr>
+                <a:srgbClr val="FF0000"/>
+              </a:buClr>
+              <a:buSzPts val="1200"/>
+              <a:buFont typeface="Calibri"/>
+              <a:buChar char="●"/>
+            </a:pPr>
+            <a:r>
+              <a:rPr lang="en" sz="1200" b="1">
+                <a:solidFill>
+                  <a:srgbClr val="FF0000"/>
+                </a:solidFill>
+                <a:latin typeface="Calibri"/>
+                <a:ea typeface="Calibri"/>
+                <a:cs typeface="Calibri"/>
+                <a:sym typeface="Calibri"/>
+              </a:rPr>
+              <a:t>Claude Code Hints</a:t>
+            </a:r>
+            <a:endParaRPr sz="1200" b="1">
+              <a:solidFill>
+                <a:srgbClr val="FF0000"/>
+              </a:solidFill>
+              <a:latin typeface="Calibri"/>
+              <a:ea typeface="Calibri"/>
+              <a:cs typeface="Calibri"/>
+              <a:sym typeface="Calibri"/>
+            </a:endParaRPr>
+          </a:p>
+          <a:p>
+            <a:pPr marL="171450" marR="0" lvl="0" indent="-133350" algn="l" rtl="0">
+              <a:lnSpc>
+                <a:spcPct val="100000"/>
+              </a:lnSpc>
+              <a:spcBef>
+                <a:spcPts val="0"/>
+              </a:spcBef>
+              <a:spcAft>
+                <a:spcPts val="0"/>
+              </a:spcAft>
+              <a:buClr>
+                <a:schemeClr val="dk1"/>
+              </a:buClr>
+              <a:buSzPts val="1200"/>
+              <a:buFont typeface="Calibri"/>
+              <a:buChar char="●"/>
+            </a:pPr>
+            <a:r>
+              <a:rPr lang="en" sz="1200">
+                <a:latin typeface="Calibri"/>
+                <a:ea typeface="Calibri"/>
+                <a:cs typeface="Calibri"/>
+                <a:sym typeface="Calibri"/>
+              </a:rPr>
+              <a:t>Add a .gitignore early and aggressively; </a:t>
+            </a:r>
+            <a:br>
+              <a:rPr lang="en" sz="1200">
+                <a:latin typeface="Calibri"/>
+                <a:ea typeface="Calibri"/>
+                <a:cs typeface="Calibri"/>
+                <a:sym typeface="Calibri"/>
+              </a:rPr>
+            </a:br>
+            <a:r>
+              <a:rPr lang="en" sz="1200">
+                <a:latin typeface="Calibri"/>
+                <a:ea typeface="Calibri"/>
+                <a:cs typeface="Calibri"/>
+                <a:sym typeface="Calibri"/>
+              </a:rPr>
+              <a:t>Use /compact when preserving conversation history.</a:t>
+            </a:r>
+            <a:br>
+              <a:rPr lang="en" sz="1200">
+                <a:latin typeface="Calibri"/>
+                <a:ea typeface="Calibri"/>
+                <a:cs typeface="Calibri"/>
+                <a:sym typeface="Calibri"/>
+              </a:rPr>
+            </a:br>
+            <a:r>
+              <a:rPr lang="en" sz="1200">
+                <a:latin typeface="Calibri"/>
+                <a:ea typeface="Calibri"/>
+                <a:cs typeface="Calibri"/>
+                <a:sym typeface="Calibri"/>
+              </a:rPr>
+              <a:t>Use /clear before switching tasks.</a:t>
+            </a:r>
+            <a:br>
+              <a:rPr lang="en" sz="1200">
+                <a:latin typeface="Calibri"/>
+                <a:ea typeface="Calibri"/>
+                <a:cs typeface="Calibri"/>
+                <a:sym typeface="Calibri"/>
+              </a:rPr>
+            </a:br>
+            <a:r>
+              <a:rPr lang="en" sz="1200">
+                <a:latin typeface="Calibri"/>
+                <a:ea typeface="Calibri"/>
+                <a:cs typeface="Calibri"/>
+                <a:sym typeface="Calibri"/>
+              </a:rPr>
+              <a:t>Exclude directories like dist/, logs/, .next/, coverage/ , .env , node_modules/</a:t>
+            </a:r>
+            <a:endParaRPr sz="1200">
+              <a:latin typeface="Calibri"/>
+              <a:ea typeface="Calibri"/>
+              <a:cs typeface="Calibri"/>
+              <a:sym typeface="Calibri"/>
+            </a:endParaRPr>
+          </a:p>
+          <a:p>
+            <a:pPr marL="171450" marR="0" lvl="0" indent="-133350" algn="l" rtl="0">
+              <a:lnSpc>
+                <a:spcPct val="100000"/>
+              </a:lnSpc>
+              <a:spcBef>
+                <a:spcPts val="0"/>
+              </a:spcBef>
+              <a:spcAft>
+                <a:spcPts val="0"/>
+              </a:spcAft>
+              <a:buClr>
+                <a:schemeClr val="dk1"/>
+              </a:buClr>
+              <a:buSzPts val="1200"/>
+              <a:buFont typeface="Calibri"/>
+              <a:buChar char="●"/>
+            </a:pPr>
+            <a:r>
+              <a:rPr lang="en" sz="1200">
+                <a:latin typeface="Calibri"/>
+                <a:ea typeface="Calibri"/>
+                <a:cs typeface="Calibri"/>
+                <a:sym typeface="Calibri"/>
+              </a:rPr>
+              <a:t>Use CLAUDE.md files</a:t>
+            </a:r>
+            <a:endParaRPr sz="1200">
+              <a:latin typeface="Calibri"/>
+              <a:ea typeface="Calibri"/>
+              <a:cs typeface="Calibri"/>
+              <a:sym typeface="Calibri"/>
+            </a:endParaRPr>
+          </a:p>
+          <a:p>
+            <a:pPr marL="171450" marR="0" lvl="0" indent="-133350" algn="l" rtl="0">
+              <a:lnSpc>
+                <a:spcPct val="100000"/>
+              </a:lnSpc>
+              <a:spcBef>
+                <a:spcPts val="0"/>
+              </a:spcBef>
+              <a:spcAft>
+                <a:spcPts val="0"/>
+              </a:spcAft>
+              <a:buClr>
+                <a:schemeClr val="dk1"/>
+              </a:buClr>
+              <a:buSzPts val="1200"/>
+              <a:buFont typeface="Calibri"/>
+              <a:buChar char="●"/>
+            </a:pPr>
+            <a:r>
+              <a:rPr lang="en" sz="1200">
+                <a:latin typeface="Calibri"/>
+                <a:ea typeface="Calibri"/>
+                <a:cs typeface="Calibri"/>
+                <a:sym typeface="Calibri"/>
+              </a:rPr>
+              <a:t>Use Plan Mode Like an Architect</a:t>
+            </a:r>
+            <a:endParaRPr sz="1200">
+              <a:latin typeface="Calibri"/>
+              <a:ea typeface="Calibri"/>
+              <a:cs typeface="Calibri"/>
+              <a:sym typeface="Calibri"/>
+            </a:endParaRPr>
+          </a:p>
+          <a:p>
+            <a:pPr marL="171450" marR="0" lvl="0" indent="-133350" algn="l" rtl="0">
+              <a:lnSpc>
+                <a:spcPct val="100000"/>
+              </a:lnSpc>
+              <a:spcBef>
+                <a:spcPts val="0"/>
+              </a:spcBef>
+              <a:spcAft>
+                <a:spcPts val="0"/>
+              </a:spcAft>
+              <a:buClr>
+                <a:schemeClr val="dk1"/>
+              </a:buClr>
+              <a:buSzPts val="1200"/>
+              <a:buFont typeface="Calibri"/>
+              <a:buChar char="●"/>
+            </a:pPr>
+            <a:r>
+              <a:rPr lang="en" sz="1200">
+                <a:latin typeface="Calibri"/>
+                <a:ea typeface="Calibri"/>
+                <a:cs typeface="Calibri"/>
+                <a:sym typeface="Calibri"/>
+              </a:rPr>
+              <a:t>Use XML Tags in prompts - Claude is strangely obedient</a:t>
+            </a:r>
+            <a:endParaRPr sz="1200">
+              <a:latin typeface="Calibri"/>
+              <a:ea typeface="Calibri"/>
+              <a:cs typeface="Calibri"/>
+              <a:sym typeface="Calibri"/>
+            </a:endParaRPr>
+          </a:p>
+          <a:p>
+            <a:pPr marL="171450" marR="0" lvl="0" indent="-133350" algn="l" rtl="0">
+              <a:lnSpc>
+                <a:spcPct val="100000"/>
+              </a:lnSpc>
+              <a:spcBef>
+                <a:spcPts val="0"/>
+              </a:spcBef>
+              <a:spcAft>
+                <a:spcPts val="0"/>
+              </a:spcAft>
+              <a:buClr>
+                <a:schemeClr val="dk1"/>
+              </a:buClr>
+              <a:buSzPts val="1200"/>
+              <a:buFont typeface="Calibri"/>
+              <a:buChar char="●"/>
+            </a:pPr>
+            <a:r>
+              <a:rPr lang="en" sz="1200">
+                <a:latin typeface="Calibri"/>
+                <a:ea typeface="Calibri"/>
+                <a:cs typeface="Calibri"/>
+                <a:sym typeface="Calibri"/>
+              </a:rPr>
+              <a:t>Create Custom Slash Commands, for example:</a:t>
+            </a:r>
+            <a:br>
+              <a:rPr lang="en" sz="1200">
+                <a:latin typeface="Calibri"/>
+                <a:ea typeface="Calibri"/>
+                <a:cs typeface="Calibri"/>
+                <a:sym typeface="Calibri"/>
+              </a:rPr>
+            </a:br>
+            <a:r>
+              <a:rPr lang="en" sz="1200">
+                <a:latin typeface="Calibri"/>
+                <a:ea typeface="Calibri"/>
+                <a:cs typeface="Calibri"/>
+                <a:sym typeface="Calibri"/>
+              </a:rPr>
+              <a:t>                 .claude/commands/audit.md</a:t>
+            </a:r>
+            <a:endParaRPr sz="1200">
+              <a:latin typeface="Calibri"/>
+              <a:ea typeface="Calibri"/>
+              <a:cs typeface="Calibri"/>
+              <a:sym typeface="Calibri"/>
+            </a:endParaRPr>
+          </a:p>
+          <a:p>
+            <a:pPr marL="171450" marR="0" lvl="0" indent="-133350" algn="l" rtl="0">
+              <a:lnSpc>
+                <a:spcPct val="100000"/>
+              </a:lnSpc>
+              <a:spcBef>
+                <a:spcPts val="0"/>
+              </a:spcBef>
+              <a:spcAft>
+                <a:spcPts val="0"/>
+              </a:spcAft>
+              <a:buClr>
+                <a:schemeClr val="dk1"/>
+              </a:buClr>
+              <a:buSzPts val="1200"/>
+              <a:buFont typeface="Calibri"/>
+              <a:buChar char="●"/>
+            </a:pPr>
+            <a:r>
+              <a:rPr lang="en" sz="1200">
+                <a:latin typeface="Calibri"/>
+                <a:ea typeface="Calibri"/>
+                <a:cs typeface="Calibri"/>
+                <a:sym typeface="Calibri"/>
+              </a:rPr>
+              <a:t>Hooks for pre-, post-, and other automation</a:t>
+            </a:r>
+            <a:endParaRPr sz="1200">
+              <a:latin typeface="Calibri"/>
+              <a:ea typeface="Calibri"/>
+              <a:cs typeface="Calibri"/>
+              <a:sym typeface="Calibri"/>
+            </a:endParaRPr>
+          </a:p>
+          <a:p>
+            <a:pPr marL="171450" marR="0" lvl="0" indent="-133350" algn="l" rtl="0">
+              <a:lnSpc>
+                <a:spcPct val="100000"/>
+              </a:lnSpc>
+              <a:spcBef>
+                <a:spcPts val="0"/>
+              </a:spcBef>
+              <a:spcAft>
+                <a:spcPts val="0"/>
+              </a:spcAft>
+              <a:buClr>
+                <a:schemeClr val="dk1"/>
+              </a:buClr>
+              <a:buSzPts val="1200"/>
+              <a:buFont typeface="Calibri"/>
+              <a:buChar char="●"/>
+            </a:pPr>
+            <a:r>
+              <a:rPr lang="en" sz="1200">
+                <a:latin typeface="Calibri"/>
+                <a:ea typeface="Calibri"/>
+                <a:cs typeface="Calibri"/>
+                <a:sym typeface="Calibri"/>
+              </a:rPr>
+              <a:t>Demand to </a:t>
+            </a:r>
+            <a:r>
+              <a:rPr lang="en" sz="1200">
+                <a:solidFill>
+                  <a:schemeClr val="dk1"/>
+                </a:solidFill>
+                <a:latin typeface="Calibri"/>
+                <a:ea typeface="Calibri"/>
+                <a:cs typeface="Calibri"/>
+                <a:sym typeface="Calibri"/>
+              </a:rPr>
+              <a:t>Return ONLY a unified diff patch, no prose or summaries</a:t>
+            </a:r>
+            <a:endParaRPr sz="1200">
+              <a:solidFill>
+                <a:schemeClr val="dk1"/>
+              </a:solidFill>
+              <a:latin typeface="Calibri"/>
+              <a:ea typeface="Calibri"/>
+              <a:cs typeface="Calibri"/>
+              <a:sym typeface="Calibri"/>
+            </a:endParaRPr>
+          </a:p>
+          <a:p>
+            <a:pPr marL="171450" marR="0" lvl="0" indent="-133350" algn="l" rtl="0">
+              <a:lnSpc>
+                <a:spcPct val="100000"/>
+              </a:lnSpc>
+              <a:spcBef>
+                <a:spcPts val="0"/>
+              </a:spcBef>
+              <a:spcAft>
+                <a:spcPts val="0"/>
+              </a:spcAft>
+              <a:buClr>
+                <a:schemeClr val="dk1"/>
+              </a:buClr>
+              <a:buSzPts val="1200"/>
+              <a:buFont typeface="Calibri"/>
+              <a:buChar char="●"/>
+            </a:pPr>
+            <a:r>
+              <a:rPr lang="en" sz="1200">
+                <a:latin typeface="Calibri"/>
+                <a:ea typeface="Calibri"/>
+                <a:cs typeface="Calibri"/>
+                <a:sym typeface="Calibri"/>
+              </a:rPr>
+              <a:t>Use Claude to open/handle PRs</a:t>
+            </a:r>
+            <a:endParaRPr sz="1200">
+              <a:latin typeface="Calibri"/>
+              <a:ea typeface="Calibri"/>
+              <a:cs typeface="Calibri"/>
+              <a:sym typeface="Calibri"/>
+            </a:endParaRPr>
+          </a:p>
+          <a:p>
+            <a:pPr marL="171450" marR="0" lvl="0" indent="-133350" algn="l" rtl="0">
+              <a:lnSpc>
+                <a:spcPct val="100000"/>
+              </a:lnSpc>
+              <a:spcBef>
+                <a:spcPts val="0"/>
+              </a:spcBef>
+              <a:spcAft>
+                <a:spcPts val="0"/>
+              </a:spcAft>
+              <a:buClr>
+                <a:schemeClr val="dk1"/>
+              </a:buClr>
+              <a:buSzPts val="1200"/>
+              <a:buFont typeface="Calibri"/>
+              <a:buChar char="●"/>
+            </a:pPr>
+            <a:r>
+              <a:rPr lang="en" sz="1200">
+                <a:latin typeface="Calibri"/>
+                <a:ea typeface="Calibri"/>
+                <a:cs typeface="Calibri"/>
+                <a:sym typeface="Calibri"/>
+              </a:rPr>
+              <a:t>Clean Your Workspace Before Inviting Claude In</a:t>
+            </a:r>
+            <a:endParaRPr sz="1200">
+              <a:latin typeface="Calibri"/>
+              <a:ea typeface="Calibri"/>
+              <a:cs typeface="Calibri"/>
+              <a:sym typeface="Calibri"/>
+            </a:endParaRPr>
+          </a:p>
+          <a:p>
+            <a:pPr marL="171450" marR="0" lvl="0" indent="-133350" algn="l" rtl="0">
+              <a:lnSpc>
+                <a:spcPct val="100000"/>
+              </a:lnSpc>
+              <a:spcBef>
+                <a:spcPts val="0"/>
+              </a:spcBef>
+              <a:spcAft>
+                <a:spcPts val="0"/>
+              </a:spcAft>
+              <a:buClr>
+                <a:schemeClr val="dk1"/>
+              </a:buClr>
+              <a:buSzPts val="1200"/>
+              <a:buFont typeface="Calibri"/>
+              <a:buChar char="●"/>
+            </a:pPr>
+            <a:r>
+              <a:rPr lang="en" sz="1200">
+                <a:latin typeface="Calibri"/>
+                <a:ea typeface="Calibri"/>
+                <a:cs typeface="Calibri"/>
+                <a:sym typeface="Calibri"/>
+              </a:rPr>
+              <a:t>Share </a:t>
+            </a:r>
+            <a:r>
+              <a:rPr lang="en" sz="1200" u="sng">
+                <a:solidFill>
+                  <a:schemeClr val="hlink"/>
+                </a:solidFill>
+                <a:latin typeface="Calibri"/>
+                <a:ea typeface="Calibri"/>
+                <a:cs typeface="Calibri"/>
+                <a:sym typeface="Calibri"/>
+                <a:hlinkClick r:id="rId3"/>
+              </a:rPr>
+              <a:t>CLAUDE.md</a:t>
+            </a:r>
+            <a:r>
+              <a:rPr lang="en" sz="1200">
+                <a:latin typeface="Calibri"/>
+                <a:ea typeface="Calibri"/>
+                <a:cs typeface="Calibri"/>
+                <a:sym typeface="Calibri"/>
+              </a:rPr>
+              <a:t>, slash commands, hook scripts</a:t>
+            </a:r>
+            <a:endParaRPr sz="1200">
+              <a:latin typeface="Calibri"/>
+              <a:ea typeface="Calibri"/>
+              <a:cs typeface="Calibri"/>
+              <a:sym typeface="Calibri"/>
+            </a:endParaRPr>
+          </a:p>
+          <a:p>
+            <a:pPr marL="171450" marR="0" lvl="0" indent="-133350" algn="l" rtl="0">
+              <a:lnSpc>
+                <a:spcPct val="100000"/>
+              </a:lnSpc>
+              <a:spcBef>
+                <a:spcPts val="0"/>
+              </a:spcBef>
+              <a:spcAft>
+                <a:spcPts val="0"/>
+              </a:spcAft>
+              <a:buClr>
+                <a:schemeClr val="dk1"/>
+              </a:buClr>
+              <a:buSzPts val="1200"/>
+              <a:buFont typeface="Calibri"/>
+              <a:buChar char="●"/>
+            </a:pPr>
+            <a:r>
+              <a:rPr lang="en" sz="1200">
+                <a:latin typeface="Calibri"/>
+                <a:ea typeface="Calibri"/>
+                <a:cs typeface="Calibri"/>
+                <a:sym typeface="Calibri"/>
+              </a:rPr>
+              <a:t>Give Claude function signatures and data structures examples</a:t>
+            </a:r>
+            <a:endParaRPr sz="1200">
+              <a:latin typeface="Calibri"/>
+              <a:ea typeface="Calibri"/>
+              <a:cs typeface="Calibri"/>
+              <a:sym typeface="Calibri"/>
+            </a:endParaRPr>
+          </a:p>
+          <a:p>
+            <a:pPr marL="171450" marR="0" lvl="0" indent="-133350" algn="l" rtl="0">
+              <a:lnSpc>
+                <a:spcPct val="100000"/>
+              </a:lnSpc>
+              <a:spcBef>
+                <a:spcPts val="0"/>
+              </a:spcBef>
+              <a:spcAft>
+                <a:spcPts val="0"/>
+              </a:spcAft>
+              <a:buClr>
+                <a:schemeClr val="dk1"/>
+              </a:buClr>
+              <a:buSzPts val="1200"/>
+              <a:buFont typeface="Calibri"/>
+              <a:buChar char="●"/>
+            </a:pPr>
+            <a:r>
+              <a:rPr lang="en" sz="1200" u="sng">
+                <a:solidFill>
+                  <a:schemeClr val="hlink"/>
+                </a:solidFill>
+                <a:latin typeface="Calibri"/>
+                <a:ea typeface="Calibri"/>
+                <a:cs typeface="Calibri"/>
+                <a:sym typeface="Calibri"/>
+                <a:hlinkClick r:id="rId4"/>
+              </a:rPr>
+              <a:t>https://medium.com/@apicraft/10-claude-code-power-hacks-they-dont-tell-you-but-should-49096ba6c8ff</a:t>
+            </a:r>
+            <a:r>
+              <a:rPr lang="en" sz="1200">
+                <a:solidFill>
+                  <a:schemeClr val="dk1"/>
+                </a:solidFill>
+                <a:latin typeface="Calibri"/>
+                <a:ea typeface="Calibri"/>
+                <a:cs typeface="Calibri"/>
+                <a:sym typeface="Calibri"/>
+              </a:rPr>
+              <a:t> </a:t>
+            </a:r>
+            <a:endParaRPr sz="1200">
+              <a:solidFill>
+                <a:schemeClr val="dk1"/>
+              </a:solidFill>
+              <a:latin typeface="Calibri"/>
+              <a:ea typeface="Calibri"/>
+              <a:cs typeface="Calibri"/>
+              <a:sym typeface="Calibri"/>
+            </a:endParaRPr>
+          </a:p>
+        </p:txBody>
+      </p:sp>
+      <p:sp>
+        <p:nvSpPr>
+          <p:cNvPr id="286" name="Google Shape;286;p33"/>
+          <p:cNvSpPr txBox="1"/>
+          <p:nvPr/>
+        </p:nvSpPr>
+        <p:spPr>
+          <a:xfrm>
+            <a:off x="101579" y="4001051"/>
+            <a:ext cx="4412700" cy="572700"/>
+          </a:xfrm>
+          <a:prstGeom prst="rect">
+            <a:avLst/>
+          </a:prstGeom>
+          <a:solidFill>
+            <a:srgbClr val="FFF2CC"/>
+          </a:solidFill>
+          <a:ln w="9525" cap="flat" cmpd="sng">
+            <a:solidFill>
+              <a:srgbClr val="FF0000"/>
+            </a:solidFill>
+            <a:prstDash val="solid"/>
+            <a:round/>
+            <a:headEnd type="none" w="sm" len="sm"/>
+            <a:tailEnd type="none" w="sm" len="sm"/>
+          </a:ln>
+        </p:spPr>
+        <p:txBody>
+          <a:bodyPr spcFirstLastPara="1" wrap="square" lIns="9125" tIns="9125" rIns="9125" bIns="9125" anchor="t" anchorCtr="0">
+            <a:spAutoFit/>
+          </a:bodyPr>
+          <a:lstStyle/>
+          <a:p>
+            <a:pPr marL="171450" marR="0" lvl="0" indent="-133350" algn="l" rtl="0">
+              <a:lnSpc>
+                <a:spcPct val="100000"/>
+              </a:lnSpc>
+              <a:spcBef>
+                <a:spcPts val="0"/>
+              </a:spcBef>
+              <a:spcAft>
+                <a:spcPts val="0"/>
+              </a:spcAft>
+              <a:buClr>
+                <a:srgbClr val="FF0000"/>
+              </a:buClr>
+              <a:buSzPts val="1200"/>
+              <a:buFont typeface="Calibri"/>
+              <a:buChar char="●"/>
+            </a:pPr>
+            <a:r>
+              <a:rPr lang="en" sz="1200" b="1">
+                <a:solidFill>
+                  <a:srgbClr val="FF0000"/>
+                </a:solidFill>
+                <a:latin typeface="Calibri"/>
+                <a:ea typeface="Calibri"/>
+                <a:cs typeface="Calibri"/>
+                <a:sym typeface="Calibri"/>
+              </a:rPr>
+              <a:t>Use Claude Subagents</a:t>
+            </a:r>
+            <a:endParaRPr sz="1200" b="1">
+              <a:solidFill>
+                <a:srgbClr val="FF0000"/>
+              </a:solidFill>
+              <a:latin typeface="Calibri"/>
+              <a:ea typeface="Calibri"/>
+              <a:cs typeface="Calibri"/>
+              <a:sym typeface="Calibri"/>
+            </a:endParaRPr>
+          </a:p>
+          <a:p>
+            <a:pPr marL="171450" marR="0" lvl="0" indent="-133350" algn="l" rtl="0">
+              <a:lnSpc>
+                <a:spcPct val="100000"/>
+              </a:lnSpc>
+              <a:spcBef>
+                <a:spcPts val="0"/>
+              </a:spcBef>
+              <a:spcAft>
+                <a:spcPts val="0"/>
+              </a:spcAft>
+              <a:buClr>
+                <a:schemeClr val="dk1"/>
+              </a:buClr>
+              <a:buSzPts val="1200"/>
+              <a:buFont typeface="Calibri"/>
+              <a:buChar char="●"/>
+            </a:pPr>
+            <a:r>
+              <a:rPr lang="en" sz="1200" u="sng">
+                <a:solidFill>
+                  <a:schemeClr val="hlink"/>
+                </a:solidFill>
+                <a:latin typeface="Calibri"/>
+                <a:ea typeface="Calibri"/>
+                <a:cs typeface="Calibri"/>
+                <a:sym typeface="Calibri"/>
+                <a:hlinkClick r:id="rId5"/>
+              </a:rPr>
+              <a:t>https://medium.com/@ooi_yee_fei/building-with-claude-code-subagents-my-beloved-minions-b5a9a4318ba5</a:t>
+            </a:r>
+            <a:r>
+              <a:rPr lang="en" sz="1200">
+                <a:solidFill>
+                  <a:schemeClr val="dk1"/>
+                </a:solidFill>
+                <a:latin typeface="Calibri"/>
+                <a:ea typeface="Calibri"/>
+                <a:cs typeface="Calibri"/>
+                <a:sym typeface="Calibri"/>
+              </a:rPr>
+              <a:t> </a:t>
+            </a:r>
+            <a:endParaRPr sz="1200">
+              <a:solidFill>
+                <a:schemeClr val="dk1"/>
+              </a:solidFill>
+              <a:latin typeface="Calibri"/>
+              <a:ea typeface="Calibri"/>
+              <a:cs typeface="Calibri"/>
+              <a:sym typeface="Calibri"/>
+            </a:endParaRPr>
+          </a:p>
+        </p:txBody>
+      </p:sp>
+      <p:sp>
+        <p:nvSpPr>
+          <p:cNvPr id="287" name="Google Shape;287;p33"/>
+          <p:cNvSpPr txBox="1"/>
+          <p:nvPr/>
+        </p:nvSpPr>
+        <p:spPr>
+          <a:xfrm>
+            <a:off x="4631729" y="388118"/>
+            <a:ext cx="4412700" cy="1311300"/>
+          </a:xfrm>
+          <a:prstGeom prst="rect">
+            <a:avLst/>
+          </a:prstGeom>
+          <a:solidFill>
+            <a:srgbClr val="FFF2CC"/>
+          </a:solidFill>
+          <a:ln w="9525" cap="flat" cmpd="sng">
+            <a:solidFill>
+              <a:srgbClr val="FF0000"/>
+            </a:solidFill>
+            <a:prstDash val="solid"/>
+            <a:round/>
+            <a:headEnd type="none" w="sm" len="sm"/>
+            <a:tailEnd type="none" w="sm" len="sm"/>
+          </a:ln>
+        </p:spPr>
+        <p:txBody>
+          <a:bodyPr spcFirstLastPara="1" wrap="square" lIns="9125" tIns="9125" rIns="9125" bIns="9125" anchor="t" anchorCtr="0">
+            <a:spAutoFit/>
+          </a:bodyPr>
+          <a:lstStyle/>
+          <a:p>
+            <a:pPr marL="171450" marR="0" lvl="0" indent="-133350" algn="l" rtl="0">
+              <a:lnSpc>
+                <a:spcPct val="100000"/>
+              </a:lnSpc>
+              <a:spcBef>
+                <a:spcPts val="0"/>
+              </a:spcBef>
+              <a:spcAft>
+                <a:spcPts val="0"/>
+              </a:spcAft>
+              <a:buClr>
+                <a:srgbClr val="FF0000"/>
+              </a:buClr>
+              <a:buSzPts val="1200"/>
+              <a:buFont typeface="Calibri"/>
+              <a:buChar char="●"/>
+            </a:pPr>
+            <a:r>
+              <a:rPr lang="en" sz="1200" b="1">
+                <a:solidFill>
+                  <a:srgbClr val="FF0000"/>
+                </a:solidFill>
+                <a:latin typeface="Calibri"/>
+                <a:ea typeface="Calibri"/>
+                <a:cs typeface="Calibri"/>
+                <a:sym typeface="Calibri"/>
+              </a:rPr>
+              <a:t>SuperClaude Framework</a:t>
+            </a:r>
+            <a:endParaRPr sz="1200" b="1">
+              <a:solidFill>
+                <a:srgbClr val="FF0000"/>
+              </a:solidFill>
+              <a:latin typeface="Calibri"/>
+              <a:ea typeface="Calibri"/>
+              <a:cs typeface="Calibri"/>
+              <a:sym typeface="Calibri"/>
+            </a:endParaRPr>
+          </a:p>
+          <a:p>
+            <a:pPr marL="171450" marR="0" lvl="0" indent="-133350" algn="l" rtl="0">
+              <a:lnSpc>
+                <a:spcPct val="100000"/>
+              </a:lnSpc>
+              <a:spcBef>
+                <a:spcPts val="0"/>
+              </a:spcBef>
+              <a:spcAft>
+                <a:spcPts val="0"/>
+              </a:spcAft>
+              <a:buClr>
+                <a:schemeClr val="dk1"/>
+              </a:buClr>
+              <a:buSzPts val="1200"/>
+              <a:buFont typeface="Calibri"/>
+              <a:buChar char="●"/>
+            </a:pPr>
+            <a:r>
+              <a:rPr lang="en" sz="1200">
+                <a:latin typeface="Calibri"/>
+                <a:ea typeface="Calibri"/>
+                <a:cs typeface="Calibri"/>
+                <a:sym typeface="Calibri"/>
+              </a:rPr>
+              <a:t>Enhances Claude Code with 21 new slash commands, 14 specialized AI agents, and 6 MCP server integrations</a:t>
+            </a:r>
+            <a:endParaRPr sz="1200">
+              <a:latin typeface="Calibri"/>
+              <a:ea typeface="Calibri"/>
+              <a:cs typeface="Calibri"/>
+              <a:sym typeface="Calibri"/>
+            </a:endParaRPr>
+          </a:p>
+          <a:p>
+            <a:pPr marL="171450" marR="0" lvl="0" indent="-133350" algn="l" rtl="0">
+              <a:lnSpc>
+                <a:spcPct val="100000"/>
+              </a:lnSpc>
+              <a:spcBef>
+                <a:spcPts val="0"/>
+              </a:spcBef>
+              <a:spcAft>
+                <a:spcPts val="0"/>
+              </a:spcAft>
+              <a:buClr>
+                <a:schemeClr val="dk1"/>
+              </a:buClr>
+              <a:buSzPts val="1200"/>
+              <a:buFont typeface="Calibri"/>
+              <a:buChar char="●"/>
+            </a:pPr>
+            <a:r>
+              <a:rPr lang="en" sz="1200">
+                <a:latin typeface="Calibri"/>
+                <a:ea typeface="Calibri"/>
+                <a:cs typeface="Calibri"/>
+                <a:sym typeface="Calibri"/>
+              </a:rPr>
+              <a:t>Creates structured workflows for development tasks</a:t>
+            </a:r>
+            <a:endParaRPr sz="1200">
+              <a:latin typeface="Calibri"/>
+              <a:ea typeface="Calibri"/>
+              <a:cs typeface="Calibri"/>
+              <a:sym typeface="Calibri"/>
+            </a:endParaRPr>
+          </a:p>
+          <a:p>
+            <a:pPr marL="171450" marR="0" lvl="0" indent="-133350" algn="l" rtl="0">
+              <a:lnSpc>
+                <a:spcPct val="100000"/>
+              </a:lnSpc>
+              <a:spcBef>
+                <a:spcPts val="0"/>
+              </a:spcBef>
+              <a:spcAft>
+                <a:spcPts val="0"/>
+              </a:spcAft>
+              <a:buClr>
+                <a:schemeClr val="dk1"/>
+              </a:buClr>
+              <a:buSzPts val="1200"/>
+              <a:buFont typeface="Calibri"/>
+              <a:buChar char="●"/>
+            </a:pPr>
+            <a:r>
+              <a:rPr lang="en" sz="1200">
+                <a:latin typeface="Calibri"/>
+                <a:ea typeface="Calibri"/>
+                <a:cs typeface="Calibri"/>
+                <a:sym typeface="Calibri"/>
+              </a:rPr>
+              <a:t>14K stars on GitHub in a month</a:t>
+            </a:r>
+            <a:endParaRPr sz="1200">
+              <a:latin typeface="Calibri"/>
+              <a:ea typeface="Calibri"/>
+              <a:cs typeface="Calibri"/>
+              <a:sym typeface="Calibri"/>
+            </a:endParaRPr>
+          </a:p>
+          <a:p>
+            <a:pPr marL="171450" marR="0" lvl="0" indent="-133350" algn="l" rtl="0">
+              <a:lnSpc>
+                <a:spcPct val="100000"/>
+              </a:lnSpc>
+              <a:spcBef>
+                <a:spcPts val="0"/>
+              </a:spcBef>
+              <a:spcAft>
+                <a:spcPts val="0"/>
+              </a:spcAft>
+              <a:buClr>
+                <a:schemeClr val="dk1"/>
+              </a:buClr>
+              <a:buSzPts val="1200"/>
+              <a:buFont typeface="Calibri"/>
+              <a:buChar char="●"/>
+            </a:pPr>
+            <a:r>
+              <a:rPr lang="en" sz="1200">
+                <a:latin typeface="Calibri"/>
+                <a:ea typeface="Calibri"/>
+                <a:cs typeface="Calibri"/>
+                <a:sym typeface="Calibri"/>
+              </a:rPr>
+              <a:t>Claims to reduce context usage by 30-50%.</a:t>
+            </a:r>
+            <a:endParaRPr sz="1200">
+              <a:latin typeface="Calibri"/>
+              <a:ea typeface="Calibri"/>
+              <a:cs typeface="Calibri"/>
+              <a:sym typeface="Calibri"/>
+            </a:endParaRPr>
+          </a:p>
+          <a:p>
+            <a:pPr marL="171450" marR="0" lvl="0" indent="-133350" algn="l" rtl="0">
+              <a:lnSpc>
+                <a:spcPct val="100000"/>
+              </a:lnSpc>
+              <a:spcBef>
+                <a:spcPts val="0"/>
+              </a:spcBef>
+              <a:spcAft>
+                <a:spcPts val="0"/>
+              </a:spcAft>
+              <a:buSzPts val="1200"/>
+              <a:buFont typeface="Calibri"/>
+              <a:buChar char="●"/>
+            </a:pPr>
+            <a:r>
+              <a:rPr lang="en" sz="1200" u="sng">
+                <a:solidFill>
+                  <a:schemeClr val="hlink"/>
+                </a:solidFill>
+                <a:latin typeface="Calibri"/>
+                <a:ea typeface="Calibri"/>
+                <a:cs typeface="Calibri"/>
+                <a:sym typeface="Calibri"/>
+                <a:hlinkClick r:id="rId6"/>
+              </a:rPr>
+              <a:t>https://github.com/SuperClaude-Org/SuperClaude_Framework</a:t>
+            </a:r>
+            <a:r>
+              <a:rPr lang="en" sz="1200">
+                <a:latin typeface="Calibri"/>
+                <a:ea typeface="Calibri"/>
+                <a:cs typeface="Calibri"/>
+                <a:sym typeface="Calibri"/>
+              </a:rPr>
+              <a:t> </a:t>
+            </a:r>
+            <a:endParaRPr sz="1200">
+              <a:latin typeface="Calibri"/>
+              <a:ea typeface="Calibri"/>
+              <a:cs typeface="Calibri"/>
+              <a:sym typeface="Calibri"/>
+            </a:endParaRPr>
+          </a:p>
+        </p:txBody>
+      </p:sp>
+      <p:pic>
+        <p:nvPicPr>
+          <p:cNvPr id="288" name="Google Shape;288;p33"/>
+          <p:cNvPicPr preferRelativeResize="0"/>
+          <p:nvPr/>
+        </p:nvPicPr>
+        <p:blipFill>
+          <a:blip r:embed="rId7">
+            <a:alphaModFix/>
+          </a:blip>
+          <a:stretch>
+            <a:fillRect/>
+          </a:stretch>
+        </p:blipFill>
+        <p:spPr>
+          <a:xfrm>
+            <a:off x="5246879" y="2309418"/>
+            <a:ext cx="2905125" cy="1571625"/>
           </a:xfrm>
           <a:prstGeom prst="rect">
             <a:avLst/>
@@ -26963,7 +28445,7 @@
             <a:tbl>
               <a:tblPr>
                 <a:noFill/>
-                <a:tableStyleId>{F214DBD1-523E-4318-ACFE-D94057B56BB5}</a:tableStyleId>
+                <a:tableStyleId>{9A0396A2-D0DA-4834-8605-C412F29EABC5}</a:tableStyleId>
               </a:tblPr>
               <a:tblGrid>
                 <a:gridCol w="1744225">
@@ -32451,7 +33933,7 @@
             <a:tbl>
               <a:tblPr>
                 <a:noFill/>
-                <a:tableStyleId>{F214DBD1-523E-4318-ACFE-D94057B56BB5}</a:tableStyleId>
+                <a:tableStyleId>{9A0396A2-D0DA-4834-8605-C412F29EABC5}</a:tableStyleId>
               </a:tblPr>
               <a:tblGrid>
                 <a:gridCol w="1809750">
@@ -38002,6 +39484,92 @@
           </a:p>
         </p:txBody>
       </p:sp>
+      <p:sp>
+        <p:nvSpPr>
+          <p:cNvPr id="133" name="Google Shape;133;p16"/>
+          <p:cNvSpPr txBox="1"/>
+          <p:nvPr/>
+        </p:nvSpPr>
+        <p:spPr>
+          <a:xfrm>
+            <a:off x="1945103" y="4680454"/>
+            <a:ext cx="2922300" cy="326400"/>
+          </a:xfrm>
+          <a:prstGeom prst="rect">
+            <a:avLst/>
+          </a:prstGeom>
+          <a:solidFill>
+            <a:srgbClr val="FCE5CD"/>
+          </a:solidFill>
+          <a:ln w="9525" cap="flat" cmpd="sng">
+            <a:solidFill>
+              <a:srgbClr val="FF0000"/>
+            </a:solidFill>
+            <a:prstDash val="solid"/>
+            <a:round/>
+            <a:headEnd type="none" w="sm" len="sm"/>
+            <a:tailEnd type="none" w="sm" len="sm"/>
+          </a:ln>
+        </p:spPr>
+        <p:txBody>
+          <a:bodyPr spcFirstLastPara="1" wrap="square" lIns="9125" tIns="9125" rIns="9125" bIns="9125" anchor="t" anchorCtr="0">
+            <a:spAutoFit/>
+          </a:bodyPr>
+          <a:lstStyle/>
+          <a:p>
+            <a:pPr marL="0" marR="0" lvl="0" indent="0" algn="l" rtl="0">
+              <a:lnSpc>
+                <a:spcPct val="100000"/>
+              </a:lnSpc>
+              <a:spcBef>
+                <a:spcPts val="0"/>
+              </a:spcBef>
+              <a:spcAft>
+                <a:spcPts val="0"/>
+              </a:spcAft>
+              <a:buNone/>
+            </a:pPr>
+            <a:r>
+              <a:rPr lang="en" sz="1000">
+                <a:latin typeface="Calibri"/>
+                <a:ea typeface="Calibri"/>
+                <a:cs typeface="Calibri"/>
+                <a:sym typeface="Calibri"/>
+              </a:rPr>
+              <a:t>Note new Microsoft Model</a:t>
+            </a:r>
+            <a:br>
+              <a:rPr lang="en" sz="1000">
+                <a:latin typeface="Calibri"/>
+                <a:ea typeface="Calibri"/>
+                <a:cs typeface="Calibri"/>
+                <a:sym typeface="Calibri"/>
+              </a:rPr>
+            </a:br>
+            <a:r>
+              <a:rPr lang="en" sz="1000" b="1">
+                <a:solidFill>
+                  <a:srgbClr val="FF0000"/>
+                </a:solidFill>
+                <a:latin typeface="Calibri"/>
+                <a:ea typeface="Calibri"/>
+                <a:cs typeface="Calibri"/>
+                <a:sym typeface="Calibri"/>
+              </a:rPr>
+              <a:t>MAI-1-preview ~ 500B params, MoE architecture</a:t>
+            </a:r>
+            <a:endParaRPr sz="1000" b="1">
+              <a:solidFill>
+                <a:srgbClr val="FF0000"/>
+              </a:solidFill>
+              <a:latin typeface="Calibri"/>
+              <a:ea typeface="Calibri"/>
+              <a:cs typeface="Calibri"/>
+              <a:sym typeface="Calibri"/>
+            </a:endParaRPr>
+          </a:p>
+        </p:txBody>
+      </p:sp>
     </p:spTree>
   </p:cSld>
   <p:clrMapOvr>
@@ -38015,7 +39583,7 @@
   <p:cSld>
     <p:spTree>
       <p:nvGrpSpPr>
-        <p:cNvPr id="1" name="Shape 272"/>
+        <p:cNvPr id="1" name="Shape 292"/>
         <p:cNvGrpSpPr/>
         <p:nvPr/>
       </p:nvGrpSpPr>
@@ -38029,7 +39597,7 @@
       </p:grpSpPr>
       <p:sp>
         <p:nvSpPr>
-          <p:cNvPr id="273" name="Google Shape;273;p34"/>
+          <p:cNvPr id="293" name="Google Shape;293;p34"/>
           <p:cNvSpPr txBox="1"/>
           <p:nvPr/>
         </p:nvSpPr>
@@ -38079,7 +39647,7 @@
                 <a:cs typeface="Calibri"/>
                 <a:sym typeface="Calibri"/>
               </a:rPr>
-              <a:t>Claude Code Hints</a:t>
+              <a:t>FastAPI Example</a:t>
             </a:r>
             <a:endParaRPr sz="2000" b="1" i="0" u="none" strike="noStrike" cap="none">
               <a:solidFill>
@@ -38095,1085 +39663,7 @@
       </p:sp>
       <p:sp>
         <p:nvSpPr>
-          <p:cNvPr id="274" name="Google Shape;274;p34"/>
-          <p:cNvSpPr txBox="1"/>
-          <p:nvPr/>
-        </p:nvSpPr>
-        <p:spPr>
-          <a:xfrm>
-            <a:off x="101579" y="388118"/>
-            <a:ext cx="4412700" cy="3528000"/>
-          </a:xfrm>
-          <a:prstGeom prst="rect">
-            <a:avLst/>
-          </a:prstGeom>
-          <a:solidFill>
-            <a:srgbClr val="FFF2CC"/>
-          </a:solidFill>
-          <a:ln w="9525" cap="flat" cmpd="sng">
-            <a:solidFill>
-              <a:srgbClr val="FF0000"/>
-            </a:solidFill>
-            <a:prstDash val="solid"/>
-            <a:round/>
-            <a:headEnd type="none" w="sm" len="sm"/>
-            <a:tailEnd type="none" w="sm" len="sm"/>
-          </a:ln>
-        </p:spPr>
-        <p:txBody>
-          <a:bodyPr spcFirstLastPara="1" wrap="square" lIns="9125" tIns="9125" rIns="9125" bIns="9125" anchor="t" anchorCtr="0">
-            <a:spAutoFit/>
-          </a:bodyPr>
-          <a:lstStyle/>
-          <a:p>
-            <a:pPr marL="171450" marR="0" lvl="0" indent="-133350" algn="l" rtl="0">
-              <a:lnSpc>
-                <a:spcPct val="100000"/>
-              </a:lnSpc>
-              <a:spcBef>
-                <a:spcPts val="0"/>
-              </a:spcBef>
-              <a:spcAft>
-                <a:spcPts val="0"/>
-              </a:spcAft>
-              <a:buClr>
-                <a:srgbClr val="FF0000"/>
-              </a:buClr>
-              <a:buSzPts val="1200"/>
-              <a:buFont typeface="Calibri"/>
-              <a:buChar char="●"/>
-            </a:pPr>
-            <a:r>
-              <a:rPr lang="en" sz="1200" b="1">
-                <a:solidFill>
-                  <a:srgbClr val="FF0000"/>
-                </a:solidFill>
-                <a:latin typeface="Calibri"/>
-                <a:ea typeface="Calibri"/>
-                <a:cs typeface="Calibri"/>
-                <a:sym typeface="Calibri"/>
-              </a:rPr>
-              <a:t>Claude Code Hints</a:t>
-            </a:r>
-            <a:endParaRPr sz="1200" b="1">
-              <a:solidFill>
-                <a:srgbClr val="FF0000"/>
-              </a:solidFill>
-              <a:latin typeface="Calibri"/>
-              <a:ea typeface="Calibri"/>
-              <a:cs typeface="Calibri"/>
-              <a:sym typeface="Calibri"/>
-            </a:endParaRPr>
-          </a:p>
-          <a:p>
-            <a:pPr marL="171450" marR="0" lvl="0" indent="-133350" algn="l" rtl="0">
-              <a:lnSpc>
-                <a:spcPct val="100000"/>
-              </a:lnSpc>
-              <a:spcBef>
-                <a:spcPts val="0"/>
-              </a:spcBef>
-              <a:spcAft>
-                <a:spcPts val="0"/>
-              </a:spcAft>
-              <a:buClr>
-                <a:schemeClr val="dk1"/>
-              </a:buClr>
-              <a:buSzPts val="1200"/>
-              <a:buFont typeface="Calibri"/>
-              <a:buChar char="●"/>
-            </a:pPr>
-            <a:r>
-              <a:rPr lang="en" sz="1200">
-                <a:latin typeface="Calibri"/>
-                <a:ea typeface="Calibri"/>
-                <a:cs typeface="Calibri"/>
-                <a:sym typeface="Calibri"/>
-              </a:rPr>
-              <a:t>Add a .gitignore early and aggressively; </a:t>
-            </a:r>
-            <a:br>
-              <a:rPr lang="en" sz="1200">
-                <a:latin typeface="Calibri"/>
-                <a:ea typeface="Calibri"/>
-                <a:cs typeface="Calibri"/>
-                <a:sym typeface="Calibri"/>
-              </a:rPr>
-            </a:br>
-            <a:r>
-              <a:rPr lang="en" sz="1200">
-                <a:latin typeface="Calibri"/>
-                <a:ea typeface="Calibri"/>
-                <a:cs typeface="Calibri"/>
-                <a:sym typeface="Calibri"/>
-              </a:rPr>
-              <a:t>Use /compact when preserving conversation history.</a:t>
-            </a:r>
-            <a:br>
-              <a:rPr lang="en" sz="1200">
-                <a:latin typeface="Calibri"/>
-                <a:ea typeface="Calibri"/>
-                <a:cs typeface="Calibri"/>
-                <a:sym typeface="Calibri"/>
-              </a:rPr>
-            </a:br>
-            <a:r>
-              <a:rPr lang="en" sz="1200">
-                <a:latin typeface="Calibri"/>
-                <a:ea typeface="Calibri"/>
-                <a:cs typeface="Calibri"/>
-                <a:sym typeface="Calibri"/>
-              </a:rPr>
-              <a:t>Use /clear before switching tasks.</a:t>
-            </a:r>
-            <a:br>
-              <a:rPr lang="en" sz="1200">
-                <a:latin typeface="Calibri"/>
-                <a:ea typeface="Calibri"/>
-                <a:cs typeface="Calibri"/>
-                <a:sym typeface="Calibri"/>
-              </a:rPr>
-            </a:br>
-            <a:r>
-              <a:rPr lang="en" sz="1200">
-                <a:latin typeface="Calibri"/>
-                <a:ea typeface="Calibri"/>
-                <a:cs typeface="Calibri"/>
-                <a:sym typeface="Calibri"/>
-              </a:rPr>
-              <a:t>Exclude directories like dist/, logs/, .next/, coverage/ , .env , node_modules/</a:t>
-            </a:r>
-            <a:endParaRPr sz="1200">
-              <a:latin typeface="Calibri"/>
-              <a:ea typeface="Calibri"/>
-              <a:cs typeface="Calibri"/>
-              <a:sym typeface="Calibri"/>
-            </a:endParaRPr>
-          </a:p>
-          <a:p>
-            <a:pPr marL="171450" marR="0" lvl="0" indent="-133350" algn="l" rtl="0">
-              <a:lnSpc>
-                <a:spcPct val="100000"/>
-              </a:lnSpc>
-              <a:spcBef>
-                <a:spcPts val="0"/>
-              </a:spcBef>
-              <a:spcAft>
-                <a:spcPts val="0"/>
-              </a:spcAft>
-              <a:buClr>
-                <a:schemeClr val="dk1"/>
-              </a:buClr>
-              <a:buSzPts val="1200"/>
-              <a:buFont typeface="Calibri"/>
-              <a:buChar char="●"/>
-            </a:pPr>
-            <a:r>
-              <a:rPr lang="en" sz="1200">
-                <a:latin typeface="Calibri"/>
-                <a:ea typeface="Calibri"/>
-                <a:cs typeface="Calibri"/>
-                <a:sym typeface="Calibri"/>
-              </a:rPr>
-              <a:t>Use CLAUDE.md files</a:t>
-            </a:r>
-            <a:endParaRPr sz="1200">
-              <a:latin typeface="Calibri"/>
-              <a:ea typeface="Calibri"/>
-              <a:cs typeface="Calibri"/>
-              <a:sym typeface="Calibri"/>
-            </a:endParaRPr>
-          </a:p>
-          <a:p>
-            <a:pPr marL="171450" marR="0" lvl="0" indent="-133350" algn="l" rtl="0">
-              <a:lnSpc>
-                <a:spcPct val="100000"/>
-              </a:lnSpc>
-              <a:spcBef>
-                <a:spcPts val="0"/>
-              </a:spcBef>
-              <a:spcAft>
-                <a:spcPts val="0"/>
-              </a:spcAft>
-              <a:buClr>
-                <a:schemeClr val="dk1"/>
-              </a:buClr>
-              <a:buSzPts val="1200"/>
-              <a:buFont typeface="Calibri"/>
-              <a:buChar char="●"/>
-            </a:pPr>
-            <a:r>
-              <a:rPr lang="en" sz="1200">
-                <a:latin typeface="Calibri"/>
-                <a:ea typeface="Calibri"/>
-                <a:cs typeface="Calibri"/>
-                <a:sym typeface="Calibri"/>
-              </a:rPr>
-              <a:t>Use Plan Mode Like an Architect</a:t>
-            </a:r>
-            <a:endParaRPr sz="1200">
-              <a:latin typeface="Calibri"/>
-              <a:ea typeface="Calibri"/>
-              <a:cs typeface="Calibri"/>
-              <a:sym typeface="Calibri"/>
-            </a:endParaRPr>
-          </a:p>
-          <a:p>
-            <a:pPr marL="171450" marR="0" lvl="0" indent="-133350" algn="l" rtl="0">
-              <a:lnSpc>
-                <a:spcPct val="100000"/>
-              </a:lnSpc>
-              <a:spcBef>
-                <a:spcPts val="0"/>
-              </a:spcBef>
-              <a:spcAft>
-                <a:spcPts val="0"/>
-              </a:spcAft>
-              <a:buClr>
-                <a:schemeClr val="dk1"/>
-              </a:buClr>
-              <a:buSzPts val="1200"/>
-              <a:buFont typeface="Calibri"/>
-              <a:buChar char="●"/>
-            </a:pPr>
-            <a:r>
-              <a:rPr lang="en" sz="1200">
-                <a:latin typeface="Calibri"/>
-                <a:ea typeface="Calibri"/>
-                <a:cs typeface="Calibri"/>
-                <a:sym typeface="Calibri"/>
-              </a:rPr>
-              <a:t>Use XML Tags in prompts - Claude is strangely obedient</a:t>
-            </a:r>
-            <a:endParaRPr sz="1200">
-              <a:latin typeface="Calibri"/>
-              <a:ea typeface="Calibri"/>
-              <a:cs typeface="Calibri"/>
-              <a:sym typeface="Calibri"/>
-            </a:endParaRPr>
-          </a:p>
-          <a:p>
-            <a:pPr marL="171450" marR="0" lvl="0" indent="-133350" algn="l" rtl="0">
-              <a:lnSpc>
-                <a:spcPct val="100000"/>
-              </a:lnSpc>
-              <a:spcBef>
-                <a:spcPts val="0"/>
-              </a:spcBef>
-              <a:spcAft>
-                <a:spcPts val="0"/>
-              </a:spcAft>
-              <a:buClr>
-                <a:schemeClr val="dk1"/>
-              </a:buClr>
-              <a:buSzPts val="1200"/>
-              <a:buFont typeface="Calibri"/>
-              <a:buChar char="●"/>
-            </a:pPr>
-            <a:r>
-              <a:rPr lang="en" sz="1200">
-                <a:latin typeface="Calibri"/>
-                <a:ea typeface="Calibri"/>
-                <a:cs typeface="Calibri"/>
-                <a:sym typeface="Calibri"/>
-              </a:rPr>
-              <a:t>Create Custom Slash Commands, for example:</a:t>
-            </a:r>
-            <a:br>
-              <a:rPr lang="en" sz="1200">
-                <a:latin typeface="Calibri"/>
-                <a:ea typeface="Calibri"/>
-                <a:cs typeface="Calibri"/>
-                <a:sym typeface="Calibri"/>
-              </a:rPr>
-            </a:br>
-            <a:r>
-              <a:rPr lang="en" sz="1200">
-                <a:latin typeface="Calibri"/>
-                <a:ea typeface="Calibri"/>
-                <a:cs typeface="Calibri"/>
-                <a:sym typeface="Calibri"/>
-              </a:rPr>
-              <a:t>                 .claude/commands/audit.md</a:t>
-            </a:r>
-            <a:endParaRPr sz="1200">
-              <a:latin typeface="Calibri"/>
-              <a:ea typeface="Calibri"/>
-              <a:cs typeface="Calibri"/>
-              <a:sym typeface="Calibri"/>
-            </a:endParaRPr>
-          </a:p>
-          <a:p>
-            <a:pPr marL="171450" marR="0" lvl="0" indent="-133350" algn="l" rtl="0">
-              <a:lnSpc>
-                <a:spcPct val="100000"/>
-              </a:lnSpc>
-              <a:spcBef>
-                <a:spcPts val="0"/>
-              </a:spcBef>
-              <a:spcAft>
-                <a:spcPts val="0"/>
-              </a:spcAft>
-              <a:buClr>
-                <a:schemeClr val="dk1"/>
-              </a:buClr>
-              <a:buSzPts val="1200"/>
-              <a:buFont typeface="Calibri"/>
-              <a:buChar char="●"/>
-            </a:pPr>
-            <a:r>
-              <a:rPr lang="en" sz="1200">
-                <a:latin typeface="Calibri"/>
-                <a:ea typeface="Calibri"/>
-                <a:cs typeface="Calibri"/>
-                <a:sym typeface="Calibri"/>
-              </a:rPr>
-              <a:t>Hooks for pre-, post-, and other automation</a:t>
-            </a:r>
-            <a:endParaRPr sz="1200">
-              <a:latin typeface="Calibri"/>
-              <a:ea typeface="Calibri"/>
-              <a:cs typeface="Calibri"/>
-              <a:sym typeface="Calibri"/>
-            </a:endParaRPr>
-          </a:p>
-          <a:p>
-            <a:pPr marL="171450" marR="0" lvl="0" indent="-133350" algn="l" rtl="0">
-              <a:lnSpc>
-                <a:spcPct val="100000"/>
-              </a:lnSpc>
-              <a:spcBef>
-                <a:spcPts val="0"/>
-              </a:spcBef>
-              <a:spcAft>
-                <a:spcPts val="0"/>
-              </a:spcAft>
-              <a:buClr>
-                <a:schemeClr val="dk1"/>
-              </a:buClr>
-              <a:buSzPts val="1200"/>
-              <a:buFont typeface="Calibri"/>
-              <a:buChar char="●"/>
-            </a:pPr>
-            <a:r>
-              <a:rPr lang="en" sz="1200">
-                <a:latin typeface="Calibri"/>
-                <a:ea typeface="Calibri"/>
-                <a:cs typeface="Calibri"/>
-                <a:sym typeface="Calibri"/>
-              </a:rPr>
-              <a:t>Demand to </a:t>
-            </a:r>
-            <a:r>
-              <a:rPr lang="en" sz="1200">
-                <a:solidFill>
-                  <a:schemeClr val="dk1"/>
-                </a:solidFill>
-                <a:latin typeface="Calibri"/>
-                <a:ea typeface="Calibri"/>
-                <a:cs typeface="Calibri"/>
-                <a:sym typeface="Calibri"/>
-              </a:rPr>
-              <a:t>Return ONLY a unified diff patch, no prose or summaries</a:t>
-            </a:r>
-            <a:endParaRPr sz="1200">
-              <a:solidFill>
-                <a:schemeClr val="dk1"/>
-              </a:solidFill>
-              <a:latin typeface="Calibri"/>
-              <a:ea typeface="Calibri"/>
-              <a:cs typeface="Calibri"/>
-              <a:sym typeface="Calibri"/>
-            </a:endParaRPr>
-          </a:p>
-          <a:p>
-            <a:pPr marL="171450" marR="0" lvl="0" indent="-133350" algn="l" rtl="0">
-              <a:lnSpc>
-                <a:spcPct val="100000"/>
-              </a:lnSpc>
-              <a:spcBef>
-                <a:spcPts val="0"/>
-              </a:spcBef>
-              <a:spcAft>
-                <a:spcPts val="0"/>
-              </a:spcAft>
-              <a:buClr>
-                <a:schemeClr val="dk1"/>
-              </a:buClr>
-              <a:buSzPts val="1200"/>
-              <a:buFont typeface="Calibri"/>
-              <a:buChar char="●"/>
-            </a:pPr>
-            <a:r>
-              <a:rPr lang="en" sz="1200">
-                <a:latin typeface="Calibri"/>
-                <a:ea typeface="Calibri"/>
-                <a:cs typeface="Calibri"/>
-                <a:sym typeface="Calibri"/>
-              </a:rPr>
-              <a:t>Use Claude to open/handle PRs</a:t>
-            </a:r>
-            <a:endParaRPr sz="1200">
-              <a:latin typeface="Calibri"/>
-              <a:ea typeface="Calibri"/>
-              <a:cs typeface="Calibri"/>
-              <a:sym typeface="Calibri"/>
-            </a:endParaRPr>
-          </a:p>
-          <a:p>
-            <a:pPr marL="171450" marR="0" lvl="0" indent="-133350" algn="l" rtl="0">
-              <a:lnSpc>
-                <a:spcPct val="100000"/>
-              </a:lnSpc>
-              <a:spcBef>
-                <a:spcPts val="0"/>
-              </a:spcBef>
-              <a:spcAft>
-                <a:spcPts val="0"/>
-              </a:spcAft>
-              <a:buClr>
-                <a:schemeClr val="dk1"/>
-              </a:buClr>
-              <a:buSzPts val="1200"/>
-              <a:buFont typeface="Calibri"/>
-              <a:buChar char="●"/>
-            </a:pPr>
-            <a:r>
-              <a:rPr lang="en" sz="1200">
-                <a:latin typeface="Calibri"/>
-                <a:ea typeface="Calibri"/>
-                <a:cs typeface="Calibri"/>
-                <a:sym typeface="Calibri"/>
-              </a:rPr>
-              <a:t>Clean Your Workspace Before Inviting Claude In</a:t>
-            </a:r>
-            <a:endParaRPr sz="1200">
-              <a:latin typeface="Calibri"/>
-              <a:ea typeface="Calibri"/>
-              <a:cs typeface="Calibri"/>
-              <a:sym typeface="Calibri"/>
-            </a:endParaRPr>
-          </a:p>
-          <a:p>
-            <a:pPr marL="171450" marR="0" lvl="0" indent="-133350" algn="l" rtl="0">
-              <a:lnSpc>
-                <a:spcPct val="100000"/>
-              </a:lnSpc>
-              <a:spcBef>
-                <a:spcPts val="0"/>
-              </a:spcBef>
-              <a:spcAft>
-                <a:spcPts val="0"/>
-              </a:spcAft>
-              <a:buClr>
-                <a:schemeClr val="dk1"/>
-              </a:buClr>
-              <a:buSzPts val="1200"/>
-              <a:buFont typeface="Calibri"/>
-              <a:buChar char="●"/>
-            </a:pPr>
-            <a:r>
-              <a:rPr lang="en" sz="1200">
-                <a:latin typeface="Calibri"/>
-                <a:ea typeface="Calibri"/>
-                <a:cs typeface="Calibri"/>
-                <a:sym typeface="Calibri"/>
-              </a:rPr>
-              <a:t>Share </a:t>
-            </a:r>
-            <a:r>
-              <a:rPr lang="en" sz="1200" u="sng">
-                <a:solidFill>
-                  <a:schemeClr val="hlink"/>
-                </a:solidFill>
-                <a:latin typeface="Calibri"/>
-                <a:ea typeface="Calibri"/>
-                <a:cs typeface="Calibri"/>
-                <a:sym typeface="Calibri"/>
-                <a:hlinkClick r:id="rId3"/>
-              </a:rPr>
-              <a:t>CLAUDE.md</a:t>
-            </a:r>
-            <a:r>
-              <a:rPr lang="en" sz="1200">
-                <a:latin typeface="Calibri"/>
-                <a:ea typeface="Calibri"/>
-                <a:cs typeface="Calibri"/>
-                <a:sym typeface="Calibri"/>
-              </a:rPr>
-              <a:t>, slash commands, hook scripts</a:t>
-            </a:r>
-            <a:endParaRPr sz="1200">
-              <a:latin typeface="Calibri"/>
-              <a:ea typeface="Calibri"/>
-              <a:cs typeface="Calibri"/>
-              <a:sym typeface="Calibri"/>
-            </a:endParaRPr>
-          </a:p>
-          <a:p>
-            <a:pPr marL="171450" marR="0" lvl="0" indent="-133350" algn="l" rtl="0">
-              <a:lnSpc>
-                <a:spcPct val="100000"/>
-              </a:lnSpc>
-              <a:spcBef>
-                <a:spcPts val="0"/>
-              </a:spcBef>
-              <a:spcAft>
-                <a:spcPts val="0"/>
-              </a:spcAft>
-              <a:buClr>
-                <a:schemeClr val="dk1"/>
-              </a:buClr>
-              <a:buSzPts val="1200"/>
-              <a:buFont typeface="Calibri"/>
-              <a:buChar char="●"/>
-            </a:pPr>
-            <a:r>
-              <a:rPr lang="en" sz="1200">
-                <a:latin typeface="Calibri"/>
-                <a:ea typeface="Calibri"/>
-                <a:cs typeface="Calibri"/>
-                <a:sym typeface="Calibri"/>
-              </a:rPr>
-              <a:t>Give Claude function signatures and data structures examples</a:t>
-            </a:r>
-            <a:endParaRPr sz="1200">
-              <a:latin typeface="Calibri"/>
-              <a:ea typeface="Calibri"/>
-              <a:cs typeface="Calibri"/>
-              <a:sym typeface="Calibri"/>
-            </a:endParaRPr>
-          </a:p>
-          <a:p>
-            <a:pPr marL="171450" marR="0" lvl="0" indent="-133350" algn="l" rtl="0">
-              <a:lnSpc>
-                <a:spcPct val="100000"/>
-              </a:lnSpc>
-              <a:spcBef>
-                <a:spcPts val="0"/>
-              </a:spcBef>
-              <a:spcAft>
-                <a:spcPts val="0"/>
-              </a:spcAft>
-              <a:buClr>
-                <a:schemeClr val="dk1"/>
-              </a:buClr>
-              <a:buSzPts val="1200"/>
-              <a:buFont typeface="Calibri"/>
-              <a:buChar char="●"/>
-            </a:pPr>
-            <a:r>
-              <a:rPr lang="en" sz="1200" u="sng">
-                <a:solidFill>
-                  <a:schemeClr val="hlink"/>
-                </a:solidFill>
-                <a:latin typeface="Calibri"/>
-                <a:ea typeface="Calibri"/>
-                <a:cs typeface="Calibri"/>
-                <a:sym typeface="Calibri"/>
-                <a:hlinkClick r:id="rId4"/>
-              </a:rPr>
-              <a:t>https://medium.com/@apicraft/10-claude-code-power-hacks-they-dont-tell-you-but-should-49096ba6c8ff</a:t>
-            </a:r>
-            <a:r>
-              <a:rPr lang="en" sz="1200">
-                <a:solidFill>
-                  <a:schemeClr val="dk1"/>
-                </a:solidFill>
-                <a:latin typeface="Calibri"/>
-                <a:ea typeface="Calibri"/>
-                <a:cs typeface="Calibri"/>
-                <a:sym typeface="Calibri"/>
-              </a:rPr>
-              <a:t> </a:t>
-            </a:r>
-            <a:endParaRPr sz="1200">
-              <a:solidFill>
-                <a:schemeClr val="dk1"/>
-              </a:solidFill>
-              <a:latin typeface="Calibri"/>
-              <a:ea typeface="Calibri"/>
-              <a:cs typeface="Calibri"/>
-              <a:sym typeface="Calibri"/>
-            </a:endParaRPr>
-          </a:p>
-        </p:txBody>
-      </p:sp>
-      <p:sp>
-        <p:nvSpPr>
-          <p:cNvPr id="275" name="Google Shape;275;p34"/>
-          <p:cNvSpPr txBox="1"/>
-          <p:nvPr/>
-        </p:nvSpPr>
-        <p:spPr>
-          <a:xfrm>
-            <a:off x="101579" y="4001051"/>
-            <a:ext cx="4412700" cy="572700"/>
-          </a:xfrm>
-          <a:prstGeom prst="rect">
-            <a:avLst/>
-          </a:prstGeom>
-          <a:solidFill>
-            <a:srgbClr val="FFF2CC"/>
-          </a:solidFill>
-          <a:ln w="9525" cap="flat" cmpd="sng">
-            <a:solidFill>
-              <a:srgbClr val="FF0000"/>
-            </a:solidFill>
-            <a:prstDash val="solid"/>
-            <a:round/>
-            <a:headEnd type="none" w="sm" len="sm"/>
-            <a:tailEnd type="none" w="sm" len="sm"/>
-          </a:ln>
-        </p:spPr>
-        <p:txBody>
-          <a:bodyPr spcFirstLastPara="1" wrap="square" lIns="9125" tIns="9125" rIns="9125" bIns="9125" anchor="t" anchorCtr="0">
-            <a:spAutoFit/>
-          </a:bodyPr>
-          <a:lstStyle/>
-          <a:p>
-            <a:pPr marL="171450" marR="0" lvl="0" indent="-133350" algn="l" rtl="0">
-              <a:lnSpc>
-                <a:spcPct val="100000"/>
-              </a:lnSpc>
-              <a:spcBef>
-                <a:spcPts val="0"/>
-              </a:spcBef>
-              <a:spcAft>
-                <a:spcPts val="0"/>
-              </a:spcAft>
-              <a:buClr>
-                <a:srgbClr val="FF0000"/>
-              </a:buClr>
-              <a:buSzPts val="1200"/>
-              <a:buFont typeface="Calibri"/>
-              <a:buChar char="●"/>
-            </a:pPr>
-            <a:r>
-              <a:rPr lang="en" sz="1200" b="1">
-                <a:solidFill>
-                  <a:srgbClr val="FF0000"/>
-                </a:solidFill>
-                <a:latin typeface="Calibri"/>
-                <a:ea typeface="Calibri"/>
-                <a:cs typeface="Calibri"/>
-                <a:sym typeface="Calibri"/>
-              </a:rPr>
-              <a:t>Use Claude Subagents</a:t>
-            </a:r>
-            <a:endParaRPr sz="1200" b="1">
-              <a:solidFill>
-                <a:srgbClr val="FF0000"/>
-              </a:solidFill>
-              <a:latin typeface="Calibri"/>
-              <a:ea typeface="Calibri"/>
-              <a:cs typeface="Calibri"/>
-              <a:sym typeface="Calibri"/>
-            </a:endParaRPr>
-          </a:p>
-          <a:p>
-            <a:pPr marL="171450" marR="0" lvl="0" indent="-133350" algn="l" rtl="0">
-              <a:lnSpc>
-                <a:spcPct val="100000"/>
-              </a:lnSpc>
-              <a:spcBef>
-                <a:spcPts val="0"/>
-              </a:spcBef>
-              <a:spcAft>
-                <a:spcPts val="0"/>
-              </a:spcAft>
-              <a:buClr>
-                <a:schemeClr val="dk1"/>
-              </a:buClr>
-              <a:buSzPts val="1200"/>
-              <a:buFont typeface="Calibri"/>
-              <a:buChar char="●"/>
-            </a:pPr>
-            <a:r>
-              <a:rPr lang="en" sz="1200" u="sng">
-                <a:solidFill>
-                  <a:schemeClr val="hlink"/>
-                </a:solidFill>
-                <a:latin typeface="Calibri"/>
-                <a:ea typeface="Calibri"/>
-                <a:cs typeface="Calibri"/>
-                <a:sym typeface="Calibri"/>
-                <a:hlinkClick r:id="rId5"/>
-              </a:rPr>
-              <a:t>https://medium.com/@ooi_yee_fei/building-with-claude-code-subagents-my-beloved-minions-b5a9a4318ba5</a:t>
-            </a:r>
-            <a:r>
-              <a:rPr lang="en" sz="1200">
-                <a:solidFill>
-                  <a:schemeClr val="dk1"/>
-                </a:solidFill>
-                <a:latin typeface="Calibri"/>
-                <a:ea typeface="Calibri"/>
-                <a:cs typeface="Calibri"/>
-                <a:sym typeface="Calibri"/>
-              </a:rPr>
-              <a:t> </a:t>
-            </a:r>
-            <a:endParaRPr sz="1200">
-              <a:solidFill>
-                <a:schemeClr val="dk1"/>
-              </a:solidFill>
-              <a:latin typeface="Calibri"/>
-              <a:ea typeface="Calibri"/>
-              <a:cs typeface="Calibri"/>
-              <a:sym typeface="Calibri"/>
-            </a:endParaRPr>
-          </a:p>
-        </p:txBody>
-      </p:sp>
-      <p:sp>
-        <p:nvSpPr>
-          <p:cNvPr id="276" name="Google Shape;276;p34"/>
-          <p:cNvSpPr txBox="1"/>
-          <p:nvPr/>
-        </p:nvSpPr>
-        <p:spPr>
-          <a:xfrm>
-            <a:off x="4631729" y="388118"/>
-            <a:ext cx="4412700" cy="1311300"/>
-          </a:xfrm>
-          <a:prstGeom prst="rect">
-            <a:avLst/>
-          </a:prstGeom>
-          <a:solidFill>
-            <a:srgbClr val="FFF2CC"/>
-          </a:solidFill>
-          <a:ln w="9525" cap="flat" cmpd="sng">
-            <a:solidFill>
-              <a:srgbClr val="FF0000"/>
-            </a:solidFill>
-            <a:prstDash val="solid"/>
-            <a:round/>
-            <a:headEnd type="none" w="sm" len="sm"/>
-            <a:tailEnd type="none" w="sm" len="sm"/>
-          </a:ln>
-        </p:spPr>
-        <p:txBody>
-          <a:bodyPr spcFirstLastPara="1" wrap="square" lIns="9125" tIns="9125" rIns="9125" bIns="9125" anchor="t" anchorCtr="0">
-            <a:spAutoFit/>
-          </a:bodyPr>
-          <a:lstStyle/>
-          <a:p>
-            <a:pPr marL="171450" marR="0" lvl="0" indent="-133350" algn="l" rtl="0">
-              <a:lnSpc>
-                <a:spcPct val="100000"/>
-              </a:lnSpc>
-              <a:spcBef>
-                <a:spcPts val="0"/>
-              </a:spcBef>
-              <a:spcAft>
-                <a:spcPts val="0"/>
-              </a:spcAft>
-              <a:buClr>
-                <a:srgbClr val="FF0000"/>
-              </a:buClr>
-              <a:buSzPts val="1200"/>
-              <a:buFont typeface="Calibri"/>
-              <a:buChar char="●"/>
-            </a:pPr>
-            <a:r>
-              <a:rPr lang="en" sz="1200" b="1">
-                <a:solidFill>
-                  <a:srgbClr val="FF0000"/>
-                </a:solidFill>
-                <a:latin typeface="Calibri"/>
-                <a:ea typeface="Calibri"/>
-                <a:cs typeface="Calibri"/>
-                <a:sym typeface="Calibri"/>
-              </a:rPr>
-              <a:t>SuperClaude Framework</a:t>
-            </a:r>
-            <a:endParaRPr sz="1200" b="1">
-              <a:solidFill>
-                <a:srgbClr val="FF0000"/>
-              </a:solidFill>
-              <a:latin typeface="Calibri"/>
-              <a:ea typeface="Calibri"/>
-              <a:cs typeface="Calibri"/>
-              <a:sym typeface="Calibri"/>
-            </a:endParaRPr>
-          </a:p>
-          <a:p>
-            <a:pPr marL="171450" marR="0" lvl="0" indent="-133350" algn="l" rtl="0">
-              <a:lnSpc>
-                <a:spcPct val="100000"/>
-              </a:lnSpc>
-              <a:spcBef>
-                <a:spcPts val="0"/>
-              </a:spcBef>
-              <a:spcAft>
-                <a:spcPts val="0"/>
-              </a:spcAft>
-              <a:buClr>
-                <a:schemeClr val="dk1"/>
-              </a:buClr>
-              <a:buSzPts val="1200"/>
-              <a:buFont typeface="Calibri"/>
-              <a:buChar char="●"/>
-            </a:pPr>
-            <a:r>
-              <a:rPr lang="en" sz="1200">
-                <a:latin typeface="Calibri"/>
-                <a:ea typeface="Calibri"/>
-                <a:cs typeface="Calibri"/>
-                <a:sym typeface="Calibri"/>
-              </a:rPr>
-              <a:t>Enhances Claude Code with 21 new slash commands, 14 specialized AI agents, and 6 MCP server integrations</a:t>
-            </a:r>
-            <a:endParaRPr sz="1200">
-              <a:latin typeface="Calibri"/>
-              <a:ea typeface="Calibri"/>
-              <a:cs typeface="Calibri"/>
-              <a:sym typeface="Calibri"/>
-            </a:endParaRPr>
-          </a:p>
-          <a:p>
-            <a:pPr marL="171450" marR="0" lvl="0" indent="-133350" algn="l" rtl="0">
-              <a:lnSpc>
-                <a:spcPct val="100000"/>
-              </a:lnSpc>
-              <a:spcBef>
-                <a:spcPts val="0"/>
-              </a:spcBef>
-              <a:spcAft>
-                <a:spcPts val="0"/>
-              </a:spcAft>
-              <a:buClr>
-                <a:schemeClr val="dk1"/>
-              </a:buClr>
-              <a:buSzPts val="1200"/>
-              <a:buFont typeface="Calibri"/>
-              <a:buChar char="●"/>
-            </a:pPr>
-            <a:r>
-              <a:rPr lang="en" sz="1200">
-                <a:latin typeface="Calibri"/>
-                <a:ea typeface="Calibri"/>
-                <a:cs typeface="Calibri"/>
-                <a:sym typeface="Calibri"/>
-              </a:rPr>
-              <a:t>Creates structured workflows for development tasks</a:t>
-            </a:r>
-            <a:endParaRPr sz="1200">
-              <a:latin typeface="Calibri"/>
-              <a:ea typeface="Calibri"/>
-              <a:cs typeface="Calibri"/>
-              <a:sym typeface="Calibri"/>
-            </a:endParaRPr>
-          </a:p>
-          <a:p>
-            <a:pPr marL="171450" marR="0" lvl="0" indent="-133350" algn="l" rtl="0">
-              <a:lnSpc>
-                <a:spcPct val="100000"/>
-              </a:lnSpc>
-              <a:spcBef>
-                <a:spcPts val="0"/>
-              </a:spcBef>
-              <a:spcAft>
-                <a:spcPts val="0"/>
-              </a:spcAft>
-              <a:buClr>
-                <a:schemeClr val="dk1"/>
-              </a:buClr>
-              <a:buSzPts val="1200"/>
-              <a:buFont typeface="Calibri"/>
-              <a:buChar char="●"/>
-            </a:pPr>
-            <a:r>
-              <a:rPr lang="en" sz="1200">
-                <a:latin typeface="Calibri"/>
-                <a:ea typeface="Calibri"/>
-                <a:cs typeface="Calibri"/>
-                <a:sym typeface="Calibri"/>
-              </a:rPr>
-              <a:t>14K stars on GitHub in a month</a:t>
-            </a:r>
-            <a:endParaRPr sz="1200">
-              <a:latin typeface="Calibri"/>
-              <a:ea typeface="Calibri"/>
-              <a:cs typeface="Calibri"/>
-              <a:sym typeface="Calibri"/>
-            </a:endParaRPr>
-          </a:p>
-          <a:p>
-            <a:pPr marL="171450" marR="0" lvl="0" indent="-133350" algn="l" rtl="0">
-              <a:lnSpc>
-                <a:spcPct val="100000"/>
-              </a:lnSpc>
-              <a:spcBef>
-                <a:spcPts val="0"/>
-              </a:spcBef>
-              <a:spcAft>
-                <a:spcPts val="0"/>
-              </a:spcAft>
-              <a:buClr>
-                <a:schemeClr val="dk1"/>
-              </a:buClr>
-              <a:buSzPts val="1200"/>
-              <a:buFont typeface="Calibri"/>
-              <a:buChar char="●"/>
-            </a:pPr>
-            <a:r>
-              <a:rPr lang="en" sz="1200">
-                <a:latin typeface="Calibri"/>
-                <a:ea typeface="Calibri"/>
-                <a:cs typeface="Calibri"/>
-                <a:sym typeface="Calibri"/>
-              </a:rPr>
-              <a:t>Claims to reduce context usage by 30-50%.</a:t>
-            </a:r>
-            <a:endParaRPr sz="1200">
-              <a:latin typeface="Calibri"/>
-              <a:ea typeface="Calibri"/>
-              <a:cs typeface="Calibri"/>
-              <a:sym typeface="Calibri"/>
-            </a:endParaRPr>
-          </a:p>
-          <a:p>
-            <a:pPr marL="171450" marR="0" lvl="0" indent="-133350" algn="l" rtl="0">
-              <a:lnSpc>
-                <a:spcPct val="100000"/>
-              </a:lnSpc>
-              <a:spcBef>
-                <a:spcPts val="0"/>
-              </a:spcBef>
-              <a:spcAft>
-                <a:spcPts val="0"/>
-              </a:spcAft>
-              <a:buSzPts val="1200"/>
-              <a:buFont typeface="Calibri"/>
-              <a:buChar char="●"/>
-            </a:pPr>
-            <a:r>
-              <a:rPr lang="en" sz="1200" u="sng">
-                <a:solidFill>
-                  <a:schemeClr val="hlink"/>
-                </a:solidFill>
-                <a:latin typeface="Calibri"/>
-                <a:ea typeface="Calibri"/>
-                <a:cs typeface="Calibri"/>
-                <a:sym typeface="Calibri"/>
-                <a:hlinkClick r:id="rId6"/>
-              </a:rPr>
-              <a:t>https://github.com/SuperClaude-Org/SuperClaude_Framework</a:t>
-            </a:r>
-            <a:r>
-              <a:rPr lang="en" sz="1200">
-                <a:latin typeface="Calibri"/>
-                <a:ea typeface="Calibri"/>
-                <a:cs typeface="Calibri"/>
-                <a:sym typeface="Calibri"/>
-              </a:rPr>
-              <a:t> </a:t>
-            </a:r>
-            <a:endParaRPr sz="1200">
-              <a:latin typeface="Calibri"/>
-              <a:ea typeface="Calibri"/>
-              <a:cs typeface="Calibri"/>
-              <a:sym typeface="Calibri"/>
-            </a:endParaRPr>
-          </a:p>
-        </p:txBody>
-      </p:sp>
-    </p:spTree>
-  </p:cSld>
-  <p:clrMapOvr>
-    <a:masterClrMapping/>
-  </p:clrMapOvr>
-</p:sld>
-</file>
-
-<file path=ppt/slides/slide21.xml><?xml version="1.0" encoding="utf-8"?>
-<p:sld xmlns:a="http://schemas.openxmlformats.org/drawingml/2006/main" xmlns:r="http://schemas.openxmlformats.org/officeDocument/2006/relationships" xmlns:p="http://schemas.openxmlformats.org/presentationml/2006/main">
-  <p:cSld>
-    <p:spTree>
-      <p:nvGrpSpPr>
-        <p:cNvPr id="1" name="Shape 280"/>
-        <p:cNvGrpSpPr/>
-        <p:nvPr/>
-      </p:nvGrpSpPr>
-      <p:grpSpPr>
-        <a:xfrm>
-          <a:off x="0" y="0"/>
-          <a:ext cx="0" cy="0"/>
-          <a:chOff x="0" y="0"/>
-          <a:chExt cx="0" cy="0"/>
-        </a:xfrm>
-      </p:grpSpPr>
-      <p:sp>
-        <p:nvSpPr>
-          <p:cNvPr id="281" name="Google Shape;281;p35"/>
-          <p:cNvSpPr txBox="1"/>
-          <p:nvPr/>
-        </p:nvSpPr>
-        <p:spPr>
-          <a:xfrm>
-            <a:off x="55075" y="-9225"/>
-            <a:ext cx="1943400" cy="326400"/>
-          </a:xfrm>
-          <a:prstGeom prst="rect">
-            <a:avLst/>
-          </a:prstGeom>
-          <a:noFill/>
-          <a:ln>
-            <a:noFill/>
-          </a:ln>
-        </p:spPr>
-        <p:txBody>
-          <a:bodyPr spcFirstLastPara="1" wrap="square" lIns="9125" tIns="9125" rIns="9125" bIns="9125" anchor="t" anchorCtr="0">
-            <a:spAutoFit/>
-          </a:bodyPr>
-          <a:lstStyle/>
-          <a:p>
-            <a:pPr marL="0" marR="0" lvl="0" indent="0" algn="l" rtl="0">
-              <a:lnSpc>
-                <a:spcPct val="100000"/>
-              </a:lnSpc>
-              <a:spcBef>
-                <a:spcPts val="0"/>
-              </a:spcBef>
-              <a:spcAft>
-                <a:spcPts val="0"/>
-              </a:spcAft>
-              <a:buClr>
-                <a:schemeClr val="dk1"/>
-              </a:buClr>
-              <a:buSzPts val="1100"/>
-              <a:buFont typeface="Arial"/>
-              <a:buNone/>
-            </a:pPr>
-            <a:r>
-              <a:rPr lang="en" sz="2000" b="1">
-                <a:solidFill>
-                  <a:schemeClr val="dk1"/>
-                </a:solidFill>
-                <a:latin typeface="Calibri"/>
-                <a:ea typeface="Calibri"/>
-                <a:cs typeface="Calibri"/>
-                <a:sym typeface="Calibri"/>
-              </a:rPr>
-              <a:t>FastAPI Example</a:t>
-            </a:r>
-            <a:endParaRPr sz="2000" b="1" i="0" u="none" strike="noStrike" cap="none">
-              <a:solidFill>
-                <a:schemeClr val="dk1"/>
-              </a:solidFill>
-              <a:latin typeface="Calibri"/>
-              <a:ea typeface="Calibri"/>
-              <a:cs typeface="Calibri"/>
-              <a:sym typeface="Calibri"/>
-            </a:endParaRPr>
-          </a:p>
-        </p:txBody>
-      </p:sp>
-      <p:sp>
-        <p:nvSpPr>
-          <p:cNvPr id="282" name="Google Shape;282;p35"/>
+          <p:cNvPr id="294" name="Google Shape;294;p34"/>
           <p:cNvSpPr txBox="1"/>
           <p:nvPr/>
         </p:nvSpPr>
@@ -40141,13 +40631,13 @@
       </p:sp>
       <p:sp>
         <p:nvSpPr>
-          <p:cNvPr id="283" name="Google Shape;283;p35"/>
+          <p:cNvPr id="295" name="Google Shape;295;p34"/>
           <p:cNvSpPr txBox="1"/>
           <p:nvPr/>
         </p:nvSpPr>
         <p:spPr>
           <a:xfrm>
-            <a:off x="4326875" y="92900"/>
+            <a:off x="4326875" y="317175"/>
             <a:ext cx="4755600" cy="4728600"/>
           </a:xfrm>
           <a:prstGeom prst="rect">
@@ -41400,7 +41890,7 @@
       </p:sp>
       <p:sp>
         <p:nvSpPr>
-          <p:cNvPr id="284" name="Google Shape;284;p35"/>
+          <p:cNvPr id="296" name="Google Shape;296;p34"/>
           <p:cNvSpPr txBox="1"/>
           <p:nvPr/>
         </p:nvSpPr>
@@ -41502,6 +41992,39 @@
           </a:p>
         </p:txBody>
       </p:sp>
+      <p:pic>
+        <p:nvPicPr>
+          <p:cNvPr id="297" name="Google Shape;297;p34"/>
+          <p:cNvPicPr preferRelativeResize="0"/>
+          <p:nvPr/>
+        </p:nvPicPr>
+        <p:blipFill>
+          <a:blip r:embed="rId3" cstate="email">
+            <a:alphaModFix/>
+            <a:extLst>
+              <a:ext uri="{28A0092B-C50C-407E-A947-70E740481C1C}">
+                <a14:useLocalDpi xmlns:a14="http://schemas.microsoft.com/office/drawing/2010/main"/>
+              </a:ext>
+            </a:extLst>
+          </a:blip>
+          <a:stretch>
+            <a:fillRect/>
+          </a:stretch>
+        </p:blipFill>
+        <p:spPr>
+          <a:xfrm>
+            <a:off x="2993938" y="106567"/>
+            <a:ext cx="1237775" cy="446775"/>
+          </a:xfrm>
+          <a:prstGeom prst="rect">
+            <a:avLst/>
+          </a:prstGeom>
+          <a:noFill/>
+          <a:ln>
+            <a:noFill/>
+          </a:ln>
+        </p:spPr>
+      </p:pic>
     </p:spTree>
   </p:cSld>
   <p:clrMapOvr>
@@ -41510,12 +42033,12 @@
 </p:sld>
 </file>
 
-<file path=ppt/slides/slide22.xml><?xml version="1.0" encoding="utf-8"?>
+<file path=ppt/slides/slide21.xml><?xml version="1.0" encoding="utf-8"?>
 <p:sld xmlns:a="http://schemas.openxmlformats.org/drawingml/2006/main" xmlns:r="http://schemas.openxmlformats.org/officeDocument/2006/relationships" xmlns:p="http://schemas.openxmlformats.org/presentationml/2006/main">
   <p:cSld>
     <p:spTree>
       <p:nvGrpSpPr>
-        <p:cNvPr id="1" name="Shape 288"/>
+        <p:cNvPr id="1" name="Shape 301"/>
         <p:cNvGrpSpPr/>
         <p:nvPr/>
       </p:nvGrpSpPr>
@@ -41529,7 +42052,7 @@
       </p:grpSpPr>
       <p:sp>
         <p:nvSpPr>
-          <p:cNvPr id="289" name="Google Shape;289;p36"/>
+          <p:cNvPr id="302" name="Google Shape;302;p35"/>
           <p:cNvSpPr txBox="1"/>
           <p:nvPr/>
         </p:nvSpPr>
@@ -41595,7 +42118,7 @@
       </p:sp>
       <p:sp>
         <p:nvSpPr>
-          <p:cNvPr id="290" name="Google Shape;290;p36"/>
+          <p:cNvPr id="303" name="Google Shape;303;p35"/>
           <p:cNvSpPr txBox="1"/>
           <p:nvPr/>
         </p:nvSpPr>
@@ -41644,9 +42167,9 @@
               <a:buChar char="●"/>
             </a:pPr>
             <a:r>
-              <a:rPr lang="en" sz="1200">
-                <a:solidFill>
-                  <a:schemeClr val="dk1"/>
+              <a:rPr lang="en" sz="1200" b="1">
+                <a:solidFill>
+                  <a:srgbClr val="FF0000"/>
                 </a:solidFill>
                 <a:latin typeface="Calibri"/>
                 <a:ea typeface="Calibri"/>
@@ -42175,7 +42698,7 @@
       </p:sp>
       <p:pic>
         <p:nvPicPr>
-          <p:cNvPr id="291" name="Google Shape;291;p36"/>
+          <p:cNvPr id="304" name="Google Shape;304;p35"/>
           <p:cNvPicPr preferRelativeResize="0"/>
           <p:nvPr/>
         </p:nvPicPr>
@@ -42214,7 +42737,7 @@
       </p:pic>
       <p:sp>
         <p:nvSpPr>
-          <p:cNvPr id="292" name="Google Shape;292;p36"/>
+          <p:cNvPr id="305" name="Google Shape;305;p35"/>
           <p:cNvSpPr txBox="1"/>
           <p:nvPr/>
         </p:nvSpPr>
@@ -42488,7 +43011,7 @@
       </p:sp>
       <p:sp>
         <p:nvSpPr>
-          <p:cNvPr id="293" name="Google Shape;293;p36"/>
+          <p:cNvPr id="306" name="Google Shape;306;p35"/>
           <p:cNvSpPr txBox="1"/>
           <p:nvPr/>
         </p:nvSpPr>
@@ -42688,12 +43211,12 @@
 </p:sld>
 </file>
 
-<file path=ppt/slides/slide23.xml><?xml version="1.0" encoding="utf-8"?>
+<file path=ppt/slides/slide22.xml><?xml version="1.0" encoding="utf-8"?>
 <p:sld xmlns:a="http://schemas.openxmlformats.org/drawingml/2006/main" xmlns:r="http://schemas.openxmlformats.org/officeDocument/2006/relationships" xmlns:p="http://schemas.openxmlformats.org/presentationml/2006/main">
   <p:cSld>
     <p:spTree>
       <p:nvGrpSpPr>
-        <p:cNvPr id="1" name="Shape 297"/>
+        <p:cNvPr id="1" name="Shape 310"/>
         <p:cNvGrpSpPr/>
         <p:nvPr/>
       </p:nvGrpSpPr>
@@ -42707,7 +43230,7 @@
       </p:grpSpPr>
       <p:sp>
         <p:nvSpPr>
-          <p:cNvPr id="298" name="Google Shape;298;p37"/>
+          <p:cNvPr id="311" name="Google Shape;311;p36"/>
           <p:cNvSpPr txBox="1"/>
           <p:nvPr/>
         </p:nvSpPr>
@@ -42773,7 +43296,7 @@
       </p:sp>
       <p:sp>
         <p:nvSpPr>
-          <p:cNvPr id="299" name="Google Shape;299;p37"/>
+          <p:cNvPr id="312" name="Google Shape;312;p36"/>
           <p:cNvSpPr txBox="1"/>
           <p:nvPr/>
         </p:nvSpPr>
@@ -42901,7 +43424,7 @@
       </p:sp>
       <p:sp>
         <p:nvSpPr>
-          <p:cNvPr id="300" name="Google Shape;300;p37"/>
+          <p:cNvPr id="313" name="Google Shape;313;p36"/>
           <p:cNvSpPr txBox="1"/>
           <p:nvPr/>
         </p:nvSpPr>
@@ -42962,7 +43485,7 @@
       </p:sp>
       <p:sp>
         <p:nvSpPr>
-          <p:cNvPr id="301" name="Google Shape;301;p37"/>
+          <p:cNvPr id="314" name="Google Shape;314;p36"/>
           <p:cNvSpPr txBox="1"/>
           <p:nvPr/>
         </p:nvSpPr>
@@ -43213,7 +43736,7 @@
       </p:sp>
       <p:sp>
         <p:nvSpPr>
-          <p:cNvPr id="302" name="Google Shape;302;p37"/>
+          <p:cNvPr id="315" name="Google Shape;315;p36"/>
           <p:cNvSpPr txBox="1"/>
           <p:nvPr/>
         </p:nvSpPr>
@@ -43620,7 +44143,7 @@
       </p:sp>
       <p:pic>
         <p:nvPicPr>
-          <p:cNvPr id="303" name="Google Shape;303;p37"/>
+          <p:cNvPr id="316" name="Google Shape;316;p36"/>
           <p:cNvPicPr preferRelativeResize="0"/>
           <p:nvPr/>
         </p:nvPicPr>
@@ -43659,7 +44182,7 @@
       </p:pic>
       <p:pic>
         <p:nvPicPr>
-          <p:cNvPr id="304" name="Google Shape;304;p37"/>
+          <p:cNvPr id="317" name="Google Shape;317;p36"/>
           <p:cNvPicPr preferRelativeResize="0"/>
           <p:nvPr/>
         </p:nvPicPr>
@@ -43703,12 +44226,12 @@
 </p:sld>
 </file>
 
-<file path=ppt/slides/slide24.xml><?xml version="1.0" encoding="utf-8"?>
+<file path=ppt/slides/slide23.xml><?xml version="1.0" encoding="utf-8"?>
 <p:sld xmlns:a="http://schemas.openxmlformats.org/drawingml/2006/main" xmlns:r="http://schemas.openxmlformats.org/officeDocument/2006/relationships" xmlns:p="http://schemas.openxmlformats.org/presentationml/2006/main">
   <p:cSld>
     <p:spTree>
       <p:nvGrpSpPr>
-        <p:cNvPr id="1" name="Shape 308"/>
+        <p:cNvPr id="1" name="Shape 321"/>
         <p:cNvGrpSpPr/>
         <p:nvPr/>
       </p:nvGrpSpPr>
@@ -43722,7 +44245,7 @@
       </p:grpSpPr>
       <p:pic>
         <p:nvPicPr>
-          <p:cNvPr id="309" name="Google Shape;309;p38"/>
+          <p:cNvPr id="322" name="Google Shape;322;p37"/>
           <p:cNvPicPr preferRelativeResize="0"/>
           <p:nvPr/>
         </p:nvPicPr>
@@ -43754,7 +44277,7 @@
       </p:pic>
       <p:sp>
         <p:nvSpPr>
-          <p:cNvPr id="310" name="Google Shape;310;p38"/>
+          <p:cNvPr id="323" name="Google Shape;323;p37"/>
           <p:cNvSpPr txBox="1"/>
           <p:nvPr/>
         </p:nvSpPr>
@@ -43820,7 +44343,7 @@
       </p:sp>
       <p:sp>
         <p:nvSpPr>
-          <p:cNvPr id="311" name="Google Shape;311;p38"/>
+          <p:cNvPr id="324" name="Google Shape;324;p37"/>
           <p:cNvSpPr txBox="1"/>
           <p:nvPr/>
         </p:nvSpPr>
@@ -44250,7 +44773,7 @@
       </p:sp>
       <p:pic>
         <p:nvPicPr>
-          <p:cNvPr id="312" name="Google Shape;312;p38"/>
+          <p:cNvPr id="325" name="Google Shape;325;p37"/>
           <p:cNvPicPr preferRelativeResize="0"/>
           <p:nvPr/>
         </p:nvPicPr>
@@ -44282,7 +44805,7 @@
       </p:pic>
       <p:sp>
         <p:nvSpPr>
-          <p:cNvPr id="313" name="Google Shape;313;p38"/>
+          <p:cNvPr id="326" name="Google Shape;326;p37"/>
           <p:cNvSpPr txBox="1"/>
           <p:nvPr/>
         </p:nvSpPr>
@@ -44361,7 +44884,7 @@
       </p:sp>
       <p:sp>
         <p:nvSpPr>
-          <p:cNvPr id="314" name="Google Shape;314;p38"/>
+          <p:cNvPr id="327" name="Google Shape;327;p37"/>
           <p:cNvSpPr txBox="1"/>
           <p:nvPr/>
         </p:nvSpPr>
@@ -44433,12 +44956,12 @@
 </p:sld>
 </file>
 
-<file path=ppt/slides/slide25.xml><?xml version="1.0" encoding="utf-8"?>
+<file path=ppt/slides/slide24.xml><?xml version="1.0" encoding="utf-8"?>
 <p:sld xmlns:a="http://schemas.openxmlformats.org/drawingml/2006/main" xmlns:r="http://schemas.openxmlformats.org/officeDocument/2006/relationships" xmlns:p="http://schemas.openxmlformats.org/presentationml/2006/main">
   <p:cSld>
     <p:spTree>
       <p:nvGrpSpPr>
-        <p:cNvPr id="1" name="Shape 318"/>
+        <p:cNvPr id="1" name="Shape 331"/>
         <p:cNvGrpSpPr/>
         <p:nvPr/>
       </p:nvGrpSpPr>
@@ -44452,7 +44975,7 @@
       </p:grpSpPr>
       <p:sp>
         <p:nvSpPr>
-          <p:cNvPr id="319" name="Google Shape;319;p39"/>
+          <p:cNvPr id="332" name="Google Shape;332;p38"/>
           <p:cNvSpPr txBox="1"/>
           <p:nvPr/>
         </p:nvSpPr>
@@ -44529,7 +45052,7 @@
   <p:cSld>
     <p:spTree>
       <p:nvGrpSpPr>
-        <p:cNvPr id="1" name="Shape 136"/>
+        <p:cNvPr id="1" name="Shape 137"/>
         <p:cNvGrpSpPr/>
         <p:nvPr/>
       </p:nvGrpSpPr>
@@ -44543,7 +45066,7 @@
       </p:grpSpPr>
       <p:sp>
         <p:nvSpPr>
-          <p:cNvPr id="137" name="Google Shape;137;p17"/>
+          <p:cNvPr id="138" name="Google Shape;138;p17"/>
           <p:cNvSpPr txBox="1"/>
           <p:nvPr/>
         </p:nvSpPr>
@@ -44609,7 +45132,7 @@
       </p:sp>
       <p:sp>
         <p:nvSpPr>
-          <p:cNvPr id="138" name="Google Shape;138;p17"/>
+          <p:cNvPr id="139" name="Google Shape;139;p17"/>
           <p:cNvSpPr txBox="1"/>
           <p:nvPr/>
         </p:nvSpPr>
@@ -45163,7 +45686,7 @@
       </p:sp>
       <p:sp>
         <p:nvSpPr>
-          <p:cNvPr id="139" name="Google Shape;139;p17"/>
+          <p:cNvPr id="140" name="Google Shape;140;p17"/>
           <p:cNvSpPr txBox="1"/>
           <p:nvPr/>
         </p:nvSpPr>
@@ -45423,7 +45946,7 @@
       </p:sp>
       <p:pic>
         <p:nvPicPr>
-          <p:cNvPr id="140" name="Google Shape;140;p17"/>
+          <p:cNvPr id="141" name="Google Shape;141;p17"/>
           <p:cNvPicPr preferRelativeResize="0"/>
           <p:nvPr/>
         </p:nvPicPr>
@@ -45462,7 +45985,7 @@
       </p:pic>
       <p:pic>
         <p:nvPicPr>
-          <p:cNvPr id="141" name="Google Shape;141;p17"/>
+          <p:cNvPr id="142" name="Google Shape;142;p17"/>
           <p:cNvPicPr preferRelativeResize="0"/>
           <p:nvPr/>
         </p:nvPicPr>
@@ -45501,7 +46024,7 @@
       </p:pic>
       <p:pic>
         <p:nvPicPr>
-          <p:cNvPr id="142" name="Google Shape;142;p17"/>
+          <p:cNvPr id="143" name="Google Shape;143;p17"/>
           <p:cNvPicPr preferRelativeResize="0"/>
           <p:nvPr/>
         </p:nvPicPr>
@@ -45551,7 +46074,7 @@
   <p:cSld>
     <p:spTree>
       <p:nvGrpSpPr>
-        <p:cNvPr id="1" name="Shape 146"/>
+        <p:cNvPr id="1" name="Shape 147"/>
         <p:cNvGrpSpPr/>
         <p:nvPr/>
       </p:nvGrpSpPr>
@@ -45565,7 +46088,7 @@
       </p:grpSpPr>
       <p:sp>
         <p:nvSpPr>
-          <p:cNvPr id="147" name="Google Shape;147;p18"/>
+          <p:cNvPr id="148" name="Google Shape;148;p18"/>
           <p:cNvSpPr txBox="1"/>
           <p:nvPr/>
         </p:nvSpPr>
@@ -45631,7 +46154,7 @@
       </p:sp>
       <p:sp>
         <p:nvSpPr>
-          <p:cNvPr id="148" name="Google Shape;148;p18"/>
+          <p:cNvPr id="149" name="Google Shape;149;p18"/>
           <p:cNvSpPr txBox="1"/>
           <p:nvPr/>
         </p:nvSpPr>
@@ -46158,7 +46681,7 @@
       </p:sp>
       <p:sp>
         <p:nvSpPr>
-          <p:cNvPr id="149" name="Google Shape;149;p18"/>
+          <p:cNvPr id="150" name="Google Shape;150;p18"/>
           <p:cNvSpPr txBox="1"/>
           <p:nvPr/>
         </p:nvSpPr>
@@ -46272,7 +46795,7 @@
       </p:sp>
       <p:pic>
         <p:nvPicPr>
-          <p:cNvPr id="150" name="Google Shape;150;p18"/>
+          <p:cNvPr id="151" name="Google Shape;151;p18"/>
           <p:cNvPicPr preferRelativeResize="0"/>
           <p:nvPr/>
         </p:nvPicPr>
@@ -46311,7 +46834,7 @@
   <p:cSld>
     <p:spTree>
       <p:nvGrpSpPr>
-        <p:cNvPr id="1" name="Shape 154"/>
+        <p:cNvPr id="1" name="Shape 155"/>
         <p:cNvGrpSpPr/>
         <p:nvPr/>
       </p:nvGrpSpPr>
@@ -46325,7 +46848,7 @@
       </p:grpSpPr>
       <p:sp>
         <p:nvSpPr>
-          <p:cNvPr id="155" name="Google Shape;155;p19"/>
+          <p:cNvPr id="156" name="Google Shape;156;p19"/>
           <p:cNvSpPr txBox="1"/>
           <p:nvPr/>
         </p:nvSpPr>
@@ -46391,7 +46914,7 @@
       </p:sp>
       <p:sp>
         <p:nvSpPr>
-          <p:cNvPr id="156" name="Google Shape;156;p19"/>
+          <p:cNvPr id="157" name="Google Shape;157;p19"/>
           <p:cNvSpPr txBox="1"/>
           <p:nvPr/>
         </p:nvSpPr>
@@ -47059,7 +47582,7 @@
       </p:sp>
       <p:pic>
         <p:nvPicPr>
-          <p:cNvPr id="157" name="Google Shape;157;p19"/>
+          <p:cNvPr id="158" name="Google Shape;158;p19"/>
           <p:cNvPicPr preferRelativeResize="0"/>
           <p:nvPr/>
         </p:nvPicPr>
@@ -47087,7 +47610,7 @@
       </p:pic>
       <p:pic>
         <p:nvPicPr>
-          <p:cNvPr id="158" name="Google Shape;158;p19"/>
+          <p:cNvPr id="159" name="Google Shape;159;p19"/>
           <p:cNvPicPr preferRelativeResize="0"/>
           <p:nvPr/>
         </p:nvPicPr>
@@ -47121,7 +47644,7 @@
       </p:pic>
       <p:sp>
         <p:nvSpPr>
-          <p:cNvPr id="159" name="Google Shape;159;p19"/>
+          <p:cNvPr id="160" name="Google Shape;160;p19"/>
           <p:cNvSpPr txBox="1"/>
           <p:nvPr/>
         </p:nvSpPr>
@@ -47306,7 +47829,7 @@
   <p:cSld>
     <p:spTree>
       <p:nvGrpSpPr>
-        <p:cNvPr id="1" name="Shape 163"/>
+        <p:cNvPr id="1" name="Shape 164"/>
         <p:cNvGrpSpPr/>
         <p:nvPr/>
       </p:nvGrpSpPr>
@@ -47320,80 +47843,14 @@
       </p:grpSpPr>
       <p:sp>
         <p:nvSpPr>
-          <p:cNvPr id="164" name="Google Shape;164;p20"/>
-          <p:cNvSpPr txBox="1"/>
-          <p:nvPr/>
-        </p:nvSpPr>
-        <p:spPr>
-          <a:xfrm>
-            <a:off x="55075" y="-9225"/>
-            <a:ext cx="4474800" cy="326400"/>
-          </a:xfrm>
-          <a:prstGeom prst="rect">
-            <a:avLst/>
-          </a:prstGeom>
-          <a:noFill/>
-          <a:ln>
-            <a:noFill/>
-          </a:ln>
-        </p:spPr>
-        <p:txBody>
-          <a:bodyPr spcFirstLastPara="1" wrap="square" lIns="9125" tIns="9125" rIns="9125" bIns="9125" anchor="t" anchorCtr="0">
-            <a:spAutoFit/>
-          </a:bodyPr>
-          <a:lstStyle/>
-          <a:p>
-            <a:pPr marL="0" marR="0" lvl="0" indent="0" algn="l" rtl="0">
-              <a:lnSpc>
-                <a:spcPct val="100000"/>
-              </a:lnSpc>
-              <a:spcBef>
-                <a:spcPts val="0"/>
-              </a:spcBef>
-              <a:spcAft>
-                <a:spcPts val="0"/>
-              </a:spcAft>
-              <a:buClr>
-                <a:schemeClr val="dk1"/>
-              </a:buClr>
-              <a:buSzPts val="1100"/>
-              <a:buFont typeface="Arial"/>
-              <a:buNone/>
-            </a:pPr>
-            <a:r>
-              <a:rPr lang="en" sz="2000" b="1">
-                <a:solidFill>
-                  <a:schemeClr val="dk1"/>
-                </a:solidFill>
-                <a:latin typeface="Calibri"/>
-                <a:ea typeface="Calibri"/>
-                <a:cs typeface="Calibri"/>
-                <a:sym typeface="Calibri"/>
-              </a:rPr>
-              <a:t>Alibaba Qoder - An Agentic Coding</a:t>
-            </a:r>
-            <a:endParaRPr sz="2000" b="1" i="0" u="none" strike="noStrike" cap="none">
-              <a:solidFill>
-                <a:schemeClr val="dk1"/>
-              </a:solidFill>
-              <a:latin typeface="Calibri"/>
-              <a:ea typeface="Calibri"/>
-              <a:cs typeface="Calibri"/>
-              <a:sym typeface="Calibri"/>
-            </a:endParaRPr>
-          </a:p>
-        </p:txBody>
-      </p:sp>
-      <p:sp>
-        <p:nvSpPr>
           <p:cNvPr id="165" name="Google Shape;165;p20"/>
           <p:cNvSpPr txBox="1"/>
           <p:nvPr/>
         </p:nvSpPr>
         <p:spPr>
           <a:xfrm>
-            <a:off x="86125" y="478356"/>
-            <a:ext cx="4412700" cy="4082100"/>
+            <a:off x="401892" y="609999"/>
+            <a:ext cx="4337700" cy="3509400"/>
           </a:xfrm>
           <a:prstGeom prst="rect">
             <a:avLst/>
@@ -47412,7 +47869,7 @@
           </a:ln>
         </p:spPr>
         <p:txBody>
-          <a:bodyPr spcFirstLastPara="1" wrap="square" lIns="9125" tIns="9125" rIns="9125" bIns="9125" anchor="t" anchorCtr="0">
+          <a:bodyPr spcFirstLastPara="1" wrap="square" lIns="91425" tIns="91425" rIns="91425" bIns="91425" anchor="t" anchorCtr="0">
             <a:spAutoFit/>
           </a:bodyPr>
           <a:lstStyle/>
@@ -47427,50 +47884,15 @@
               <a:spcAft>
                 <a:spcPts val="0"/>
               </a:spcAft>
+              <a:buClr>
+                <a:schemeClr val="dk1"/>
+              </a:buClr>
+              <a:buSzPts val="2500"/>
+              <a:buFont typeface="Arial"/>
               <a:buNone/>
             </a:pPr>
             <a:r>
-              <a:rPr lang="en" sz="1200" b="1">
-                <a:solidFill>
-                  <a:srgbClr val="FF0000"/>
-                </a:solidFill>
-                <a:latin typeface="Calibri"/>
-                <a:ea typeface="Calibri"/>
-                <a:cs typeface="Calibri"/>
-                <a:sym typeface="Calibri"/>
-              </a:rPr>
-              <a:t>Alibaba Qoder - An Agentic Coding Platform</a:t>
-            </a:r>
-            <a:endParaRPr sz="1200" b="1">
-              <a:solidFill>
-                <a:srgbClr val="FF0000"/>
-              </a:solidFill>
-              <a:latin typeface="Calibri"/>
-              <a:ea typeface="Calibri"/>
-              <a:cs typeface="Calibri"/>
-              <a:sym typeface="Calibri"/>
-            </a:endParaRPr>
-          </a:p>
-          <a:p>
-            <a:pPr marL="171450" marR="0" lvl="0" indent="-133350" algn="l" rtl="0">
-              <a:lnSpc>
-                <a:spcPct val="100000"/>
-              </a:lnSpc>
-              <a:spcBef>
-                <a:spcPts val="0"/>
-              </a:spcBef>
-              <a:spcAft>
-                <a:spcPts val="0"/>
-              </a:spcAft>
-              <a:buClr>
-                <a:schemeClr val="dk1"/>
-              </a:buClr>
-              <a:buSzPts val="1200"/>
-              <a:buFont typeface="Calibri"/>
-              <a:buChar char="●"/>
-            </a:pPr>
-            <a:r>
-              <a:rPr lang="en" sz="1200">
+              <a:rPr lang="en" sz="2200">
                 <a:solidFill>
                   <a:schemeClr val="dk1"/>
                 </a:solidFill>
@@ -47479,9 +47901,9 @@
                 <a:cs typeface="Calibri"/>
                 <a:sym typeface="Calibri"/>
               </a:rPr>
-              <a:t>Editor, advanced context engineering, hybrid retrieval architectures (combining code graphs and vector search), long-term memory systems, and spec-driven workflows</a:t>
-            </a:r>
-            <a:endParaRPr sz="1200">
+              <a:t>Please pause the video - and answer the pinned question in comments under the video</a:t>
+            </a:r>
+            <a:endParaRPr sz="2200">
               <a:solidFill>
                 <a:schemeClr val="dk1"/>
               </a:solidFill>
@@ -47492,47 +47914,7 @@
             </a:endParaRPr>
           </a:p>
           <a:p>
-            <a:pPr marL="171450" marR="0" lvl="0" indent="-133350" algn="l" rtl="0">
-              <a:lnSpc>
-                <a:spcPct val="100000"/>
-              </a:lnSpc>
-              <a:spcBef>
-                <a:spcPts val="0"/>
-              </a:spcBef>
-              <a:spcAft>
-                <a:spcPts val="0"/>
-              </a:spcAft>
-              <a:buClr>
-                <a:srgbClr val="FF0000"/>
-              </a:buClr>
-              <a:buSzPts val="1200"/>
-              <a:buFont typeface="Calibri"/>
-              <a:buChar char="●"/>
-            </a:pPr>
-            <a:r>
-              <a:rPr lang="en" sz="1200" b="1">
-                <a:solidFill>
-                  <a:srgbClr val="FF0000"/>
-                </a:solidFill>
-                <a:latin typeface="Calibri"/>
-                <a:ea typeface="Calibri"/>
-                <a:cs typeface="Calibri"/>
-                <a:sym typeface="Calibri"/>
-              </a:rPr>
-              <a:t>Two primary modes: Agent &amp; Quest</a:t>
-            </a:r>
-            <a:endParaRPr sz="1200" b="1">
-              <a:solidFill>
-                <a:srgbClr val="FF0000"/>
-              </a:solidFill>
-              <a:latin typeface="Calibri"/>
-              <a:ea typeface="Calibri"/>
-              <a:cs typeface="Calibri"/>
-              <a:sym typeface="Calibri"/>
-            </a:endParaRPr>
-          </a:p>
-          <a:p>
-            <a:pPr marL="171450" marR="0" lvl="0" indent="-133350" algn="l" rtl="0">
+            <a:pPr marL="0" marR="0" lvl="0" indent="0" algn="l" rtl="0">
               <a:lnSpc>
                 <a:spcPct val="100000"/>
               </a:lnSpc>
@@ -47545,35 +47927,11 @@
               <a:buClr>
                 <a:schemeClr val="dk1"/>
               </a:buClr>
-              <a:buSzPts val="1200"/>
-              <a:buFont typeface="Calibri"/>
-              <a:buChar char="●"/>
-            </a:pPr>
-            <a:r>
-              <a:rPr lang="en" sz="1200" b="1">
-                <a:solidFill>
-                  <a:srgbClr val="FF0000"/>
-                </a:solidFill>
-                <a:latin typeface="Calibri"/>
-                <a:ea typeface="Calibri"/>
-                <a:cs typeface="Calibri"/>
-                <a:sym typeface="Calibri"/>
-              </a:rPr>
-              <a:t>Agent Mode - coding assistant</a:t>
-            </a:r>
-            <a:r>
-              <a:rPr lang="en" sz="1200">
-                <a:solidFill>
-                  <a:schemeClr val="dk1"/>
-                </a:solidFill>
-                <a:latin typeface="Calibri"/>
-                <a:ea typeface="Calibri"/>
-                <a:cs typeface="Calibri"/>
-                <a:sym typeface="Calibri"/>
-              </a:rPr>
-              <a:t>, conversational pair programming</a:t>
-            </a:r>
-            <a:endParaRPr sz="1200">
+              <a:buSzPts val="2500"/>
+              <a:buFont typeface="Arial"/>
+              <a:buNone/>
+            </a:pPr>
+            <a:endParaRPr sz="2200">
               <a:solidFill>
                 <a:schemeClr val="dk1"/>
               </a:solidFill>
@@ -47584,7 +47942,7 @@
             </a:endParaRPr>
           </a:p>
           <a:p>
-            <a:pPr marL="171450" marR="0" lvl="0" indent="-133350" algn="l" rtl="0">
+            <a:pPr marL="0" marR="0" lvl="0" indent="0" algn="l" rtl="0">
               <a:lnSpc>
                 <a:spcPct val="100000"/>
               </a:lnSpc>
@@ -47597,24 +47955,12 @@
               <a:buClr>
                 <a:schemeClr val="dk1"/>
               </a:buClr>
-              <a:buSzPts val="1200"/>
-              <a:buFont typeface="Calibri"/>
-              <a:buChar char="●"/>
-            </a:pPr>
-            <a:r>
-              <a:rPr lang="en" sz="1200" b="1">
-                <a:solidFill>
-                  <a:srgbClr val="FF0000"/>
-                </a:solidFill>
-                <a:latin typeface="Calibri"/>
-                <a:ea typeface="Calibri"/>
-                <a:cs typeface="Calibri"/>
-                <a:sym typeface="Calibri"/>
-              </a:rPr>
-              <a:t>Quest Mode - fully autonomous</a:t>
-            </a:r>
-            <a:r>
-              <a:rPr lang="en" sz="1200">
+              <a:buSzPts val="2500"/>
+              <a:buFont typeface="Arial"/>
+              <a:buNone/>
+            </a:pPr>
+            <a:r>
+              <a:rPr lang="en" sz="2200" b="0" i="0" u="none" strike="noStrike" cap="none">
                 <a:solidFill>
                   <a:schemeClr val="dk1"/>
                 </a:solidFill>
@@ -47623,9 +47969,9 @@
                 <a:cs typeface="Calibri"/>
                 <a:sym typeface="Calibri"/>
               </a:rPr>
-              <a:t> coding specialist. Plans, implements, tests, and verifies code, outputting production-ready solutions</a:t>
-            </a:r>
-            <a:endParaRPr sz="1200">
+              <a:t>Subscribe to this channel</a:t>
+            </a:r>
+            <a:endParaRPr sz="2200" b="0" i="0" u="none" strike="noStrike" cap="none">
               <a:solidFill>
                 <a:schemeClr val="dk1"/>
               </a:solidFill>
@@ -47636,10 +47982,7 @@
             </a:endParaRPr>
           </a:p>
           <a:p>
-            <a:pPr marL="171450" marR="0" lvl="0" indent="-133350" algn="l" rtl="0">
-              <a:lnSpc>
-                <a:spcPct val="100000"/>
-              </a:lnSpc>
+            <a:pPr marL="0" lvl="0" indent="0" algn="l" rtl="0">
               <a:spcBef>
                 <a:spcPts val="0"/>
               </a:spcBef>
@@ -47649,12 +47992,31 @@
               <a:buClr>
                 <a:schemeClr val="dk1"/>
               </a:buClr>
-              <a:buSzPts val="1200"/>
-              <a:buFont typeface="Calibri"/>
-              <a:buChar char="●"/>
-            </a:pPr>
-            <a:r>
-              <a:rPr lang="en" sz="1200">
+              <a:buSzPts val="2500"/>
+              <a:buFont typeface="Arial"/>
+              <a:buNone/>
+            </a:pPr>
+            <a:r>
+              <a:rPr lang="en" sz="1800" b="1" u="sng">
+                <a:solidFill>
+                  <a:schemeClr val="accent5"/>
+                </a:solidFill>
+                <a:latin typeface="Calibri"/>
+                <a:ea typeface="Calibri"/>
+                <a:cs typeface="Calibri"/>
+                <a:sym typeface="Calibri"/>
+                <a:hlinkClick r:id="rId3">
+                  <a:extLst>
+                    <a:ext uri="{A12FA001-AC4F-418D-AE19-62706E023703}">
+                      <ahyp:hlinkClr xmlns:ahyp="http://schemas.microsoft.com/office/drawing/2018/hyperlinkcolor" val="tx"/>
+                    </a:ext>
+                  </a:extLst>
+                </a:hlinkClick>
+              </a:rPr>
+              <a:t>https://www.youtube.com/@lev-selector</a:t>
+            </a:r>
+            <a:r>
+              <a:rPr lang="en" sz="1800" b="1">
                 <a:solidFill>
                   <a:schemeClr val="dk1"/>
                 </a:solidFill>
@@ -47663,61 +48025,9 @@
                 <a:cs typeface="Calibri"/>
                 <a:sym typeface="Calibri"/>
               </a:rPr>
-              <a:t>Deep repo searching and automated </a:t>
-            </a:r>
-            <a:r>
-              <a:rPr lang="en" sz="1200" b="1">
-                <a:solidFill>
-                  <a:srgbClr val="6AA84F"/>
-                </a:solidFill>
-                <a:latin typeface="Calibri"/>
-                <a:ea typeface="Calibri"/>
-                <a:cs typeface="Calibri"/>
-                <a:sym typeface="Calibri"/>
-              </a:rPr>
-              <a:t>documentation generation with a "Repo Wiki"</a:t>
-            </a:r>
-            <a:endParaRPr sz="1200" b="1">
-              <a:solidFill>
-                <a:srgbClr val="6AA84F"/>
-              </a:solidFill>
-              <a:latin typeface="Calibri"/>
-              <a:ea typeface="Calibri"/>
-              <a:cs typeface="Calibri"/>
-              <a:sym typeface="Calibri"/>
-            </a:endParaRPr>
-          </a:p>
-          <a:p>
-            <a:pPr marL="171450" marR="0" lvl="0" indent="-133350" algn="l" rtl="0">
-              <a:lnSpc>
-                <a:spcPct val="100000"/>
-              </a:lnSpc>
-              <a:spcBef>
-                <a:spcPts val="0"/>
-              </a:spcBef>
-              <a:spcAft>
-                <a:spcPts val="0"/>
-              </a:spcAft>
-              <a:buClr>
-                <a:schemeClr val="dk1"/>
-              </a:buClr>
-              <a:buSzPts val="1200"/>
-              <a:buFont typeface="Calibri"/>
-              <a:buChar char="●"/>
-            </a:pPr>
-            <a:r>
-              <a:rPr lang="en" sz="1200">
-                <a:solidFill>
-                  <a:schemeClr val="dk1"/>
-                </a:solidFill>
-                <a:latin typeface="Calibri"/>
-                <a:ea typeface="Calibri"/>
-                <a:cs typeface="Calibri"/>
-                <a:sym typeface="Calibri"/>
-              </a:rPr>
-              <a:t>Automated Refactoring &amp; Testing</a:t>
-            </a:r>
-            <a:endParaRPr sz="1200">
+              <a:t> </a:t>
+            </a:r>
+            <a:endParaRPr sz="1800" b="1">
               <a:solidFill>
                 <a:schemeClr val="dk1"/>
               </a:solidFill>
@@ -47728,47 +48038,7 @@
             </a:endParaRPr>
           </a:p>
           <a:p>
-            <a:pPr marL="171450" marR="0" lvl="0" indent="-133350" algn="l" rtl="0">
-              <a:lnSpc>
-                <a:spcPct val="100000"/>
-              </a:lnSpc>
-              <a:spcBef>
-                <a:spcPts val="0"/>
-              </a:spcBef>
-              <a:spcAft>
-                <a:spcPts val="0"/>
-              </a:spcAft>
-              <a:buClr>
-                <a:srgbClr val="FF0000"/>
-              </a:buClr>
-              <a:buSzPts val="1200"/>
-              <a:buFont typeface="Calibri"/>
-              <a:buChar char="●"/>
-            </a:pPr>
-            <a:r>
-              <a:rPr lang="en" sz="1200" b="1">
-                <a:solidFill>
-                  <a:srgbClr val="FF0000"/>
-                </a:solidFill>
-                <a:latin typeface="Calibri"/>
-                <a:ea typeface="Calibri"/>
-                <a:cs typeface="Calibri"/>
-                <a:sym typeface="Calibri"/>
-              </a:rPr>
-              <a:t>Qoder automatically selects optimal AI models for each task (Claude, Gemini, and GPT, ...)</a:t>
-            </a:r>
-            <a:endParaRPr sz="1200" b="1">
-              <a:solidFill>
-                <a:srgbClr val="FF0000"/>
-              </a:solidFill>
-              <a:latin typeface="Calibri"/>
-              <a:ea typeface="Calibri"/>
-              <a:cs typeface="Calibri"/>
-              <a:sym typeface="Calibri"/>
-            </a:endParaRPr>
-          </a:p>
-          <a:p>
-            <a:pPr marL="171450" marR="0" lvl="0" indent="-133350" algn="l" rtl="0">
+            <a:pPr marL="0" marR="0" lvl="0" indent="0" algn="l" rtl="0">
               <a:lnSpc>
                 <a:spcPct val="100000"/>
               </a:lnSpc>
@@ -47781,35 +48051,11 @@
               <a:buClr>
                 <a:schemeClr val="dk1"/>
               </a:buClr>
-              <a:buSzPts val="1200"/>
-              <a:buFont typeface="Calibri"/>
-              <a:buChar char="●"/>
-            </a:pPr>
-            <a:r>
-              <a:rPr lang="en" sz="1200" b="1">
-                <a:solidFill>
-                  <a:srgbClr val="3C78D8"/>
-                </a:solidFill>
-                <a:latin typeface="Calibri"/>
-                <a:ea typeface="Calibri"/>
-                <a:cs typeface="Calibri"/>
-                <a:sym typeface="Calibri"/>
-              </a:rPr>
-              <a:t>MCP (Memory, Context, Plugins)</a:t>
-            </a:r>
-            <a:r>
-              <a:rPr lang="en" sz="1200">
-                <a:solidFill>
-                  <a:schemeClr val="dk1"/>
-                </a:solidFill>
-                <a:latin typeface="Calibri"/>
-                <a:ea typeface="Calibri"/>
-                <a:cs typeface="Calibri"/>
-                <a:sym typeface="Calibri"/>
-              </a:rPr>
-              <a:t>, compatibility with external tools, web search, auto-run terminal commands, and broad language coverage</a:t>
-            </a:r>
-            <a:endParaRPr sz="1200">
+              <a:buSzPts val="2500"/>
+              <a:buFont typeface="Arial"/>
+              <a:buNone/>
+            </a:pPr>
+            <a:endParaRPr sz="2200">
               <a:solidFill>
                 <a:schemeClr val="dk1"/>
               </a:solidFill>
@@ -47820,7 +48066,7 @@
             </a:endParaRPr>
           </a:p>
           <a:p>
-            <a:pPr marL="171450" marR="0" lvl="0" indent="-133350" algn="l" rtl="0">
+            <a:pPr marL="0" marR="0" lvl="0" indent="0" algn="l" rtl="0">
               <a:lnSpc>
                 <a:spcPct val="100000"/>
               </a:lnSpc>
@@ -47833,12 +48079,12 @@
               <a:buClr>
                 <a:schemeClr val="dk1"/>
               </a:buClr>
-              <a:buSzPts val="1200"/>
-              <a:buFont typeface="Calibri"/>
-              <a:buChar char="●"/>
-            </a:pPr>
-            <a:r>
-              <a:rPr lang="en" sz="1200">
+              <a:buSzPts val="2500"/>
+              <a:buFont typeface="Arial"/>
+              <a:buNone/>
+            </a:pPr>
+            <a:r>
+              <a:rPr lang="en" sz="2200">
                 <a:solidFill>
                   <a:schemeClr val="dk1"/>
                 </a:solidFill>
@@ -47847,51 +48093,47 @@
                 <a:cs typeface="Calibri"/>
                 <a:sym typeface="Calibri"/>
               </a:rPr>
-              <a:t>Limitations: Does not currently support Linux (buw works with MacOS and Windows); Repo Wiki and auto-indexing have scale limits; Some developer plugins (e.g., GitHub Pull Requests) currently suffer version compatibility issues</a:t>
-            </a:r>
-            <a:endParaRPr sz="1200">
+              <a:t>G</a:t>
+            </a:r>
+            <a:r>
+              <a:rPr lang="en" sz="2200" b="0" i="0" u="none" strike="noStrike" cap="none">
+                <a:solidFill>
+                  <a:schemeClr val="dk1"/>
+                </a:solidFill>
+                <a:latin typeface="Calibri"/>
+                <a:ea typeface="Calibri"/>
+                <a:cs typeface="Calibri"/>
+                <a:sym typeface="Calibri"/>
+              </a:rPr>
+              <a:t>et notified about new videos - every Friday, links to slides under </a:t>
+            </a:r>
+            <a:r>
+              <a:rPr lang="en" sz="2200">
+                <a:solidFill>
+                  <a:schemeClr val="dk1"/>
+                </a:solidFill>
+                <a:latin typeface="Calibri"/>
+                <a:ea typeface="Calibri"/>
+                <a:cs typeface="Calibri"/>
+                <a:sym typeface="Calibri"/>
+              </a:rPr>
+              <a:t>the</a:t>
+            </a:r>
+            <a:r>
+              <a:rPr lang="en" sz="2200" b="0" i="0" u="none" strike="noStrike" cap="none">
+                <a:solidFill>
+                  <a:schemeClr val="dk1"/>
+                </a:solidFill>
+                <a:latin typeface="Calibri"/>
+                <a:ea typeface="Calibri"/>
+                <a:cs typeface="Calibri"/>
+                <a:sym typeface="Calibri"/>
+              </a:rPr>
+              <a:t> videos</a:t>
+            </a:r>
+            <a:endParaRPr sz="1800" b="1" i="0" u="none" strike="noStrike" cap="none">
               <a:solidFill>
-                <a:schemeClr val="dk1"/>
-              </a:solidFill>
-              <a:latin typeface="Calibri"/>
-              <a:ea typeface="Calibri"/>
-              <a:cs typeface="Calibri"/>
-              <a:sym typeface="Calibri"/>
-            </a:endParaRPr>
-          </a:p>
-          <a:p>
-            <a:pPr marL="171450" marR="0" lvl="0" indent="-133350" algn="l" rtl="0">
-              <a:lnSpc>
-                <a:spcPct val="100000"/>
-              </a:lnSpc>
-              <a:spcBef>
-                <a:spcPts val="0"/>
-              </a:spcBef>
-              <a:spcAft>
-                <a:spcPts val="0"/>
-              </a:spcAft>
-              <a:buClr>
-                <a:schemeClr val="dk1"/>
-              </a:buClr>
-              <a:buSzPts val="1200"/>
-              <a:buFont typeface="Calibri"/>
-              <a:buChar char="●"/>
-            </a:pPr>
-            <a:r>
-              <a:rPr lang="en" sz="1200">
-                <a:solidFill>
-                  <a:schemeClr val="dk1"/>
-                </a:solidFill>
-                <a:latin typeface="Calibri"/>
-                <a:ea typeface="Calibri"/>
-                <a:cs typeface="Calibri"/>
-                <a:sym typeface="Calibri"/>
-              </a:rPr>
-              <a:t>Qoder is completely free to use with no rate limits</a:t>
-            </a:r>
-            <a:endParaRPr sz="1200">
-              <a:solidFill>
-                <a:schemeClr val="dk1"/>
+                <a:srgbClr val="000000"/>
               </a:solidFill>
               <a:latin typeface="Calibri"/>
               <a:ea typeface="Calibri"/>
@@ -47907,8 +48149,8 @@
           <p:cNvPicPr preferRelativeResize="0"/>
           <p:nvPr/>
         </p:nvPicPr>
-        <p:blipFill rotWithShape="1">
-          <a:blip r:embed="rId3" cstate="email">
+        <p:blipFill>
+          <a:blip r:embed="rId4" cstate="email">
             <a:alphaModFix/>
             <a:extLst>
               <a:ext uri="{28A0092B-C50C-407E-A947-70E740481C1C}">
@@ -47916,20 +48158,27 @@
               </a:ext>
             </a:extLst>
           </a:blip>
-          <a:srcRect/>
-          <a:stretch/>
+          <a:stretch>
+            <a:fillRect/>
+          </a:stretch>
         </p:blipFill>
         <p:spPr>
           <a:xfrm>
-            <a:off x="5283650" y="1900950"/>
-            <a:ext cx="1744975" cy="701875"/>
+            <a:off x="5252850" y="69200"/>
+            <a:ext cx="3823975" cy="4948324"/>
           </a:xfrm>
           <a:prstGeom prst="rect">
             <a:avLst/>
           </a:prstGeom>
           <a:noFill/>
-          <a:ln>
-            <a:noFill/>
+          <a:ln w="9525" cap="flat" cmpd="sng">
+            <a:solidFill>
+              <a:srgbClr val="FF0000"/>
+            </a:solidFill>
+            <a:prstDash val="solid"/>
+            <a:round/>
+            <a:headEnd type="none" w="sm" len="sm"/>
+            <a:tailEnd type="none" w="sm" len="sm"/>
           </a:ln>
         </p:spPr>
       </p:pic>
@@ -47967,6 +48216,799 @@
         <p:spPr>
           <a:xfrm>
             <a:off x="55075" y="-9225"/>
+            <a:ext cx="4474800" cy="326400"/>
+          </a:xfrm>
+          <a:prstGeom prst="rect">
+            <a:avLst/>
+          </a:prstGeom>
+          <a:noFill/>
+          <a:ln>
+            <a:noFill/>
+          </a:ln>
+        </p:spPr>
+        <p:txBody>
+          <a:bodyPr spcFirstLastPara="1" wrap="square" lIns="9125" tIns="9125" rIns="9125" bIns="9125" anchor="t" anchorCtr="0">
+            <a:spAutoFit/>
+          </a:bodyPr>
+          <a:lstStyle/>
+          <a:p>
+            <a:pPr marL="0" marR="0" lvl="0" indent="0" algn="l" rtl="0">
+              <a:lnSpc>
+                <a:spcPct val="100000"/>
+              </a:lnSpc>
+              <a:spcBef>
+                <a:spcPts val="0"/>
+              </a:spcBef>
+              <a:spcAft>
+                <a:spcPts val="0"/>
+              </a:spcAft>
+              <a:buClr>
+                <a:schemeClr val="dk1"/>
+              </a:buClr>
+              <a:buSzPts val="1100"/>
+              <a:buFont typeface="Arial"/>
+              <a:buNone/>
+            </a:pPr>
+            <a:r>
+              <a:rPr lang="en" sz="2000" b="1">
+                <a:solidFill>
+                  <a:schemeClr val="dk1"/>
+                </a:solidFill>
+                <a:latin typeface="Calibri"/>
+                <a:ea typeface="Calibri"/>
+                <a:cs typeface="Calibri"/>
+                <a:sym typeface="Calibri"/>
+              </a:rPr>
+              <a:t>Alibaba Qoder - An Agentic Coding</a:t>
+            </a:r>
+            <a:endParaRPr sz="2000" b="1" i="0" u="none" strike="noStrike" cap="none">
+              <a:solidFill>
+                <a:schemeClr val="dk1"/>
+              </a:solidFill>
+              <a:latin typeface="Calibri"/>
+              <a:ea typeface="Calibri"/>
+              <a:cs typeface="Calibri"/>
+              <a:sym typeface="Calibri"/>
+            </a:endParaRPr>
+          </a:p>
+        </p:txBody>
+      </p:sp>
+      <p:sp>
+        <p:nvSpPr>
+          <p:cNvPr id="172" name="Google Shape;172;p21"/>
+          <p:cNvSpPr txBox="1"/>
+          <p:nvPr/>
+        </p:nvSpPr>
+        <p:spPr>
+          <a:xfrm>
+            <a:off x="86125" y="478350"/>
+            <a:ext cx="5045700" cy="4082100"/>
+          </a:xfrm>
+          <a:prstGeom prst="rect">
+            <a:avLst/>
+          </a:prstGeom>
+          <a:solidFill>
+            <a:srgbClr val="FFF2CC"/>
+          </a:solidFill>
+          <a:ln w="9525" cap="flat" cmpd="sng">
+            <a:solidFill>
+              <a:srgbClr val="FF0000"/>
+            </a:solidFill>
+            <a:prstDash val="solid"/>
+            <a:round/>
+            <a:headEnd type="none" w="sm" len="sm"/>
+            <a:tailEnd type="none" w="sm" len="sm"/>
+          </a:ln>
+        </p:spPr>
+        <p:txBody>
+          <a:bodyPr spcFirstLastPara="1" wrap="square" lIns="9125" tIns="9125" rIns="9125" bIns="9125" anchor="t" anchorCtr="0">
+            <a:spAutoFit/>
+          </a:bodyPr>
+          <a:lstStyle/>
+          <a:p>
+            <a:pPr marL="0" marR="0" lvl="0" indent="0" algn="l" rtl="0">
+              <a:lnSpc>
+                <a:spcPct val="100000"/>
+              </a:lnSpc>
+              <a:spcBef>
+                <a:spcPts val="0"/>
+              </a:spcBef>
+              <a:spcAft>
+                <a:spcPts val="0"/>
+              </a:spcAft>
+              <a:buNone/>
+            </a:pPr>
+            <a:r>
+              <a:rPr lang="en" sz="1200" b="1">
+                <a:solidFill>
+                  <a:srgbClr val="FF0000"/>
+                </a:solidFill>
+                <a:latin typeface="Calibri"/>
+                <a:ea typeface="Calibri"/>
+                <a:cs typeface="Calibri"/>
+                <a:sym typeface="Calibri"/>
+              </a:rPr>
+              <a:t>Alibaba Qoder - An Agentic Coding Platform</a:t>
+            </a:r>
+            <a:endParaRPr sz="1200" b="1">
+              <a:solidFill>
+                <a:srgbClr val="FF0000"/>
+              </a:solidFill>
+              <a:latin typeface="Calibri"/>
+              <a:ea typeface="Calibri"/>
+              <a:cs typeface="Calibri"/>
+              <a:sym typeface="Calibri"/>
+            </a:endParaRPr>
+          </a:p>
+          <a:p>
+            <a:pPr marL="171450" marR="0" lvl="0" indent="-133350" algn="l" rtl="0">
+              <a:lnSpc>
+                <a:spcPct val="100000"/>
+              </a:lnSpc>
+              <a:spcBef>
+                <a:spcPts val="0"/>
+              </a:spcBef>
+              <a:spcAft>
+                <a:spcPts val="0"/>
+              </a:spcAft>
+              <a:buClr>
+                <a:schemeClr val="dk1"/>
+              </a:buClr>
+              <a:buSzPts val="1200"/>
+              <a:buFont typeface="Calibri"/>
+              <a:buChar char="●"/>
+            </a:pPr>
+            <a:r>
+              <a:rPr lang="en" sz="1200">
+                <a:solidFill>
+                  <a:schemeClr val="dk1"/>
+                </a:solidFill>
+                <a:latin typeface="Calibri"/>
+                <a:ea typeface="Calibri"/>
+                <a:cs typeface="Calibri"/>
+                <a:sym typeface="Calibri"/>
+              </a:rPr>
+              <a:t>Editor, advanced context engineering, hybrid retrieval architectures (</a:t>
+            </a:r>
+            <a:r>
+              <a:rPr lang="en" sz="1200" b="1">
+                <a:solidFill>
+                  <a:srgbClr val="3C78D8"/>
+                </a:solidFill>
+                <a:latin typeface="Calibri"/>
+                <a:ea typeface="Calibri"/>
+                <a:cs typeface="Calibri"/>
+                <a:sym typeface="Calibri"/>
+              </a:rPr>
+              <a:t>combining code graphs and vector search</a:t>
+            </a:r>
+            <a:r>
+              <a:rPr lang="en" sz="1200">
+                <a:solidFill>
+                  <a:schemeClr val="dk1"/>
+                </a:solidFill>
+                <a:latin typeface="Calibri"/>
+                <a:ea typeface="Calibri"/>
+                <a:cs typeface="Calibri"/>
+                <a:sym typeface="Calibri"/>
+              </a:rPr>
+              <a:t>), long-term memory systems, and spec-driven workflows</a:t>
+            </a:r>
+            <a:endParaRPr sz="1200">
+              <a:solidFill>
+                <a:schemeClr val="dk1"/>
+              </a:solidFill>
+              <a:latin typeface="Calibri"/>
+              <a:ea typeface="Calibri"/>
+              <a:cs typeface="Calibri"/>
+              <a:sym typeface="Calibri"/>
+            </a:endParaRPr>
+          </a:p>
+          <a:p>
+            <a:pPr marL="171450" marR="0" lvl="0" indent="-133350" algn="l" rtl="0">
+              <a:lnSpc>
+                <a:spcPct val="100000"/>
+              </a:lnSpc>
+              <a:spcBef>
+                <a:spcPts val="0"/>
+              </a:spcBef>
+              <a:spcAft>
+                <a:spcPts val="0"/>
+              </a:spcAft>
+              <a:buClr>
+                <a:srgbClr val="FF0000"/>
+              </a:buClr>
+              <a:buSzPts val="1200"/>
+              <a:buFont typeface="Calibri"/>
+              <a:buChar char="●"/>
+            </a:pPr>
+            <a:r>
+              <a:rPr lang="en" sz="1200" b="1">
+                <a:solidFill>
+                  <a:srgbClr val="FF0000"/>
+                </a:solidFill>
+                <a:latin typeface="Calibri"/>
+                <a:ea typeface="Calibri"/>
+                <a:cs typeface="Calibri"/>
+                <a:sym typeface="Calibri"/>
+              </a:rPr>
+              <a:t>Two primary modes: Agent &amp; Quest</a:t>
+            </a:r>
+            <a:endParaRPr sz="1200" b="1">
+              <a:solidFill>
+                <a:srgbClr val="FF0000"/>
+              </a:solidFill>
+              <a:latin typeface="Calibri"/>
+              <a:ea typeface="Calibri"/>
+              <a:cs typeface="Calibri"/>
+              <a:sym typeface="Calibri"/>
+            </a:endParaRPr>
+          </a:p>
+          <a:p>
+            <a:pPr marL="171450" marR="0" lvl="0" indent="-133350" algn="l" rtl="0">
+              <a:lnSpc>
+                <a:spcPct val="100000"/>
+              </a:lnSpc>
+              <a:spcBef>
+                <a:spcPts val="0"/>
+              </a:spcBef>
+              <a:spcAft>
+                <a:spcPts val="0"/>
+              </a:spcAft>
+              <a:buClr>
+                <a:schemeClr val="dk1"/>
+              </a:buClr>
+              <a:buSzPts val="1200"/>
+              <a:buFont typeface="Calibri"/>
+              <a:buChar char="●"/>
+            </a:pPr>
+            <a:r>
+              <a:rPr lang="en" sz="1200" b="1">
+                <a:solidFill>
+                  <a:srgbClr val="FF0000"/>
+                </a:solidFill>
+                <a:latin typeface="Calibri"/>
+                <a:ea typeface="Calibri"/>
+                <a:cs typeface="Calibri"/>
+                <a:sym typeface="Calibri"/>
+              </a:rPr>
+              <a:t>Agent Mode - coding assistant</a:t>
+            </a:r>
+            <a:r>
+              <a:rPr lang="en" sz="1200">
+                <a:solidFill>
+                  <a:schemeClr val="dk1"/>
+                </a:solidFill>
+                <a:latin typeface="Calibri"/>
+                <a:ea typeface="Calibri"/>
+                <a:cs typeface="Calibri"/>
+                <a:sym typeface="Calibri"/>
+              </a:rPr>
+              <a:t>, conversational pair programming</a:t>
+            </a:r>
+            <a:endParaRPr sz="1200">
+              <a:solidFill>
+                <a:schemeClr val="dk1"/>
+              </a:solidFill>
+              <a:latin typeface="Calibri"/>
+              <a:ea typeface="Calibri"/>
+              <a:cs typeface="Calibri"/>
+              <a:sym typeface="Calibri"/>
+            </a:endParaRPr>
+          </a:p>
+          <a:p>
+            <a:pPr marL="171450" marR="0" lvl="0" indent="-133350" algn="l" rtl="0">
+              <a:lnSpc>
+                <a:spcPct val="100000"/>
+              </a:lnSpc>
+              <a:spcBef>
+                <a:spcPts val="0"/>
+              </a:spcBef>
+              <a:spcAft>
+                <a:spcPts val="0"/>
+              </a:spcAft>
+              <a:buClr>
+                <a:schemeClr val="dk1"/>
+              </a:buClr>
+              <a:buSzPts val="1200"/>
+              <a:buFont typeface="Calibri"/>
+              <a:buChar char="●"/>
+            </a:pPr>
+            <a:r>
+              <a:rPr lang="en" sz="1200" b="1">
+                <a:solidFill>
+                  <a:srgbClr val="FF0000"/>
+                </a:solidFill>
+                <a:latin typeface="Calibri"/>
+                <a:ea typeface="Calibri"/>
+                <a:cs typeface="Calibri"/>
+                <a:sym typeface="Calibri"/>
+              </a:rPr>
+              <a:t>Quest Mode - fully autonomous</a:t>
+            </a:r>
+            <a:r>
+              <a:rPr lang="en" sz="1200">
+                <a:solidFill>
+                  <a:schemeClr val="dk1"/>
+                </a:solidFill>
+                <a:latin typeface="Calibri"/>
+                <a:ea typeface="Calibri"/>
+                <a:cs typeface="Calibri"/>
+                <a:sym typeface="Calibri"/>
+              </a:rPr>
+              <a:t> coding specialist. Plans, implements, tests, and verifies code, outputting production-ready solutions</a:t>
+            </a:r>
+            <a:endParaRPr sz="1200">
+              <a:solidFill>
+                <a:schemeClr val="dk1"/>
+              </a:solidFill>
+              <a:latin typeface="Calibri"/>
+              <a:ea typeface="Calibri"/>
+              <a:cs typeface="Calibri"/>
+              <a:sym typeface="Calibri"/>
+            </a:endParaRPr>
+          </a:p>
+          <a:p>
+            <a:pPr marL="171450" marR="0" lvl="0" indent="-133350" algn="l" rtl="0">
+              <a:lnSpc>
+                <a:spcPct val="100000"/>
+              </a:lnSpc>
+              <a:spcBef>
+                <a:spcPts val="0"/>
+              </a:spcBef>
+              <a:spcAft>
+                <a:spcPts val="0"/>
+              </a:spcAft>
+              <a:buClr>
+                <a:schemeClr val="dk1"/>
+              </a:buClr>
+              <a:buSzPts val="1200"/>
+              <a:buFont typeface="Calibri"/>
+              <a:buChar char="●"/>
+            </a:pPr>
+            <a:r>
+              <a:rPr lang="en" sz="1200">
+                <a:solidFill>
+                  <a:schemeClr val="dk1"/>
+                </a:solidFill>
+                <a:latin typeface="Calibri"/>
+                <a:ea typeface="Calibri"/>
+                <a:cs typeface="Calibri"/>
+                <a:sym typeface="Calibri"/>
+              </a:rPr>
+              <a:t>Deep repo searching and automated </a:t>
+            </a:r>
+            <a:r>
+              <a:rPr lang="en" sz="1200" b="1">
+                <a:solidFill>
+                  <a:srgbClr val="6AA84F"/>
+                </a:solidFill>
+                <a:latin typeface="Calibri"/>
+                <a:ea typeface="Calibri"/>
+                <a:cs typeface="Calibri"/>
+                <a:sym typeface="Calibri"/>
+              </a:rPr>
+              <a:t>documentation generation with a "Repo Wiki"</a:t>
+            </a:r>
+            <a:endParaRPr sz="1200" b="1">
+              <a:solidFill>
+                <a:srgbClr val="6AA84F"/>
+              </a:solidFill>
+              <a:latin typeface="Calibri"/>
+              <a:ea typeface="Calibri"/>
+              <a:cs typeface="Calibri"/>
+              <a:sym typeface="Calibri"/>
+            </a:endParaRPr>
+          </a:p>
+          <a:p>
+            <a:pPr marL="171450" marR="0" lvl="0" indent="-133350" algn="l" rtl="0">
+              <a:lnSpc>
+                <a:spcPct val="100000"/>
+              </a:lnSpc>
+              <a:spcBef>
+                <a:spcPts val="0"/>
+              </a:spcBef>
+              <a:spcAft>
+                <a:spcPts val="0"/>
+              </a:spcAft>
+              <a:buClr>
+                <a:schemeClr val="dk1"/>
+              </a:buClr>
+              <a:buSzPts val="1200"/>
+              <a:buFont typeface="Calibri"/>
+              <a:buChar char="●"/>
+            </a:pPr>
+            <a:r>
+              <a:rPr lang="en" sz="1200">
+                <a:solidFill>
+                  <a:schemeClr val="dk1"/>
+                </a:solidFill>
+                <a:latin typeface="Calibri"/>
+                <a:ea typeface="Calibri"/>
+                <a:cs typeface="Calibri"/>
+                <a:sym typeface="Calibri"/>
+              </a:rPr>
+              <a:t>Automated Refactoring &amp; Testing</a:t>
+            </a:r>
+            <a:endParaRPr sz="1200">
+              <a:solidFill>
+                <a:schemeClr val="dk1"/>
+              </a:solidFill>
+              <a:latin typeface="Calibri"/>
+              <a:ea typeface="Calibri"/>
+              <a:cs typeface="Calibri"/>
+              <a:sym typeface="Calibri"/>
+            </a:endParaRPr>
+          </a:p>
+          <a:p>
+            <a:pPr marL="171450" marR="0" lvl="0" indent="-133350" algn="l" rtl="0">
+              <a:lnSpc>
+                <a:spcPct val="100000"/>
+              </a:lnSpc>
+              <a:spcBef>
+                <a:spcPts val="0"/>
+              </a:spcBef>
+              <a:spcAft>
+                <a:spcPts val="0"/>
+              </a:spcAft>
+              <a:buClr>
+                <a:srgbClr val="FF0000"/>
+              </a:buClr>
+              <a:buSzPts val="1200"/>
+              <a:buFont typeface="Calibri"/>
+              <a:buChar char="●"/>
+            </a:pPr>
+            <a:r>
+              <a:rPr lang="en" sz="1200" b="1">
+                <a:solidFill>
+                  <a:srgbClr val="FF0000"/>
+                </a:solidFill>
+                <a:latin typeface="Calibri"/>
+                <a:ea typeface="Calibri"/>
+                <a:cs typeface="Calibri"/>
+                <a:sym typeface="Calibri"/>
+              </a:rPr>
+              <a:t>Qoder automatically selects optimal AI models for each task (Claude, Gemini, and GPT, ...)</a:t>
+            </a:r>
+            <a:endParaRPr sz="1200" b="1">
+              <a:solidFill>
+                <a:srgbClr val="FF0000"/>
+              </a:solidFill>
+              <a:latin typeface="Calibri"/>
+              <a:ea typeface="Calibri"/>
+              <a:cs typeface="Calibri"/>
+              <a:sym typeface="Calibri"/>
+            </a:endParaRPr>
+          </a:p>
+          <a:p>
+            <a:pPr marL="171450" marR="0" lvl="0" indent="-133350" algn="l" rtl="0">
+              <a:lnSpc>
+                <a:spcPct val="100000"/>
+              </a:lnSpc>
+              <a:spcBef>
+                <a:spcPts val="0"/>
+              </a:spcBef>
+              <a:spcAft>
+                <a:spcPts val="0"/>
+              </a:spcAft>
+              <a:buClr>
+                <a:schemeClr val="dk1"/>
+              </a:buClr>
+              <a:buSzPts val="1200"/>
+              <a:buFont typeface="Calibri"/>
+              <a:buChar char="●"/>
+            </a:pPr>
+            <a:r>
+              <a:rPr lang="en" sz="1200" b="1">
+                <a:solidFill>
+                  <a:srgbClr val="3C78D8"/>
+                </a:solidFill>
+                <a:latin typeface="Calibri"/>
+                <a:ea typeface="Calibri"/>
+                <a:cs typeface="Calibri"/>
+                <a:sym typeface="Calibri"/>
+              </a:rPr>
+              <a:t>MCP (Memory, Context, Plugins)</a:t>
+            </a:r>
+            <a:r>
+              <a:rPr lang="en" sz="1200">
+                <a:solidFill>
+                  <a:schemeClr val="dk1"/>
+                </a:solidFill>
+                <a:latin typeface="Calibri"/>
+                <a:ea typeface="Calibri"/>
+                <a:cs typeface="Calibri"/>
+                <a:sym typeface="Calibri"/>
+              </a:rPr>
+              <a:t>, compatibility with external tools, web search, auto-run terminal commands, and broad language coverage</a:t>
+            </a:r>
+            <a:endParaRPr sz="1200">
+              <a:solidFill>
+                <a:schemeClr val="dk1"/>
+              </a:solidFill>
+              <a:latin typeface="Calibri"/>
+              <a:ea typeface="Calibri"/>
+              <a:cs typeface="Calibri"/>
+              <a:sym typeface="Calibri"/>
+            </a:endParaRPr>
+          </a:p>
+          <a:p>
+            <a:pPr marL="171450" marR="0" lvl="0" indent="-133350" algn="l" rtl="0">
+              <a:lnSpc>
+                <a:spcPct val="100000"/>
+              </a:lnSpc>
+              <a:spcBef>
+                <a:spcPts val="0"/>
+              </a:spcBef>
+              <a:spcAft>
+                <a:spcPts val="0"/>
+              </a:spcAft>
+              <a:buClr>
+                <a:schemeClr val="dk1"/>
+              </a:buClr>
+              <a:buSzPts val="1200"/>
+              <a:buFont typeface="Calibri"/>
+              <a:buChar char="●"/>
+            </a:pPr>
+            <a:r>
+              <a:rPr lang="en" sz="1200">
+                <a:solidFill>
+                  <a:schemeClr val="dk1"/>
+                </a:solidFill>
+                <a:latin typeface="Calibri"/>
+                <a:ea typeface="Calibri"/>
+                <a:cs typeface="Calibri"/>
+                <a:sym typeface="Calibri"/>
+              </a:rPr>
+              <a:t>Uses </a:t>
+            </a:r>
+            <a:r>
+              <a:rPr lang="en" sz="1200" b="1">
+                <a:solidFill>
+                  <a:srgbClr val="3C78D8"/>
+                </a:solidFill>
+                <a:latin typeface="Calibri"/>
+                <a:ea typeface="Calibri"/>
+                <a:cs typeface="Calibri"/>
+                <a:sym typeface="Calibri"/>
+              </a:rPr>
+              <a:t>Qwen3-Coder-480B-A35B-Instruct</a:t>
+            </a:r>
+            <a:endParaRPr sz="1200" b="1">
+              <a:solidFill>
+                <a:srgbClr val="3C78D8"/>
+              </a:solidFill>
+              <a:latin typeface="Calibri"/>
+              <a:ea typeface="Calibri"/>
+              <a:cs typeface="Calibri"/>
+              <a:sym typeface="Calibri"/>
+            </a:endParaRPr>
+          </a:p>
+          <a:p>
+            <a:pPr marL="171450" marR="0" lvl="0" indent="-133350" algn="l" rtl="0">
+              <a:lnSpc>
+                <a:spcPct val="100000"/>
+              </a:lnSpc>
+              <a:spcBef>
+                <a:spcPts val="0"/>
+              </a:spcBef>
+              <a:spcAft>
+                <a:spcPts val="0"/>
+              </a:spcAft>
+              <a:buClr>
+                <a:schemeClr val="dk1"/>
+              </a:buClr>
+              <a:buSzPts val="1200"/>
+              <a:buFont typeface="Calibri"/>
+              <a:buChar char="●"/>
+            </a:pPr>
+            <a:r>
+              <a:rPr lang="en" sz="1200">
+                <a:solidFill>
+                  <a:schemeClr val="dk1"/>
+                </a:solidFill>
+                <a:latin typeface="Calibri"/>
+                <a:ea typeface="Calibri"/>
+                <a:cs typeface="Calibri"/>
+                <a:sym typeface="Calibri"/>
+              </a:rPr>
+              <a:t>Limitations: Does not currently support Linux (but works with MacOS and Windows); Repo Wiki and auto-indexing have scale limits; Some developer plugins (e.g., GitHub Pull Requests) currently suffer version compatibility issues</a:t>
+            </a:r>
+            <a:endParaRPr sz="1200">
+              <a:solidFill>
+                <a:schemeClr val="dk1"/>
+              </a:solidFill>
+              <a:latin typeface="Calibri"/>
+              <a:ea typeface="Calibri"/>
+              <a:cs typeface="Calibri"/>
+              <a:sym typeface="Calibri"/>
+            </a:endParaRPr>
+          </a:p>
+          <a:p>
+            <a:pPr marL="171450" marR="0" lvl="0" indent="-133350" algn="l" rtl="0">
+              <a:lnSpc>
+                <a:spcPct val="100000"/>
+              </a:lnSpc>
+              <a:spcBef>
+                <a:spcPts val="0"/>
+              </a:spcBef>
+              <a:spcAft>
+                <a:spcPts val="0"/>
+              </a:spcAft>
+              <a:buClr>
+                <a:schemeClr val="dk1"/>
+              </a:buClr>
+              <a:buSzPts val="1200"/>
+              <a:buFont typeface="Calibri"/>
+              <a:buChar char="●"/>
+            </a:pPr>
+            <a:r>
+              <a:rPr lang="en" sz="1200">
+                <a:solidFill>
+                  <a:schemeClr val="dk1"/>
+                </a:solidFill>
+                <a:latin typeface="Calibri"/>
+                <a:ea typeface="Calibri"/>
+                <a:cs typeface="Calibri"/>
+                <a:sym typeface="Calibri"/>
+              </a:rPr>
+              <a:t>Qoder is completely </a:t>
+            </a:r>
+            <a:r>
+              <a:rPr lang="en" sz="1200" b="1">
+                <a:solidFill>
+                  <a:srgbClr val="3C78D8"/>
+                </a:solidFill>
+                <a:latin typeface="Calibri"/>
+                <a:ea typeface="Calibri"/>
+                <a:cs typeface="Calibri"/>
+                <a:sym typeface="Calibri"/>
+              </a:rPr>
+              <a:t>free to use </a:t>
+            </a:r>
+            <a:r>
+              <a:rPr lang="en" sz="1200">
+                <a:solidFill>
+                  <a:schemeClr val="dk1"/>
+                </a:solidFill>
+                <a:latin typeface="Calibri"/>
+                <a:ea typeface="Calibri"/>
+                <a:cs typeface="Calibri"/>
+                <a:sym typeface="Calibri"/>
+              </a:rPr>
+              <a:t>with no rate limits</a:t>
+            </a:r>
+            <a:endParaRPr sz="1200">
+              <a:solidFill>
+                <a:schemeClr val="dk1"/>
+              </a:solidFill>
+              <a:latin typeface="Calibri"/>
+              <a:ea typeface="Calibri"/>
+              <a:cs typeface="Calibri"/>
+              <a:sym typeface="Calibri"/>
+            </a:endParaRPr>
+          </a:p>
+          <a:p>
+            <a:pPr marL="171450" marR="0" lvl="0" indent="-133350" algn="l" rtl="0">
+              <a:lnSpc>
+                <a:spcPct val="100000"/>
+              </a:lnSpc>
+              <a:spcBef>
+                <a:spcPts val="0"/>
+              </a:spcBef>
+              <a:spcAft>
+                <a:spcPts val="0"/>
+              </a:spcAft>
+              <a:buClr>
+                <a:schemeClr val="dk1"/>
+              </a:buClr>
+              <a:buSzPts val="1200"/>
+              <a:buFont typeface="Calibri"/>
+              <a:buChar char="●"/>
+            </a:pPr>
+            <a:r>
+              <a:rPr lang="en" sz="1200">
+                <a:solidFill>
+                  <a:schemeClr val="dk1"/>
+                </a:solidFill>
+                <a:latin typeface="Calibri"/>
+                <a:ea typeface="Calibri"/>
+                <a:cs typeface="Calibri"/>
+                <a:sym typeface="Calibri"/>
+              </a:rPr>
+              <a:t>Download and install the IDE from </a:t>
+            </a:r>
+            <a:r>
+              <a:rPr lang="en" sz="1200" u="sng">
+                <a:solidFill>
+                  <a:schemeClr val="hlink"/>
+                </a:solidFill>
+                <a:latin typeface="Calibri"/>
+                <a:ea typeface="Calibri"/>
+                <a:cs typeface="Calibri"/>
+                <a:sym typeface="Calibri"/>
+                <a:hlinkClick r:id="rId3"/>
+              </a:rPr>
+              <a:t>https://qoder.com</a:t>
+            </a:r>
+            <a:endParaRPr sz="1200">
+              <a:solidFill>
+                <a:schemeClr val="dk1"/>
+              </a:solidFill>
+              <a:latin typeface="Calibri"/>
+              <a:ea typeface="Calibri"/>
+              <a:cs typeface="Calibri"/>
+              <a:sym typeface="Calibri"/>
+            </a:endParaRPr>
+          </a:p>
+        </p:txBody>
+      </p:sp>
+      <p:pic>
+        <p:nvPicPr>
+          <p:cNvPr id="173" name="Google Shape;173;p21"/>
+          <p:cNvPicPr preferRelativeResize="0"/>
+          <p:nvPr/>
+        </p:nvPicPr>
+        <p:blipFill rotWithShape="1">
+          <a:blip r:embed="rId4" cstate="email">
+            <a:alphaModFix/>
+            <a:extLst>
+              <a:ext uri="{28A0092B-C50C-407E-A947-70E740481C1C}">
+                <a14:useLocalDpi xmlns:a14="http://schemas.microsoft.com/office/drawing/2010/main"/>
+              </a:ext>
+            </a:extLst>
+          </a:blip>
+          <a:srcRect/>
+          <a:stretch/>
+        </p:blipFill>
+        <p:spPr>
+          <a:xfrm>
+            <a:off x="5283650" y="1900950"/>
+            <a:ext cx="1744975" cy="701875"/>
+          </a:xfrm>
+          <a:prstGeom prst="rect">
+            <a:avLst/>
+          </a:prstGeom>
+          <a:noFill/>
+          <a:ln>
+            <a:noFill/>
+          </a:ln>
+        </p:spPr>
+      </p:pic>
+    </p:spTree>
+  </p:cSld>
+  <p:clrMapOvr>
+    <a:masterClrMapping/>
+  </p:clrMapOvr>
+</p:sld>
+</file>
+
+<file path=ppt/slides/slide8.xml><?xml version="1.0" encoding="utf-8"?>
+<p:sld xmlns:a="http://schemas.openxmlformats.org/drawingml/2006/main" xmlns:r="http://schemas.openxmlformats.org/officeDocument/2006/relationships" xmlns:p="http://schemas.openxmlformats.org/presentationml/2006/main">
+  <p:cSld>
+    <p:spTree>
+      <p:nvGrpSpPr>
+        <p:cNvPr id="1" name="Shape 177"/>
+        <p:cNvGrpSpPr/>
+        <p:nvPr/>
+      </p:nvGrpSpPr>
+      <p:grpSpPr>
+        <a:xfrm>
+          <a:off x="0" y="0"/>
+          <a:ext cx="0" cy="0"/>
+          <a:chOff x="0" y="0"/>
+          <a:chExt cx="0" cy="0"/>
+        </a:xfrm>
+      </p:grpSpPr>
+      <p:sp>
+        <p:nvSpPr>
+          <p:cNvPr id="178" name="Google Shape;178;p22"/>
+          <p:cNvSpPr txBox="1"/>
+          <p:nvPr/>
+        </p:nvSpPr>
+        <p:spPr>
+          <a:xfrm>
+            <a:off x="55075" y="-9225"/>
             <a:ext cx="3181500" cy="326400"/>
           </a:xfrm>
           <a:prstGeom prst="rect">
@@ -48026,7 +49068,7 @@
       </p:sp>
       <p:sp>
         <p:nvSpPr>
-          <p:cNvPr id="172" name="Google Shape;172;p21"/>
+          <p:cNvPr id="179" name="Google Shape;179;p22"/>
           <p:cNvSpPr txBox="1"/>
           <p:nvPr/>
         </p:nvSpPr>
@@ -48159,7 +49201,30 @@
                 <a:cs typeface="Calibri"/>
                 <a:sym typeface="Calibri"/>
               </a:rPr>
-              <a:t>The architecture uses just 6 attention layers alongside 28 Mamba-2 layers and 28 FFN layers</a:t>
+              <a:t>The architecture uses just 6 attention layers </a:t>
+            </a:r>
+            <a:br>
+              <a:rPr lang="en" sz="1200">
+                <a:solidFill>
+                  <a:schemeClr val="dk1"/>
+                </a:solidFill>
+                <a:latin typeface="Calibri"/>
+                <a:ea typeface="Calibri"/>
+                <a:cs typeface="Calibri"/>
+                <a:sym typeface="Calibri"/>
+              </a:rPr>
+            </a:br>
+            <a:r>
+              <a:rPr lang="en" sz="1200">
+                <a:solidFill>
+                  <a:schemeClr val="dk1"/>
+                </a:solidFill>
+                <a:latin typeface="Calibri"/>
+                <a:ea typeface="Calibri"/>
+                <a:cs typeface="Calibri"/>
+                <a:sym typeface="Calibri"/>
+              </a:rPr>
+              <a:t>alongside 28 Mamba-2 layers and 28 FFN layers</a:t>
             </a:r>
             <a:endParaRPr sz="1200">
               <a:solidFill>
@@ -48183,13 +49248,53 @@
                 <a:spcPts val="0"/>
               </a:spcAft>
               <a:buClr>
-                <a:schemeClr val="dk1"/>
+                <a:srgbClr val="3C78D8"/>
               </a:buClr>
               <a:buSzPts val="1200"/>
               <a:buFont typeface="Calibri"/>
               <a:buChar char="●"/>
             </a:pPr>
             <a:r>
+              <a:rPr lang="en" sz="1200" b="1">
+                <a:solidFill>
+                  <a:srgbClr val="3C78D8"/>
+                </a:solidFill>
+                <a:latin typeface="Calibri"/>
+                <a:ea typeface="Calibri"/>
+                <a:cs typeface="Calibri"/>
+                <a:sym typeface="Calibri"/>
+              </a:rPr>
+              <a:t>Up to 6x faster</a:t>
+            </a:r>
+            <a:endParaRPr sz="1200" b="1">
+              <a:solidFill>
+                <a:srgbClr val="3C78D8"/>
+              </a:solidFill>
+              <a:latin typeface="Calibri"/>
+              <a:ea typeface="Calibri"/>
+              <a:cs typeface="Calibri"/>
+              <a:sym typeface="Calibri"/>
+            </a:endParaRPr>
+          </a:p>
+          <a:p>
+            <a:pPr marL="171450" marR="0" lvl="0" indent="-133350" algn="l" rtl="0">
+              <a:lnSpc>
+                <a:spcPct val="100000"/>
+              </a:lnSpc>
+              <a:spcBef>
+                <a:spcPts val="0"/>
+              </a:spcBef>
+              <a:spcAft>
+                <a:spcPts val="0"/>
+              </a:spcAft>
+              <a:buClr>
+                <a:schemeClr val="dk1"/>
+              </a:buClr>
+              <a:buSzPts val="1200"/>
+              <a:buFont typeface="Calibri"/>
+              <a:buChar char="●"/>
+            </a:pPr>
+            <a:r>
               <a:rPr lang="en" sz="1200">
                 <a:solidFill>
                   <a:schemeClr val="dk1"/>
@@ -48199,7 +49304,54 @@
                 <a:cs typeface="Calibri"/>
                 <a:sym typeface="Calibri"/>
               </a:rPr>
-              <a:t>Up to 6x faster</a:t>
+              <a:t>A </a:t>
+            </a:r>
+            <a:r>
+              <a:rPr lang="en" sz="1200" b="1">
+                <a:solidFill>
+                  <a:srgbClr val="FF0000"/>
+                </a:solidFill>
+                <a:latin typeface="Calibri"/>
+                <a:ea typeface="Calibri"/>
+                <a:cs typeface="Calibri"/>
+                <a:sym typeface="Calibri"/>
+              </a:rPr>
+              <a:t>9B parameter model that runs 128K context</a:t>
+            </a:r>
+            <a:r>
+              <a:rPr lang="en" sz="1200">
+                <a:solidFill>
+                  <a:schemeClr val="dk1"/>
+                </a:solidFill>
+                <a:latin typeface="Calibri"/>
+                <a:ea typeface="Calibri"/>
+                <a:cs typeface="Calibri"/>
+                <a:sym typeface="Calibri"/>
+              </a:rPr>
+              <a:t> </a:t>
+            </a:r>
+            <a:br>
+              <a:rPr lang="en" sz="1200">
+                <a:solidFill>
+                  <a:schemeClr val="dk1"/>
+                </a:solidFill>
+                <a:latin typeface="Calibri"/>
+                <a:ea typeface="Calibri"/>
+                <a:cs typeface="Calibri"/>
+                <a:sym typeface="Calibri"/>
+              </a:rPr>
+            </a:br>
+            <a:r>
+              <a:rPr lang="en" sz="1200">
+                <a:solidFill>
+                  <a:schemeClr val="dk1"/>
+                </a:solidFill>
+                <a:latin typeface="Calibri"/>
+                <a:ea typeface="Calibri"/>
+                <a:cs typeface="Calibri"/>
+                <a:sym typeface="Calibri"/>
+              </a:rPr>
+              <a:t>on a single A10G GPU (just 22GB memory)</a:t>
             </a:r>
             <a:endParaRPr sz="1200">
               <a:solidFill>
@@ -48239,7 +49391,42 @@
                 <a:cs typeface="Calibri"/>
                 <a:sym typeface="Calibri"/>
               </a:rPr>
-              <a:t>A 9B parameter model that runs 128K context on a single A10G GPU (just 22GB memory)</a:t>
+              <a:t>The model was trained on 20 trillion tokens, then compressed </a:t>
+            </a:r>
+            <a:br>
+              <a:rPr lang="en" sz="1200">
+                <a:solidFill>
+                  <a:schemeClr val="dk1"/>
+                </a:solidFill>
+                <a:latin typeface="Calibri"/>
+                <a:ea typeface="Calibri"/>
+                <a:cs typeface="Calibri"/>
+                <a:sym typeface="Calibri"/>
+              </a:rPr>
+            </a:br>
+            <a:r>
+              <a:rPr lang="en" sz="1200" b="1">
+                <a:solidFill>
+                  <a:srgbClr val="3C78D8"/>
+                </a:solidFill>
+                <a:latin typeface="Calibri"/>
+                <a:ea typeface="Calibri"/>
+                <a:cs typeface="Calibri"/>
+                <a:sym typeface="Calibri"/>
+              </a:rPr>
+              <a:t>from 12B to 9B parameters</a:t>
+            </a:r>
+            <a:r>
+              <a:rPr lang="en" sz="1200">
+                <a:solidFill>
+                  <a:schemeClr val="dk1"/>
+                </a:solidFill>
+                <a:latin typeface="Calibri"/>
+                <a:ea typeface="Calibri"/>
+                <a:cs typeface="Calibri"/>
+                <a:sym typeface="Calibri"/>
+              </a:rPr>
+              <a:t> while maintaining performance.</a:t>
             </a:r>
             <a:endParaRPr sz="1200">
               <a:solidFill>
@@ -48263,13 +49450,89 @@
                 <a:spcPts val="0"/>
               </a:spcAft>
               <a:buClr>
-                <a:schemeClr val="dk1"/>
+                <a:srgbClr val="6AA84F"/>
               </a:buClr>
               <a:buSzPts val="1200"/>
               <a:buFont typeface="Calibri"/>
               <a:buChar char="●"/>
             </a:pPr>
             <a:r>
+              <a:rPr lang="en" sz="1200" b="1">
+                <a:solidFill>
+                  <a:srgbClr val="6AA84F"/>
+                </a:solidFill>
+                <a:latin typeface="Calibri"/>
+                <a:ea typeface="Calibri"/>
+                <a:cs typeface="Calibri"/>
+                <a:sym typeface="Calibri"/>
+              </a:rPr>
+              <a:t>Importance: High-quality reasoning models can run </a:t>
+            </a:r>
+            <a:br>
+              <a:rPr lang="en" sz="1200" b="1">
+                <a:solidFill>
+                  <a:srgbClr val="6AA84F"/>
+                </a:solidFill>
+                <a:latin typeface="Calibri"/>
+                <a:ea typeface="Calibri"/>
+                <a:cs typeface="Calibri"/>
+                <a:sym typeface="Calibri"/>
+              </a:rPr>
+            </a:br>
+            <a:r>
+              <a:rPr lang="en" sz="1200" b="1">
+                <a:solidFill>
+                  <a:srgbClr val="6AA84F"/>
+                </a:solidFill>
+                <a:latin typeface="Calibri"/>
+                <a:ea typeface="Calibri"/>
+                <a:cs typeface="Calibri"/>
+                <a:sym typeface="Calibri"/>
+              </a:rPr>
+              <a:t>on single GPUs instead of clusters</a:t>
+            </a:r>
+            <a:endParaRPr sz="1200" b="1">
+              <a:solidFill>
+                <a:srgbClr val="6AA84F"/>
+              </a:solidFill>
+              <a:latin typeface="Calibri"/>
+              <a:ea typeface="Calibri"/>
+              <a:cs typeface="Calibri"/>
+              <a:sym typeface="Calibri"/>
+            </a:endParaRPr>
+          </a:p>
+          <a:p>
+            <a:pPr marL="171450" marR="0" lvl="0" indent="-133350" algn="l" rtl="0">
+              <a:lnSpc>
+                <a:spcPct val="100000"/>
+              </a:lnSpc>
+              <a:spcBef>
+                <a:spcPts val="0"/>
+              </a:spcBef>
+              <a:spcAft>
+                <a:spcPts val="0"/>
+              </a:spcAft>
+              <a:buClr>
+                <a:schemeClr val="dk1"/>
+              </a:buClr>
+              <a:buSzPts val="1200"/>
+              <a:buFont typeface="Calibri"/>
+              <a:buChar char="●"/>
+            </a:pPr>
+            <a:r>
+              <a:rPr lang="en" sz="1200" u="sng">
+                <a:solidFill>
+                  <a:schemeClr val="hlink"/>
+                </a:solidFill>
+                <a:latin typeface="Calibri"/>
+                <a:ea typeface="Calibri"/>
+                <a:cs typeface="Calibri"/>
+                <a:sym typeface="Calibri"/>
+                <a:hlinkClick r:id="rId3"/>
+              </a:rPr>
+              <a:t>https://arxiv.org/abs/2508.14444</a:t>
+            </a:r>
+            <a:r>
               <a:rPr lang="en" sz="1200">
                 <a:solidFill>
                   <a:schemeClr val="dk1"/>
@@ -48279,7 +49542,7 @@
                 <a:cs typeface="Calibri"/>
                 <a:sym typeface="Calibri"/>
               </a:rPr>
-              <a:t>The model was trained on 20 trillion tokens, then compressed from 12B to 9B parameters while maintaining performance.</a:t>
+              <a:t> - paper</a:t>
             </a:r>
             <a:endParaRPr sz="1200">
               <a:solidFill>
@@ -48291,104 +49554,11 @@
               <a:sym typeface="Calibri"/>
             </a:endParaRPr>
           </a:p>
-          <a:p>
-            <a:pPr marL="171450" marR="0" lvl="0" indent="-133350" algn="l" rtl="0">
-              <a:lnSpc>
-                <a:spcPct val="100000"/>
-              </a:lnSpc>
-              <a:spcBef>
-                <a:spcPts val="0"/>
-              </a:spcBef>
-              <a:spcAft>
-                <a:spcPts val="0"/>
-              </a:spcAft>
-              <a:buClr>
-                <a:schemeClr val="dk1"/>
-              </a:buClr>
-              <a:buSzPts val="1200"/>
-              <a:buFont typeface="Calibri"/>
-              <a:buChar char="●"/>
-            </a:pPr>
-            <a:r>
-              <a:rPr lang="en" sz="1200">
-                <a:solidFill>
-                  <a:schemeClr val="dk1"/>
-                </a:solidFill>
-                <a:latin typeface="Calibri"/>
-                <a:ea typeface="Calibri"/>
-                <a:cs typeface="Calibri"/>
-                <a:sym typeface="Calibri"/>
-              </a:rPr>
-              <a:t>Importance: High-quality reasoning models can run on single GPUs instead of clusters</a:t>
-            </a:r>
-            <a:endParaRPr sz="1200">
-              <a:solidFill>
-                <a:schemeClr val="dk1"/>
-              </a:solidFill>
-              <a:latin typeface="Calibri"/>
-              <a:ea typeface="Calibri"/>
-              <a:cs typeface="Calibri"/>
-              <a:sym typeface="Calibri"/>
-            </a:endParaRPr>
-          </a:p>
-          <a:p>
-            <a:pPr marL="171450" marR="0" lvl="0" indent="-133350" algn="l" rtl="0">
-              <a:lnSpc>
-                <a:spcPct val="100000"/>
-              </a:lnSpc>
-              <a:spcBef>
-                <a:spcPts val="0"/>
-              </a:spcBef>
-              <a:spcAft>
-                <a:spcPts val="0"/>
-              </a:spcAft>
-              <a:buClr>
-                <a:schemeClr val="dk1"/>
-              </a:buClr>
-              <a:buSzPts val="1200"/>
-              <a:buFont typeface="Calibri"/>
-              <a:buChar char="●"/>
-            </a:pPr>
-            <a:r>
-              <a:rPr lang="en" sz="1200" u="sng">
-                <a:solidFill>
-                  <a:schemeClr val="hlink"/>
-                </a:solidFill>
-                <a:latin typeface="Calibri"/>
-                <a:ea typeface="Calibri"/>
-                <a:cs typeface="Calibri"/>
-                <a:sym typeface="Calibri"/>
-                <a:hlinkClick r:id="rId3"/>
-              </a:rPr>
-              <a:t>https://arxiv.org/abs/2508.14444</a:t>
-            </a:r>
-            <a:r>
-              <a:rPr lang="en" sz="1200">
-                <a:solidFill>
-                  <a:schemeClr val="dk1"/>
-                </a:solidFill>
-                <a:latin typeface="Calibri"/>
-                <a:ea typeface="Calibri"/>
-                <a:cs typeface="Calibri"/>
-                <a:sym typeface="Calibri"/>
-              </a:rPr>
-              <a:t> - paper</a:t>
-            </a:r>
-            <a:endParaRPr sz="1200">
-              <a:solidFill>
-                <a:schemeClr val="dk1"/>
-              </a:solidFill>
-              <a:latin typeface="Calibri"/>
-              <a:ea typeface="Calibri"/>
-              <a:cs typeface="Calibri"/>
-              <a:sym typeface="Calibri"/>
-            </a:endParaRPr>
-          </a:p>
         </p:txBody>
       </p:sp>
       <p:pic>
         <p:nvPicPr>
-          <p:cNvPr id="173" name="Google Shape;173;p21"/>
+          <p:cNvPr id="180" name="Google Shape;180;p22"/>
           <p:cNvPicPr preferRelativeResize="0"/>
           <p:nvPr/>
         </p:nvPicPr>
@@ -48433,12 +49603,12 @@
 </p:sld>
 </file>
 
-<file path=ppt/slides/slide8.xml><?xml version="1.0" encoding="utf-8"?>
+<file path=ppt/slides/slide9.xml><?xml version="1.0" encoding="utf-8"?>
 <p:sld xmlns:a="http://schemas.openxmlformats.org/drawingml/2006/main" xmlns:r="http://schemas.openxmlformats.org/officeDocument/2006/relationships" xmlns:p="http://schemas.openxmlformats.org/presentationml/2006/main">
   <p:cSld>
     <p:spTree>
       <p:nvGrpSpPr>
-        <p:cNvPr id="1" name="Shape 177"/>
+        <p:cNvPr id="1" name="Shape 184"/>
         <p:cNvGrpSpPr/>
         <p:nvPr/>
       </p:nvGrpSpPr>
@@ -48452,373 +49622,7 @@
       </p:grpSpPr>
       <p:sp>
         <p:nvSpPr>
-          <p:cNvPr id="178" name="Google Shape;178;p22"/>
-          <p:cNvSpPr txBox="1"/>
-          <p:nvPr/>
-        </p:nvSpPr>
-        <p:spPr>
-          <a:xfrm>
-            <a:off x="401892" y="609999"/>
-            <a:ext cx="4337700" cy="3509400"/>
-          </a:xfrm>
-          <a:prstGeom prst="rect">
-            <a:avLst/>
-          </a:prstGeom>
-          <a:solidFill>
-            <a:srgbClr val="FFF2CC"/>
-          </a:solidFill>
-          <a:ln w="9525" cap="flat" cmpd="sng">
-            <a:solidFill>
-              <a:srgbClr val="FF0000"/>
-            </a:solidFill>
-            <a:prstDash val="solid"/>
-            <a:round/>
-            <a:headEnd type="none" w="sm" len="sm"/>
-            <a:tailEnd type="none" w="sm" len="sm"/>
-          </a:ln>
-        </p:spPr>
-        <p:txBody>
-          <a:bodyPr spcFirstLastPara="1" wrap="square" lIns="91425" tIns="91425" rIns="91425" bIns="91425" anchor="t" anchorCtr="0">
-            <a:spAutoFit/>
-          </a:bodyPr>
-          <a:lstStyle/>
-          <a:p>
-            <a:pPr marL="0" marR="0" lvl="0" indent="0" algn="l" rtl="0">
-              <a:lnSpc>
-                <a:spcPct val="100000"/>
-              </a:lnSpc>
-              <a:spcBef>
-                <a:spcPts val="0"/>
-              </a:spcBef>
-              <a:spcAft>
-                <a:spcPts val="0"/>
-              </a:spcAft>
-              <a:buClr>
-                <a:schemeClr val="dk1"/>
-              </a:buClr>
-              <a:buSzPts val="2500"/>
-              <a:buFont typeface="Arial"/>
-              <a:buNone/>
-            </a:pPr>
-            <a:r>
-              <a:rPr lang="en" sz="2200">
-                <a:solidFill>
-                  <a:schemeClr val="dk1"/>
-                </a:solidFill>
-                <a:latin typeface="Calibri"/>
-                <a:ea typeface="Calibri"/>
-                <a:cs typeface="Calibri"/>
-                <a:sym typeface="Calibri"/>
-              </a:rPr>
-              <a:t>Please pause the video - and answer the pinned question in comments under the video</a:t>
-            </a:r>
-            <a:endParaRPr sz="2200">
-              <a:solidFill>
-                <a:schemeClr val="dk1"/>
-              </a:solidFill>
-              <a:latin typeface="Calibri"/>
-              <a:ea typeface="Calibri"/>
-              <a:cs typeface="Calibri"/>
-              <a:sym typeface="Calibri"/>
-            </a:endParaRPr>
-          </a:p>
-          <a:p>
-            <a:pPr marL="0" marR="0" lvl="0" indent="0" algn="l" rtl="0">
-              <a:lnSpc>
-                <a:spcPct val="100000"/>
-              </a:lnSpc>
-              <a:spcBef>
-                <a:spcPts val="0"/>
-              </a:spcBef>
-              <a:spcAft>
-                <a:spcPts val="0"/>
-              </a:spcAft>
-              <a:buClr>
-                <a:schemeClr val="dk1"/>
-              </a:buClr>
-              <a:buSzPts val="2500"/>
-              <a:buFont typeface="Arial"/>
-              <a:buNone/>
-            </a:pPr>
-            <a:endParaRPr sz="2200">
-              <a:solidFill>
-                <a:schemeClr val="dk1"/>
-              </a:solidFill>
-              <a:latin typeface="Calibri"/>
-              <a:ea typeface="Calibri"/>
-              <a:cs typeface="Calibri"/>
-              <a:sym typeface="Calibri"/>
-            </a:endParaRPr>
-          </a:p>
-          <a:p>
-            <a:pPr marL="0" marR="0" lvl="0" indent="0" algn="l" rtl="0">
-              <a:lnSpc>
-                <a:spcPct val="100000"/>
-              </a:lnSpc>
-              <a:spcBef>
-                <a:spcPts val="0"/>
-              </a:spcBef>
-              <a:spcAft>
-                <a:spcPts val="0"/>
-              </a:spcAft>
-              <a:buClr>
-                <a:schemeClr val="dk1"/>
-              </a:buClr>
-              <a:buSzPts val="2500"/>
-              <a:buFont typeface="Arial"/>
-              <a:buNone/>
-            </a:pPr>
-            <a:r>
-              <a:rPr lang="en" sz="2200" b="0" i="0" u="none" strike="noStrike" cap="none">
-                <a:solidFill>
-                  <a:schemeClr val="dk1"/>
-                </a:solidFill>
-                <a:latin typeface="Calibri"/>
-                <a:ea typeface="Calibri"/>
-                <a:cs typeface="Calibri"/>
-                <a:sym typeface="Calibri"/>
-              </a:rPr>
-              <a:t>Subscribe to this channel</a:t>
-            </a:r>
-            <a:endParaRPr sz="2200" b="0" i="0" u="none" strike="noStrike" cap="none">
-              <a:solidFill>
-                <a:schemeClr val="dk1"/>
-              </a:solidFill>
-              <a:latin typeface="Calibri"/>
-              <a:ea typeface="Calibri"/>
-              <a:cs typeface="Calibri"/>
-              <a:sym typeface="Calibri"/>
-            </a:endParaRPr>
-          </a:p>
-          <a:p>
-            <a:pPr marL="0" lvl="0" indent="0" algn="l" rtl="0">
-              <a:spcBef>
-                <a:spcPts val="0"/>
-              </a:spcBef>
-              <a:spcAft>
-                <a:spcPts val="0"/>
-              </a:spcAft>
-              <a:buClr>
-                <a:schemeClr val="dk1"/>
-              </a:buClr>
-              <a:buSzPts val="2500"/>
-              <a:buFont typeface="Arial"/>
-              <a:buNone/>
-            </a:pPr>
-            <a:r>
-              <a:rPr lang="en" sz="1800" b="1" u="sng">
-                <a:solidFill>
-                  <a:schemeClr val="accent5"/>
-                </a:solidFill>
-                <a:latin typeface="Calibri"/>
-                <a:ea typeface="Calibri"/>
-                <a:cs typeface="Calibri"/>
-                <a:sym typeface="Calibri"/>
-                <a:hlinkClick r:id="rId3">
-                  <a:extLst>
-                    <a:ext uri="{A12FA001-AC4F-418D-AE19-62706E023703}">
-                      <ahyp:hlinkClr xmlns:ahyp="http://schemas.microsoft.com/office/drawing/2018/hyperlinkcolor" val="tx"/>
-                    </a:ext>
-                  </a:extLst>
-                </a:hlinkClick>
-              </a:rPr>
-              <a:t>https://www.youtube.com/@lev-selector</a:t>
-            </a:r>
-            <a:r>
-              <a:rPr lang="en" sz="1800" b="1">
-                <a:solidFill>
-                  <a:schemeClr val="dk1"/>
-                </a:solidFill>
-                <a:latin typeface="Calibri"/>
-                <a:ea typeface="Calibri"/>
-                <a:cs typeface="Calibri"/>
-                <a:sym typeface="Calibri"/>
-              </a:rPr>
-              <a:t> </a:t>
-            </a:r>
-            <a:endParaRPr sz="1800" b="1">
-              <a:solidFill>
-                <a:schemeClr val="dk1"/>
-              </a:solidFill>
-              <a:latin typeface="Calibri"/>
-              <a:ea typeface="Calibri"/>
-              <a:cs typeface="Calibri"/>
-              <a:sym typeface="Calibri"/>
-            </a:endParaRPr>
-          </a:p>
-          <a:p>
-            <a:pPr marL="0" marR="0" lvl="0" indent="0" algn="l" rtl="0">
-              <a:lnSpc>
-                <a:spcPct val="100000"/>
-              </a:lnSpc>
-              <a:spcBef>
-                <a:spcPts val="0"/>
-              </a:spcBef>
-              <a:spcAft>
-                <a:spcPts val="0"/>
-              </a:spcAft>
-              <a:buClr>
-                <a:schemeClr val="dk1"/>
-              </a:buClr>
-              <a:buSzPts val="2500"/>
-              <a:buFont typeface="Arial"/>
-              <a:buNone/>
-            </a:pPr>
-            <a:endParaRPr sz="2200">
-              <a:solidFill>
-                <a:schemeClr val="dk1"/>
-              </a:solidFill>
-              <a:latin typeface="Calibri"/>
-              <a:ea typeface="Calibri"/>
-              <a:cs typeface="Calibri"/>
-              <a:sym typeface="Calibri"/>
-            </a:endParaRPr>
-          </a:p>
-          <a:p>
-            <a:pPr marL="0" marR="0" lvl="0" indent="0" algn="l" rtl="0">
-              <a:lnSpc>
-                <a:spcPct val="100000"/>
-              </a:lnSpc>
-              <a:spcBef>
-                <a:spcPts val="0"/>
-              </a:spcBef>
-              <a:spcAft>
-                <a:spcPts val="0"/>
-              </a:spcAft>
-              <a:buClr>
-                <a:schemeClr val="dk1"/>
-              </a:buClr>
-              <a:buSzPts val="2500"/>
-              <a:buFont typeface="Arial"/>
-              <a:buNone/>
-            </a:pPr>
-            <a:r>
-              <a:rPr lang="en" sz="2200">
-                <a:solidFill>
-                  <a:schemeClr val="dk1"/>
-                </a:solidFill>
-                <a:latin typeface="Calibri"/>
-                <a:ea typeface="Calibri"/>
-                <a:cs typeface="Calibri"/>
-                <a:sym typeface="Calibri"/>
-              </a:rPr>
-              <a:t>G</a:t>
-            </a:r>
-            <a:r>
-              <a:rPr lang="en" sz="2200" b="0" i="0" u="none" strike="noStrike" cap="none">
-                <a:solidFill>
-                  <a:schemeClr val="dk1"/>
-                </a:solidFill>
-                <a:latin typeface="Calibri"/>
-                <a:ea typeface="Calibri"/>
-                <a:cs typeface="Calibri"/>
-                <a:sym typeface="Calibri"/>
-              </a:rPr>
-              <a:t>et notified about new videos - every Friday, links to slides under </a:t>
-            </a:r>
-            <a:r>
-              <a:rPr lang="en" sz="2200">
-                <a:solidFill>
-                  <a:schemeClr val="dk1"/>
-                </a:solidFill>
-                <a:latin typeface="Calibri"/>
-                <a:ea typeface="Calibri"/>
-                <a:cs typeface="Calibri"/>
-                <a:sym typeface="Calibri"/>
-              </a:rPr>
-              <a:t>the</a:t>
-            </a:r>
-            <a:r>
-              <a:rPr lang="en" sz="2200" b="0" i="0" u="none" strike="noStrike" cap="none">
-                <a:solidFill>
-                  <a:schemeClr val="dk1"/>
-                </a:solidFill>
-                <a:latin typeface="Calibri"/>
-                <a:ea typeface="Calibri"/>
-                <a:cs typeface="Calibri"/>
-                <a:sym typeface="Calibri"/>
-              </a:rPr>
-              <a:t> videos</a:t>
-            </a:r>
-            <a:endParaRPr sz="1800" b="1" i="0" u="none" strike="noStrike" cap="none">
-              <a:solidFill>
-                <a:srgbClr val="000000"/>
-              </a:solidFill>
-              <a:latin typeface="Calibri"/>
-              <a:ea typeface="Calibri"/>
-              <a:cs typeface="Calibri"/>
-              <a:sym typeface="Calibri"/>
-            </a:endParaRPr>
-          </a:p>
-        </p:txBody>
-      </p:sp>
-      <p:pic>
-        <p:nvPicPr>
-          <p:cNvPr id="179" name="Google Shape;179;p22"/>
-          <p:cNvPicPr preferRelativeResize="0"/>
-          <p:nvPr/>
-        </p:nvPicPr>
-        <p:blipFill>
-          <a:blip r:embed="rId4" cstate="email">
-            <a:alphaModFix/>
-            <a:extLst>
-              <a:ext uri="{28A0092B-C50C-407E-A947-70E740481C1C}">
-                <a14:useLocalDpi xmlns:a14="http://schemas.microsoft.com/office/drawing/2010/main"/>
-              </a:ext>
-            </a:extLst>
-          </a:blip>
-          <a:stretch>
-            <a:fillRect/>
-          </a:stretch>
-        </p:blipFill>
-        <p:spPr>
-          <a:xfrm>
-            <a:off x="5252850" y="69200"/>
-            <a:ext cx="3823975" cy="4948324"/>
-          </a:xfrm>
-          <a:prstGeom prst="rect">
-            <a:avLst/>
-          </a:prstGeom>
-          <a:noFill/>
-          <a:ln w="9525" cap="flat" cmpd="sng">
-            <a:solidFill>
-              <a:srgbClr val="FF0000"/>
-            </a:solidFill>
-            <a:prstDash val="solid"/>
-            <a:round/>
-            <a:headEnd type="none" w="sm" len="sm"/>
-            <a:tailEnd type="none" w="sm" len="sm"/>
-          </a:ln>
-        </p:spPr>
-      </p:pic>
-    </p:spTree>
-  </p:cSld>
-  <p:clrMapOvr>
-    <a:masterClrMapping/>
-  </p:clrMapOvr>
-</p:sld>
-</file>
-
-<file path=ppt/slides/slide9.xml><?xml version="1.0" encoding="utf-8"?>
-<p:sld xmlns:a="http://schemas.openxmlformats.org/drawingml/2006/main" xmlns:r="http://schemas.openxmlformats.org/officeDocument/2006/relationships" xmlns:p="http://schemas.openxmlformats.org/presentationml/2006/main">
-  <p:cSld>
-    <p:spTree>
-      <p:nvGrpSpPr>
-        <p:cNvPr id="1" name="Shape 183"/>
-        <p:cNvGrpSpPr/>
-        <p:nvPr/>
-      </p:nvGrpSpPr>
-      <p:grpSpPr>
-        <a:xfrm>
-          <a:off x="0" y="0"/>
-          <a:ext cx="0" cy="0"/>
-          <a:chOff x="0" y="0"/>
-          <a:chExt cx="0" cy="0"/>
-        </a:xfrm>
-      </p:grpSpPr>
-      <p:sp>
-        <p:nvSpPr>
-          <p:cNvPr id="184" name="Google Shape;184;p23"/>
+          <p:cNvPr id="185" name="Google Shape;185;p23"/>
           <p:cNvSpPr txBox="1"/>
           <p:nvPr/>
         </p:nvSpPr>
@@ -48884,7 +49688,7 @@
       </p:sp>
       <p:sp>
         <p:nvSpPr>
-          <p:cNvPr id="185" name="Google Shape;185;p23"/>
+          <p:cNvPr id="186" name="Google Shape;186;p23"/>
           <p:cNvSpPr txBox="1"/>
           <p:nvPr/>
         </p:nvSpPr>
@@ -49191,7 +49995,7 @@
       </p:sp>
       <p:pic>
         <p:nvPicPr>
-          <p:cNvPr id="186" name="Google Shape;186;p23"/>
+          <p:cNvPr id="187" name="Google Shape;187;p23"/>
           <p:cNvPicPr preferRelativeResize="0"/>
           <p:nvPr/>
         </p:nvPicPr>
